--- a/Courses/Computer-Modeling-and-IT/Computer-Modeling-and-IT-5-Class/19-Programming-in-Scratch/19-Progamming-in-Scratch.pptx
+++ b/Courses/Computer-Modeling-and-IT/Computer-Modeling-and-IT-5-Class/19-Programming-in-Scratch/19-Progamming-in-Scratch.pptx
@@ -232,6 +232,285 @@
 </p:cmAuthorLst>
 </file>
 
+<file path=ppt/revisionInfo.xml><?xml version="1.0" encoding="utf-8"?>
+<p1510:revInfo xmlns:a="http://schemas.openxmlformats.org/drawingml/2006/main" xmlns:r="http://schemas.openxmlformats.org/officeDocument/2006/relationships" xmlns:p1510="http://schemas.microsoft.com/office/powerpoint/2015/10/main">
+  <p1510:revLst>
+    <p1510:client id="{683AFA56-0E8C-4EBD-8FE7-7622987BC3CE}" v="39" dt="2023-08-11T16:35:34.367"/>
+  </p1510:revLst>
+</p1510:revInfo>
+</file>
+
+<file path=ppt/changesInfos/changesInfo1.xml><?xml version="1.0" encoding="utf-8"?>
+<pc:chgInfo xmlns:a="http://schemas.openxmlformats.org/drawingml/2006/main" xmlns:r="http://schemas.openxmlformats.org/officeDocument/2006/relationships" xmlns:ac="http://schemas.microsoft.com/office/drawing/2013/main/command" xmlns:pc="http://schemas.microsoft.com/office/powerpoint/2013/main/command">
+  <pc:docChgLst>
+    <pc:chgData name="Zaralieva,Rumyana (GBS Sourcing) BI-BG-S" userId="acb836a2-01b2-4c83-bf7f-a32750ad8778" providerId="ADAL" clId="{683AFA56-0E8C-4EBD-8FE7-7622987BC3CE}"/>
+    <pc:docChg chg="undo custSel modSld">
+      <pc:chgData name="Zaralieva,Rumyana (GBS Sourcing) BI-BG-S" userId="acb836a2-01b2-4c83-bf7f-a32750ad8778" providerId="ADAL" clId="{683AFA56-0E8C-4EBD-8FE7-7622987BC3CE}" dt="2023-08-11T16:36:54.115" v="162" actId="14100"/>
+      <pc:docMkLst>
+        <pc:docMk/>
+      </pc:docMkLst>
+      <pc:sldChg chg="modAnim">
+        <pc:chgData name="Zaralieva,Rumyana (GBS Sourcing) BI-BG-S" userId="acb836a2-01b2-4c83-bf7f-a32750ad8778" providerId="ADAL" clId="{683AFA56-0E8C-4EBD-8FE7-7622987BC3CE}" dt="2023-08-11T16:13:32.699" v="23"/>
+        <pc:sldMkLst>
+          <pc:docMk/>
+          <pc:sldMk cId="3072402304" sldId="635"/>
+        </pc:sldMkLst>
+      </pc:sldChg>
+      <pc:sldChg chg="addSp delSp modSp mod modAnim">
+        <pc:chgData name="Zaralieva,Rumyana (GBS Sourcing) BI-BG-S" userId="acb836a2-01b2-4c83-bf7f-a32750ad8778" providerId="ADAL" clId="{683AFA56-0E8C-4EBD-8FE7-7622987BC3CE}" dt="2023-08-11T16:35:34.367" v="158"/>
+        <pc:sldMkLst>
+          <pc:docMk/>
+          <pc:sldMk cId="1139474173" sldId="644"/>
+        </pc:sldMkLst>
+        <pc:spChg chg="del">
+          <ac:chgData name="Zaralieva,Rumyana (GBS Sourcing) BI-BG-S" userId="acb836a2-01b2-4c83-bf7f-a32750ad8778" providerId="ADAL" clId="{683AFA56-0E8C-4EBD-8FE7-7622987BC3CE}" dt="2023-08-11T16:31:13.563" v="131" actId="478"/>
+          <ac:spMkLst>
+            <pc:docMk/>
+            <pc:sldMk cId="1139474173" sldId="644"/>
+            <ac:spMk id="2" creationId="{8036882D-658D-CB8A-72F5-C658CDF732C1}"/>
+          </ac:spMkLst>
+        </pc:spChg>
+        <pc:spChg chg="mod">
+          <ac:chgData name="Zaralieva,Rumyana (GBS Sourcing) BI-BG-S" userId="acb836a2-01b2-4c83-bf7f-a32750ad8778" providerId="ADAL" clId="{683AFA56-0E8C-4EBD-8FE7-7622987BC3CE}" dt="2023-08-11T16:35:13.716" v="156" actId="20577"/>
+          <ac:spMkLst>
+            <pc:docMk/>
+            <pc:sldMk cId="1139474173" sldId="644"/>
+            <ac:spMk id="5" creationId="{52257ABB-6E9B-4338-8204-41F5119CB79D}"/>
+          </ac:spMkLst>
+        </pc:spChg>
+        <pc:picChg chg="add mod modCrop">
+          <ac:chgData name="Zaralieva,Rumyana (GBS Sourcing) BI-BG-S" userId="acb836a2-01b2-4c83-bf7f-a32750ad8778" providerId="ADAL" clId="{683AFA56-0E8C-4EBD-8FE7-7622987BC3CE}" dt="2023-08-11T16:34:03.361" v="144" actId="14100"/>
+          <ac:picMkLst>
+            <pc:docMk/>
+            <pc:sldMk cId="1139474173" sldId="644"/>
+            <ac:picMk id="6" creationId="{CF99B202-E220-3C6A-4AD3-B63599D17F46}"/>
+          </ac:picMkLst>
+        </pc:picChg>
+        <pc:picChg chg="add del mod">
+          <ac:chgData name="Zaralieva,Rumyana (GBS Sourcing) BI-BG-S" userId="acb836a2-01b2-4c83-bf7f-a32750ad8778" providerId="ADAL" clId="{683AFA56-0E8C-4EBD-8FE7-7622987BC3CE}" dt="2023-08-11T16:34:19.099" v="146" actId="478"/>
+          <ac:picMkLst>
+            <pc:docMk/>
+            <pc:sldMk cId="1139474173" sldId="644"/>
+            <ac:picMk id="8" creationId="{0388C0FC-0523-974D-4101-662EC927C687}"/>
+          </ac:picMkLst>
+        </pc:picChg>
+        <pc:picChg chg="add mod">
+          <ac:chgData name="Zaralieva,Rumyana (GBS Sourcing) BI-BG-S" userId="acb836a2-01b2-4c83-bf7f-a32750ad8778" providerId="ADAL" clId="{683AFA56-0E8C-4EBD-8FE7-7622987BC3CE}" dt="2023-08-11T16:35:02.568" v="153" actId="962"/>
+          <ac:picMkLst>
+            <pc:docMk/>
+            <pc:sldMk cId="1139474173" sldId="644"/>
+            <ac:picMk id="11" creationId="{42AF20DF-0BEA-28CC-6CDE-C5FF094DE025}"/>
+          </ac:picMkLst>
+        </pc:picChg>
+      </pc:sldChg>
+      <pc:sldChg chg="addSp delSp modSp mod">
+        <pc:chgData name="Zaralieva,Rumyana (GBS Sourcing) BI-BG-S" userId="acb836a2-01b2-4c83-bf7f-a32750ad8778" providerId="ADAL" clId="{683AFA56-0E8C-4EBD-8FE7-7622987BC3CE}" dt="2023-08-11T16:12:07.143" v="11" actId="208"/>
+        <pc:sldMkLst>
+          <pc:docMk/>
+          <pc:sldMk cId="3444872940" sldId="664"/>
+        </pc:sldMkLst>
+        <pc:spChg chg="del">
+          <ac:chgData name="Zaralieva,Rumyana (GBS Sourcing) BI-BG-S" userId="acb836a2-01b2-4c83-bf7f-a32750ad8778" providerId="ADAL" clId="{683AFA56-0E8C-4EBD-8FE7-7622987BC3CE}" dt="2023-08-11T16:11:17.993" v="3" actId="478"/>
+          <ac:spMkLst>
+            <pc:docMk/>
+            <pc:sldMk cId="3444872940" sldId="664"/>
+            <ac:spMk id="2" creationId="{B9432C41-8D8F-2629-AA6F-1CA0AD72C6F2}"/>
+          </ac:spMkLst>
+        </pc:spChg>
+        <pc:picChg chg="del">
+          <ac:chgData name="Zaralieva,Rumyana (GBS Sourcing) BI-BG-S" userId="acb836a2-01b2-4c83-bf7f-a32750ad8778" providerId="ADAL" clId="{683AFA56-0E8C-4EBD-8FE7-7622987BC3CE}" dt="2023-08-11T16:10:54.232" v="0" actId="478"/>
+          <ac:picMkLst>
+            <pc:docMk/>
+            <pc:sldMk cId="3444872940" sldId="664"/>
+            <ac:picMk id="4" creationId="{00000000-0000-0000-0000-000000000000}"/>
+          </ac:picMkLst>
+        </pc:picChg>
+        <pc:picChg chg="add mod">
+          <ac:chgData name="Zaralieva,Rumyana (GBS Sourcing) BI-BG-S" userId="acb836a2-01b2-4c83-bf7f-a32750ad8778" providerId="ADAL" clId="{683AFA56-0E8C-4EBD-8FE7-7622987BC3CE}" dt="2023-08-11T16:12:07.143" v="11" actId="208"/>
+          <ac:picMkLst>
+            <pc:docMk/>
+            <pc:sldMk cId="3444872940" sldId="664"/>
+            <ac:picMk id="6" creationId="{1431E400-2A7F-5E78-DD82-A28FCF9DD5B4}"/>
+          </ac:picMkLst>
+        </pc:picChg>
+      </pc:sldChg>
+      <pc:sldChg chg="delSp modSp mod">
+        <pc:chgData name="Zaralieva,Rumyana (GBS Sourcing) BI-BG-S" userId="acb836a2-01b2-4c83-bf7f-a32750ad8778" providerId="ADAL" clId="{683AFA56-0E8C-4EBD-8FE7-7622987BC3CE}" dt="2023-08-11T16:36:02.425" v="159" actId="208"/>
+        <pc:sldMkLst>
+          <pc:docMk/>
+          <pc:sldMk cId="4162728835" sldId="666"/>
+        </pc:sldMkLst>
+        <pc:spChg chg="del">
+          <ac:chgData name="Zaralieva,Rumyana (GBS Sourcing) BI-BG-S" userId="acb836a2-01b2-4c83-bf7f-a32750ad8778" providerId="ADAL" clId="{683AFA56-0E8C-4EBD-8FE7-7622987BC3CE}" dt="2023-08-11T16:14:52.096" v="25" actId="478"/>
+          <ac:spMkLst>
+            <pc:docMk/>
+            <pc:sldMk cId="4162728835" sldId="666"/>
+            <ac:spMk id="6" creationId="{064039AD-F593-E647-964B-9AD4ED43B0BF}"/>
+          </ac:spMkLst>
+        </pc:spChg>
+        <pc:picChg chg="mod">
+          <ac:chgData name="Zaralieva,Rumyana (GBS Sourcing) BI-BG-S" userId="acb836a2-01b2-4c83-bf7f-a32750ad8778" providerId="ADAL" clId="{683AFA56-0E8C-4EBD-8FE7-7622987BC3CE}" dt="2023-08-11T16:36:02.425" v="159" actId="208"/>
+          <ac:picMkLst>
+            <pc:docMk/>
+            <pc:sldMk cId="4162728835" sldId="666"/>
+            <ac:picMk id="5" creationId="{00000000-0000-0000-0000-000000000000}"/>
+          </ac:picMkLst>
+        </pc:picChg>
+      </pc:sldChg>
+      <pc:sldChg chg="delSp modSp mod">
+        <pc:chgData name="Zaralieva,Rumyana (GBS Sourcing) BI-BG-S" userId="acb836a2-01b2-4c83-bf7f-a32750ad8778" providerId="ADAL" clId="{683AFA56-0E8C-4EBD-8FE7-7622987BC3CE}" dt="2023-08-11T16:15:53.006" v="27" actId="478"/>
+        <pc:sldMkLst>
+          <pc:docMk/>
+          <pc:sldMk cId="3131606829" sldId="667"/>
+        </pc:sldMkLst>
+        <pc:spChg chg="del">
+          <ac:chgData name="Zaralieva,Rumyana (GBS Sourcing) BI-BG-S" userId="acb836a2-01b2-4c83-bf7f-a32750ad8778" providerId="ADAL" clId="{683AFA56-0E8C-4EBD-8FE7-7622987BC3CE}" dt="2023-08-11T16:15:53.006" v="27" actId="478"/>
+          <ac:spMkLst>
+            <pc:docMk/>
+            <pc:sldMk cId="3131606829" sldId="667"/>
+            <ac:spMk id="6" creationId="{4DBD4092-C56C-59A7-1007-4276801C949B}"/>
+          </ac:spMkLst>
+        </pc:spChg>
+        <pc:picChg chg="mod">
+          <ac:chgData name="Zaralieva,Rumyana (GBS Sourcing) BI-BG-S" userId="acb836a2-01b2-4c83-bf7f-a32750ad8778" providerId="ADAL" clId="{683AFA56-0E8C-4EBD-8FE7-7622987BC3CE}" dt="2023-08-11T16:15:43.749" v="26" actId="14826"/>
+          <ac:picMkLst>
+            <pc:docMk/>
+            <pc:sldMk cId="3131606829" sldId="667"/>
+            <ac:picMk id="5" creationId="{00000000-0000-0000-0000-000000000000}"/>
+          </ac:picMkLst>
+        </pc:picChg>
+      </pc:sldChg>
+      <pc:sldChg chg="addSp delSp modSp mod modAnim">
+        <pc:chgData name="Zaralieva,Rumyana (GBS Sourcing) BI-BG-S" userId="acb836a2-01b2-4c83-bf7f-a32750ad8778" providerId="ADAL" clId="{683AFA56-0E8C-4EBD-8FE7-7622987BC3CE}" dt="2023-08-11T16:18:20.735" v="45"/>
+        <pc:sldMkLst>
+          <pc:docMk/>
+          <pc:sldMk cId="1683193589" sldId="672"/>
+        </pc:sldMkLst>
+        <pc:spChg chg="mod">
+          <ac:chgData name="Zaralieva,Rumyana (GBS Sourcing) BI-BG-S" userId="acb836a2-01b2-4c83-bf7f-a32750ad8778" providerId="ADAL" clId="{683AFA56-0E8C-4EBD-8FE7-7622987BC3CE}" dt="2023-08-11T16:17:26.513" v="35" actId="14100"/>
+          <ac:spMkLst>
+            <pc:docMk/>
+            <pc:sldMk cId="1683193589" sldId="672"/>
+            <ac:spMk id="2" creationId="{00000000-0000-0000-0000-000000000000}"/>
+          </ac:spMkLst>
+        </pc:spChg>
+        <pc:spChg chg="del">
+          <ac:chgData name="Zaralieva,Rumyana (GBS Sourcing) BI-BG-S" userId="acb836a2-01b2-4c83-bf7f-a32750ad8778" providerId="ADAL" clId="{683AFA56-0E8C-4EBD-8FE7-7622987BC3CE}" dt="2023-08-11T16:17:02.750" v="28" actId="478"/>
+          <ac:spMkLst>
+            <pc:docMk/>
+            <pc:sldMk cId="1683193589" sldId="672"/>
+            <ac:spMk id="6" creationId="{F414B1CD-2515-B80D-F61B-39F08041FF46}"/>
+          </ac:spMkLst>
+        </pc:spChg>
+        <pc:picChg chg="mod">
+          <ac:chgData name="Zaralieva,Rumyana (GBS Sourcing) BI-BG-S" userId="acb836a2-01b2-4c83-bf7f-a32750ad8778" providerId="ADAL" clId="{683AFA56-0E8C-4EBD-8FE7-7622987BC3CE}" dt="2023-08-11T16:17:35.997" v="40" actId="1076"/>
+          <ac:picMkLst>
+            <pc:docMk/>
+            <pc:sldMk cId="1683193589" sldId="672"/>
+            <ac:picMk id="5" creationId="{00000000-0000-0000-0000-000000000000}"/>
+          </ac:picMkLst>
+        </pc:picChg>
+        <pc:picChg chg="add mod">
+          <ac:chgData name="Zaralieva,Rumyana (GBS Sourcing) BI-BG-S" userId="acb836a2-01b2-4c83-bf7f-a32750ad8778" providerId="ADAL" clId="{683AFA56-0E8C-4EBD-8FE7-7622987BC3CE}" dt="2023-08-11T16:17:39.804" v="42" actId="1076"/>
+          <ac:picMkLst>
+            <pc:docMk/>
+            <pc:sldMk cId="1683193589" sldId="672"/>
+            <ac:picMk id="8" creationId="{89B5481A-FB1C-B642-CEC5-4B9F215BC369}"/>
+          </ac:picMkLst>
+        </pc:picChg>
+      </pc:sldChg>
+      <pc:sldChg chg="addSp delSp modSp mod modAnim">
+        <pc:chgData name="Zaralieva,Rumyana (GBS Sourcing) BI-BG-S" userId="acb836a2-01b2-4c83-bf7f-a32750ad8778" providerId="ADAL" clId="{683AFA56-0E8C-4EBD-8FE7-7622987BC3CE}" dt="2023-08-11T16:36:54.115" v="162" actId="14100"/>
+        <pc:sldMkLst>
+          <pc:docMk/>
+          <pc:sldMk cId="2550595343" sldId="675"/>
+        </pc:sldMkLst>
+        <pc:spChg chg="del">
+          <ac:chgData name="Zaralieva,Rumyana (GBS Sourcing) BI-BG-S" userId="acb836a2-01b2-4c83-bf7f-a32750ad8778" providerId="ADAL" clId="{683AFA56-0E8C-4EBD-8FE7-7622987BC3CE}" dt="2023-08-11T16:26:28.768" v="100" actId="478"/>
+          <ac:spMkLst>
+            <pc:docMk/>
+            <pc:sldMk cId="2550595343" sldId="675"/>
+            <ac:spMk id="6" creationId="{9EF2964C-E0E4-38BE-EBFB-07EC279383FC}"/>
+          </ac:spMkLst>
+        </pc:spChg>
+        <pc:spChg chg="del">
+          <ac:chgData name="Zaralieva,Rumyana (GBS Sourcing) BI-BG-S" userId="acb836a2-01b2-4c83-bf7f-a32750ad8778" providerId="ADAL" clId="{683AFA56-0E8C-4EBD-8FE7-7622987BC3CE}" dt="2023-08-11T16:27:05.329" v="110" actId="478"/>
+          <ac:spMkLst>
+            <pc:docMk/>
+            <pc:sldMk cId="2550595343" sldId="675"/>
+            <ac:spMk id="7" creationId="{8FE1B987-74E8-1374-70C6-BA50BE096B44}"/>
+          </ac:spMkLst>
+        </pc:spChg>
+        <pc:spChg chg="add mod">
+          <ac:chgData name="Zaralieva,Rumyana (GBS Sourcing) BI-BG-S" userId="acb836a2-01b2-4c83-bf7f-a32750ad8778" providerId="ADAL" clId="{683AFA56-0E8C-4EBD-8FE7-7622987BC3CE}" dt="2023-08-11T16:28:09.328" v="122" actId="1076"/>
+          <ac:spMkLst>
+            <pc:docMk/>
+            <pc:sldMk cId="2550595343" sldId="675"/>
+            <ac:spMk id="10" creationId="{0FC94885-9E7E-0EAB-5BCF-9F3CBDB66E87}"/>
+          </ac:spMkLst>
+        </pc:spChg>
+        <pc:spChg chg="add mod">
+          <ac:chgData name="Zaralieva,Rumyana (GBS Sourcing) BI-BG-S" userId="acb836a2-01b2-4c83-bf7f-a32750ad8778" providerId="ADAL" clId="{683AFA56-0E8C-4EBD-8FE7-7622987BC3CE}" dt="2023-08-11T16:36:47.476" v="160" actId="1076"/>
+          <ac:spMkLst>
+            <pc:docMk/>
+            <pc:sldMk cId="2550595343" sldId="675"/>
+            <ac:spMk id="11" creationId="{BDE55FDF-4CE9-0172-3715-48D45C69BA99}"/>
+          </ac:spMkLst>
+        </pc:spChg>
+        <pc:spChg chg="add mod">
+          <ac:chgData name="Zaralieva,Rumyana (GBS Sourcing) BI-BG-S" userId="acb836a2-01b2-4c83-bf7f-a32750ad8778" providerId="ADAL" clId="{683AFA56-0E8C-4EBD-8FE7-7622987BC3CE}" dt="2023-08-11T16:28:48.821" v="130" actId="14100"/>
+          <ac:spMkLst>
+            <pc:docMk/>
+            <pc:sldMk cId="2550595343" sldId="675"/>
+            <ac:spMk id="12" creationId="{6C3A5D8E-F9BF-DF69-173F-1C3E4215447C}"/>
+          </ac:spMkLst>
+        </pc:spChg>
+        <pc:spChg chg="add mod">
+          <ac:chgData name="Zaralieva,Rumyana (GBS Sourcing) BI-BG-S" userId="acb836a2-01b2-4c83-bf7f-a32750ad8778" providerId="ADAL" clId="{683AFA56-0E8C-4EBD-8FE7-7622987BC3CE}" dt="2023-08-11T16:36:54.115" v="162" actId="14100"/>
+          <ac:spMkLst>
+            <pc:docMk/>
+            <pc:sldMk cId="2550595343" sldId="675"/>
+            <ac:spMk id="13" creationId="{C9C7D803-8D08-3FA2-3953-8A2C754BE653}"/>
+          </ac:spMkLst>
+        </pc:spChg>
+        <pc:picChg chg="add mod modCrop">
+          <ac:chgData name="Zaralieva,Rumyana (GBS Sourcing) BI-BG-S" userId="acb836a2-01b2-4c83-bf7f-a32750ad8778" providerId="ADAL" clId="{683AFA56-0E8C-4EBD-8FE7-7622987BC3CE}" dt="2023-08-11T16:26:43.550" v="106" actId="1076"/>
+          <ac:picMkLst>
+            <pc:docMk/>
+            <pc:sldMk cId="2550595343" sldId="675"/>
+            <ac:picMk id="2" creationId="{ACBA5D35-5B31-0843-B23F-FD6F39EBE63F}"/>
+          </ac:picMkLst>
+        </pc:picChg>
+        <pc:picChg chg="mod modCrop">
+          <ac:chgData name="Zaralieva,Rumyana (GBS Sourcing) BI-BG-S" userId="acb836a2-01b2-4c83-bf7f-a32750ad8778" providerId="ADAL" clId="{683AFA56-0E8C-4EBD-8FE7-7622987BC3CE}" dt="2023-08-11T16:26:47.061" v="108" actId="1076"/>
+          <ac:picMkLst>
+            <pc:docMk/>
+            <pc:sldMk cId="2550595343" sldId="675"/>
+            <ac:picMk id="5" creationId="{00000000-0000-0000-0000-000000000000}"/>
+          </ac:picMkLst>
+        </pc:picChg>
+        <pc:picChg chg="add mod modCrop">
+          <ac:chgData name="Zaralieva,Rumyana (GBS Sourcing) BI-BG-S" userId="acb836a2-01b2-4c83-bf7f-a32750ad8778" providerId="ADAL" clId="{683AFA56-0E8C-4EBD-8FE7-7622987BC3CE}" dt="2023-08-11T16:26:41.823" v="105" actId="1076"/>
+          <ac:picMkLst>
+            <pc:docMk/>
+            <pc:sldMk cId="2550595343" sldId="675"/>
+            <ac:picMk id="8" creationId="{B086F2A9-D5FC-9FFD-43B2-0EB228863C63}"/>
+          </ac:picMkLst>
+        </pc:picChg>
+        <pc:picChg chg="add mod modCrop">
+          <ac:chgData name="Zaralieva,Rumyana (GBS Sourcing) BI-BG-S" userId="acb836a2-01b2-4c83-bf7f-a32750ad8778" providerId="ADAL" clId="{683AFA56-0E8C-4EBD-8FE7-7622987BC3CE}" dt="2023-08-11T16:26:44.531" v="107" actId="1076"/>
+          <ac:picMkLst>
+            <pc:docMk/>
+            <pc:sldMk cId="2550595343" sldId="675"/>
+            <ac:picMk id="9" creationId="{45356975-3744-5608-A4B8-A04EE6845752}"/>
+          </ac:picMkLst>
+        </pc:picChg>
+      </pc:sldChg>
+    </pc:docChg>
+  </pc:docChgLst>
+</pc:chgInfo>
+</file>
+
 <file path=ppt/handoutMasters/handoutMaster1.xml><?xml version="1.0" encoding="utf-8"?>
 <p:handoutMaster xmlns:a="http://schemas.openxmlformats.org/drawingml/2006/main" xmlns:r="http://schemas.openxmlformats.org/officeDocument/2006/relationships" xmlns:p="http://schemas.openxmlformats.org/presentationml/2006/main">
   <p:cSld>
@@ -326,7 +605,7 @@
           <a:p>
             <a:fld id="{4E087215-0C8F-4762-A664-737A353EC9A4}" type="datetimeFigureOut">
               <a:rPr lang="bg-BG" smtClean="0"/>
-              <a:t>11.08.23 г.</a:t>
+              <a:t>11.8.2023 г.</a:t>
             </a:fld>
             <a:endParaRPr lang="bg-BG"/>
           </a:p>
@@ -503,7 +782,7 @@
           <a:p>
             <a:fld id="{72D84649-876A-46C9-8472-14CB09C070D8}" type="datetimeFigureOut">
               <a:rPr lang="en-US" smtClean="0"/>
-              <a:t>8/11/23</a:t>
+              <a:t>8/11/2023</a:t>
             </a:fld>
             <a:endParaRPr lang="en-US"/>
           </a:p>
@@ -3193,7 +3472,7 @@
             <a:fld id="{055373AC-9AA7-423B-BA00-BA1C74164DBD}" type="datetime1">
               <a:rPr lang="en-US" smtClean="0"/>
               <a:pPr/>
-              <a:t>8/11/23</a:t>
+              <a:t>8/11/2023</a:t>
             </a:fld>
             <a:endParaRPr lang="en-US" dirty="0"/>
           </a:p>
@@ -3872,7 +4151,7 @@
             <a:fld id="{055373AC-9AA7-423B-BA00-BA1C74164DBD}" type="datetime1">
               <a:rPr lang="en-US" smtClean="0"/>
               <a:pPr/>
-              <a:t>8/11/23</a:t>
+              <a:t>8/11/2023</a:t>
             </a:fld>
             <a:endParaRPr lang="en-US" dirty="0"/>
           </a:p>
@@ -4631,7 +4910,7 @@
             <a:fld id="{055373AC-9AA7-423B-BA00-BA1C74164DBD}" type="datetime1">
               <a:rPr lang="en-US" smtClean="0"/>
               <a:pPr/>
-              <a:t>8/11/23</a:t>
+              <a:t>8/11/2023</a:t>
             </a:fld>
             <a:endParaRPr lang="en-US" dirty="0"/>
           </a:p>
@@ -5126,7 +5405,7 @@
             <a:fld id="{055373AC-9AA7-423B-BA00-BA1C74164DBD}" type="datetime1">
               <a:rPr lang="en-US" smtClean="0"/>
               <a:pPr/>
-              <a:t>8/11/23</a:t>
+              <a:t>8/11/2023</a:t>
             </a:fld>
             <a:endParaRPr lang="en-US" dirty="0"/>
           </a:p>
@@ -7236,7 +7515,7 @@
             <a:fld id="{055373AC-9AA7-423B-BA00-BA1C74164DBD}" type="datetime1">
               <a:rPr lang="en-US" smtClean="0"/>
               <a:pPr/>
-              <a:t>8/11/23</a:t>
+              <a:t>8/11/2023</a:t>
             </a:fld>
             <a:endParaRPr lang="en-US" dirty="0"/>
           </a:p>
@@ -8575,7 +8854,7 @@
             <a:fld id="{055373AC-9AA7-423B-BA00-BA1C74164DBD}" type="datetime1">
               <a:rPr lang="en-US" smtClean="0"/>
               <a:pPr/>
-              <a:t>8/11/23</a:t>
+              <a:t>8/11/2023</a:t>
             </a:fld>
             <a:endParaRPr lang="en-US" dirty="0"/>
           </a:p>
@@ -9655,7 +9934,7 @@
             <a:fld id="{055373AC-9AA7-423B-BA00-BA1C74164DBD}" type="datetime1">
               <a:rPr lang="en-US" smtClean="0"/>
               <a:pPr/>
-              <a:t>8/11/23</a:t>
+              <a:t>8/11/2023</a:t>
             </a:fld>
             <a:endParaRPr lang="en-US" dirty="0"/>
           </a:p>
@@ -10067,7 +10346,7 @@
             <a:fld id="{055373AC-9AA7-423B-BA00-BA1C74164DBD}" type="datetime1">
               <a:rPr lang="en-US" smtClean="0"/>
               <a:pPr/>
-              <a:t>8/11/23</a:t>
+              <a:t>8/11/2023</a:t>
             </a:fld>
             <a:endParaRPr lang="en-US" dirty="0"/>
           </a:p>
@@ -10437,7 +10716,7 @@
             <a:fld id="{055373AC-9AA7-423B-BA00-BA1C74164DBD}" type="datetime1">
               <a:rPr lang="en-US" smtClean="0"/>
               <a:pPr/>
-              <a:t>8/11/23</a:t>
+              <a:t>8/11/2023</a:t>
             </a:fld>
             <a:endParaRPr lang="en-US" dirty="0"/>
           </a:p>
@@ -11105,7 +11384,7 @@
             <a:fld id="{055373AC-9AA7-423B-BA00-BA1C74164DBD}" type="datetime1">
               <a:rPr lang="en-US" smtClean="0"/>
               <a:pPr/>
-              <a:t>8/11/23</a:t>
+              <a:t>8/11/2023</a:t>
             </a:fld>
             <a:endParaRPr lang="en-US" dirty="0"/>
           </a:p>
@@ -11313,7 +11592,7 @@
             <a:fld id="{055373AC-9AA7-423B-BA00-BA1C74164DBD}" type="datetime1">
               <a:rPr lang="en-US" smtClean="0"/>
               <a:pPr/>
-              <a:t>8/11/23</a:t>
+              <a:t>8/11/2023</a:t>
             </a:fld>
             <a:endParaRPr lang="en-US" dirty="0"/>
           </a:p>
@@ -13088,7 +13367,7 @@
         <p:spPr>
           <a:xfrm>
             <a:off x="190401" y="1196125"/>
-            <a:ext cx="6588467" cy="5201066"/>
+            <a:ext cx="11804833" cy="5201066"/>
           </a:xfrm>
         </p:spPr>
         <p:txBody>
@@ -13237,75 +13516,50 @@
         </p:blipFill>
         <p:spPr>
           <a:xfrm>
-            <a:off x="7104140" y="2082158"/>
-            <a:ext cx="4572000" cy="3429000"/>
+            <a:off x="1533419" y="3031754"/>
+            <a:ext cx="3949558" cy="2962169"/>
           </a:xfrm>
           <a:prstGeom prst="rect">
             <a:avLst/>
           </a:prstGeom>
         </p:spPr>
       </p:pic>
-      <p:sp>
-        <p:nvSpPr>
-          <p:cNvPr id="6" name="TextBox 5">
+      <p:pic>
+        <p:nvPicPr>
+          <p:cNvPr id="8" name="Picture 7" descr="A cartoon of a red house&#10;&#10;Description automatically generated">
             <a:extLst>
               <a:ext uri="{FF2B5EF4-FFF2-40B4-BE49-F238E27FC236}">
-                <a16:creationId xmlns:a16="http://schemas.microsoft.com/office/drawing/2014/main" id="{F414B1CD-2515-B80D-F61B-39F08041FF46}"/>
+                <a16:creationId xmlns:a16="http://schemas.microsoft.com/office/drawing/2014/main" id="{89B5481A-FB1C-B642-CEC5-4B9F215BC369}"/>
               </a:ext>
             </a:extLst>
           </p:cNvPr>
-          <p:cNvSpPr txBox="1"/>
+          <p:cNvPicPr>
+            <a:picLocks noChangeAspect="1"/>
+          </p:cNvPicPr>
           <p:nvPr/>
-        </p:nvSpPr>
+        </p:nvPicPr>
+        <p:blipFill>
+          <a:blip r:embed="rId3">
+            <a:extLst>
+              <a:ext uri="{28A0092B-C50C-407E-A947-70E740481C1C}">
+                <a14:useLocalDpi xmlns:a14="http://schemas.microsoft.com/office/drawing/2010/main" val="0"/>
+              </a:ext>
+            </a:extLst>
+          </a:blip>
+          <a:stretch>
+            <a:fillRect/>
+          </a:stretch>
+        </p:blipFill>
         <p:spPr>
           <a:xfrm>
-            <a:off x="1546544" y="4246348"/>
-            <a:ext cx="5084064" cy="1406383"/>
+            <a:off x="6709024" y="3031755"/>
+            <a:ext cx="3949557" cy="2962168"/>
           </a:xfrm>
           <a:prstGeom prst="rect">
             <a:avLst/>
           </a:prstGeom>
-          <a:ln/>
         </p:spPr>
-        <p:style>
-          <a:lnRef idx="2">
-            <a:schemeClr val="accent2"/>
-          </a:lnRef>
-          <a:fillRef idx="1">
-            <a:schemeClr val="lt1"/>
-          </a:fillRef>
-          <a:effectRef idx="0">
-            <a:schemeClr val="accent2"/>
-          </a:effectRef>
-          <a:fontRef idx="minor">
-            <a:schemeClr val="dk1"/>
-          </a:fontRef>
-        </p:style>
-        <p:txBody>
-          <a:bodyPr vert="horz" wrap="square" lIns="144000" tIns="108000" rIns="144000" bIns="108000" rtlCol="0">
-            <a:spAutoFit/>
-          </a:bodyPr>
-          <a:lstStyle/>
-          <a:p>
-            <a:pPr algn="l" eaLnBrk="0" hangingPunct="0">
-              <a:lnSpc>
-                <a:spcPct val="110000"/>
-              </a:lnSpc>
-              <a:buClr>
-                <a:schemeClr val="accent5">
-                  <a:lumMod val="40000"/>
-                  <a:lumOff val="60000"/>
-                </a:schemeClr>
-              </a:buClr>
-              <a:buSzPct val="70000"/>
-            </a:pPr>
-            <a:r>
-              <a:rPr lang="en-BG" sz="3600" dirty="0"/>
-              <a:t>TODO: add one more background example pic</a:t>
-            </a:r>
-          </a:p>
-        </p:txBody>
-      </p:sp>
+      </p:pic>
     </p:spTree>
     <p:extLst>
       <p:ext uri="{BB962C8B-B14F-4D97-AF65-F5344CB8AC3E}">
@@ -13358,7 +13612,101 @@
                                           </p:stCondLst>
                                         </p:cTn>
                                         <p:tgtEl>
+                                          <p:spTgt spid="2">
+                                            <p:txEl>
+                                              <p:pRg st="1" end="1"/>
+                                            </p:txEl>
+                                          </p:spTgt>
+                                        </p:tgtEl>
+                                        <p:attrNameLst>
+                                          <p:attrName>style.visibility</p:attrName>
+                                        </p:attrNameLst>
+                                      </p:cBhvr>
+                                      <p:to>
+                                        <p:strVal val="visible"/>
+                                      </p:to>
+                                    </p:set>
+                                  </p:childTnLst>
+                                </p:cTn>
+                              </p:par>
+                            </p:childTnLst>
+                          </p:cTn>
+                        </p:par>
+                      </p:childTnLst>
+                    </p:cTn>
+                  </p:par>
+                  <p:par>
+                    <p:cTn id="7" fill="hold">
+                      <p:stCondLst>
+                        <p:cond delay="indefinite"/>
+                      </p:stCondLst>
+                      <p:childTnLst>
+                        <p:par>
+                          <p:cTn id="8" fill="hold">
+                            <p:stCondLst>
+                              <p:cond delay="0"/>
+                            </p:stCondLst>
+                            <p:childTnLst>
+                              <p:par>
+                                <p:cTn id="9" presetID="1" presetClass="entr" presetSubtype="0" fill="hold" nodeType="clickEffect">
+                                  <p:stCondLst>
+                                    <p:cond delay="0"/>
+                                  </p:stCondLst>
+                                  <p:childTnLst>
+                                    <p:set>
+                                      <p:cBhvr>
+                                        <p:cTn id="10" dur="1" fill="hold">
+                                          <p:stCondLst>
+                                            <p:cond delay="0"/>
+                                          </p:stCondLst>
+                                        </p:cTn>
+                                        <p:tgtEl>
                                           <p:spTgt spid="5"/>
+                                        </p:tgtEl>
+                                        <p:attrNameLst>
+                                          <p:attrName>style.visibility</p:attrName>
+                                        </p:attrNameLst>
+                                      </p:cBhvr>
+                                      <p:to>
+                                        <p:strVal val="visible"/>
+                                      </p:to>
+                                    </p:set>
+                                  </p:childTnLst>
+                                </p:cTn>
+                              </p:par>
+                            </p:childTnLst>
+                          </p:cTn>
+                        </p:par>
+                      </p:childTnLst>
+                    </p:cTn>
+                  </p:par>
+                  <p:par>
+                    <p:cTn id="11" fill="hold">
+                      <p:stCondLst>
+                        <p:cond delay="indefinite"/>
+                      </p:stCondLst>
+                      <p:childTnLst>
+                        <p:par>
+                          <p:cTn id="12" fill="hold">
+                            <p:stCondLst>
+                              <p:cond delay="0"/>
+                            </p:stCondLst>
+                            <p:childTnLst>
+                              <p:par>
+                                <p:cTn id="13" presetID="1" presetClass="entr" presetSubtype="0" fill="hold" nodeType="clickEffect">
+                                  <p:stCondLst>
+                                    <p:cond delay="0"/>
+                                  </p:stCondLst>
+                                  <p:childTnLst>
+                                    <p:set>
+                                      <p:cBhvr>
+                                        <p:cTn id="14" dur="1" fill="hold">
+                                          <p:stCondLst>
+                                            <p:cond delay="0"/>
+                                          </p:stCondLst>
+                                        </p:cTn>
+                                        <p:tgtEl>
+                                          <p:spTgt spid="8"/>
                                         </p:tgtEl>
                                         <p:attrNameLst>
                                           <p:attrName>style.visibility</p:attrName>
@@ -13907,7 +14255,7 @@
           </p:cNvPicPr>
           <p:nvPr/>
         </p:nvPicPr>
-        <p:blipFill>
+        <p:blipFill rotWithShape="1">
           <a:blip r:embed="rId2">
             <a:extLst>
               <a:ext uri="{28A0092B-C50C-407E-A947-70E740481C1C}">
@@ -13915,14 +14263,118 @@
               </a:ext>
             </a:extLst>
           </a:blip>
-          <a:stretch>
-            <a:fillRect/>
-          </a:stretch>
+          <a:srcRect l="72135" t="56757" b="15393"/>
+          <a:stretch/>
         </p:blipFill>
         <p:spPr>
           <a:xfrm>
-            <a:off x="1128094" y="2297921"/>
-            <a:ext cx="10058400" cy="3246420"/>
+            <a:off x="8867702" y="3037415"/>
+            <a:ext cx="2802782" cy="904126"/>
+          </a:xfrm>
+          <a:prstGeom prst="rect">
+            <a:avLst/>
+          </a:prstGeom>
+        </p:spPr>
+      </p:pic>
+      <p:pic>
+        <p:nvPicPr>
+          <p:cNvPr id="2" name="Picture 1">
+            <a:extLst>
+              <a:ext uri="{FF2B5EF4-FFF2-40B4-BE49-F238E27FC236}">
+                <a16:creationId xmlns:a16="http://schemas.microsoft.com/office/drawing/2014/main" id="{ACBA5D35-5B31-0843-B23F-FD6F39EBE63F}"/>
+              </a:ext>
+            </a:extLst>
+          </p:cNvPr>
+          <p:cNvPicPr>
+            <a:picLocks noChangeAspect="1"/>
+          </p:cNvPicPr>
+          <p:nvPr/>
+        </p:nvPicPr>
+        <p:blipFill rotWithShape="1">
+          <a:blip r:embed="rId2">
+            <a:extLst>
+              <a:ext uri="{28A0092B-C50C-407E-A947-70E740481C1C}">
+                <a14:useLocalDpi xmlns:a14="http://schemas.microsoft.com/office/drawing/2010/main" val="0"/>
+              </a:ext>
+            </a:extLst>
+          </a:blip>
+          <a:srcRect t="33824" r="76878" b="36544"/>
+          <a:stretch/>
+        </p:blipFill>
+        <p:spPr>
+          <a:xfrm>
+            <a:off x="3478437" y="3008491"/>
+            <a:ext cx="2325735" cy="961976"/>
+          </a:xfrm>
+          <a:prstGeom prst="rect">
+            <a:avLst/>
+          </a:prstGeom>
+        </p:spPr>
+      </p:pic>
+      <p:pic>
+        <p:nvPicPr>
+          <p:cNvPr id="8" name="Picture 7">
+            <a:extLst>
+              <a:ext uri="{FF2B5EF4-FFF2-40B4-BE49-F238E27FC236}">
+                <a16:creationId xmlns:a16="http://schemas.microsoft.com/office/drawing/2014/main" id="{B086F2A9-D5FC-9FFD-43B2-0EB228863C63}"/>
+              </a:ext>
+            </a:extLst>
+          </p:cNvPr>
+          <p:cNvPicPr>
+            <a:picLocks noChangeAspect="1"/>
+          </p:cNvPicPr>
+          <p:nvPr/>
+        </p:nvPicPr>
+        <p:blipFill rotWithShape="1">
+          <a:blip r:embed="rId2">
+            <a:extLst>
+              <a:ext uri="{28A0092B-C50C-407E-A947-70E740481C1C}">
+                <a14:useLocalDpi xmlns:a14="http://schemas.microsoft.com/office/drawing/2010/main" val="0"/>
+              </a:ext>
+            </a:extLst>
+          </a:blip>
+          <a:srcRect l="23327" t="30146" r="55631" b="32747"/>
+          <a:stretch/>
+        </p:blipFill>
+        <p:spPr>
+          <a:xfrm>
+            <a:off x="849949" y="2887156"/>
+            <a:ext cx="2116476" cy="1204645"/>
+          </a:xfrm>
+          <a:prstGeom prst="rect">
+            <a:avLst/>
+          </a:prstGeom>
+        </p:spPr>
+      </p:pic>
+      <p:pic>
+        <p:nvPicPr>
+          <p:cNvPr id="9" name="Picture 8">
+            <a:extLst>
+              <a:ext uri="{FF2B5EF4-FFF2-40B4-BE49-F238E27FC236}">
+                <a16:creationId xmlns:a16="http://schemas.microsoft.com/office/drawing/2014/main" id="{45356975-3744-5608-A4B8-A04EE6845752}"/>
+              </a:ext>
+            </a:extLst>
+          </p:cNvPr>
+          <p:cNvPicPr>
+            <a:picLocks noChangeAspect="1"/>
+          </p:cNvPicPr>
+          <p:nvPr/>
+        </p:nvPicPr>
+        <p:blipFill rotWithShape="1">
+          <a:blip r:embed="rId2">
+            <a:extLst>
+              <a:ext uri="{28A0092B-C50C-407E-A947-70E740481C1C}">
+                <a14:useLocalDpi xmlns:a14="http://schemas.microsoft.com/office/drawing/2010/main" val="0"/>
+              </a:ext>
+            </a:extLst>
+          </a:blip>
+          <a:srcRect l="45185" t="33824" r="29074" b="12808"/>
+          <a:stretch/>
+        </p:blipFill>
+        <p:spPr>
+          <a:xfrm>
+            <a:off x="6119002" y="2623209"/>
+            <a:ext cx="2589088" cy="1732538"/>
           </a:xfrm>
           <a:prstGeom prst="rect">
             <a:avLst/>
@@ -13931,10 +14383,10 @@
       </p:pic>
       <p:sp>
         <p:nvSpPr>
-          <p:cNvPr id="6" name="TextBox 5">
+          <p:cNvPr id="10" name="TextBox 9">
             <a:extLst>
               <a:ext uri="{FF2B5EF4-FFF2-40B4-BE49-F238E27FC236}">
-                <a16:creationId xmlns:a16="http://schemas.microsoft.com/office/drawing/2014/main" id="{9EF2964C-E0E4-38BE-EBFB-07EC279383FC}"/>
+                <a16:creationId xmlns:a16="http://schemas.microsoft.com/office/drawing/2014/main" id="{0FC94885-9E7E-0EAB-5BCF-9F3CBDB66E87}"/>
               </a:ext>
             </a:extLst>
           </p:cNvPr>
@@ -13943,8 +14395,8 @@
         </p:nvSpPr>
         <p:spPr>
           <a:xfrm>
-            <a:off x="1243584" y="1231392"/>
-            <a:ext cx="8948928" cy="1348868"/>
+            <a:off x="809721" y="4355746"/>
+            <a:ext cx="2198670" cy="604049"/>
           </a:xfrm>
           <a:prstGeom prst="rect">
             <a:avLst/>
@@ -13969,7 +14421,7 @@
           </a:bodyPr>
           <a:lstStyle/>
           <a:p>
-            <a:pPr eaLnBrk="0" hangingPunct="0">
+            <a:pPr algn="ctr" eaLnBrk="0" hangingPunct="0">
               <a:lnSpc>
                 <a:spcPct val="110000"/>
               </a:lnSpc>
@@ -13982,56 +14434,54 @@
               <a:buSzPct val="70000"/>
             </a:pPr>
             <a:r>
-              <a:rPr lang="en-US" sz="4400" dirty="0"/>
-              <a:t>(</a:t>
-            </a:r>
-            <a:r>
-              <a:rPr lang="en-US" sz="4400" b="1" dirty="0"/>
-              <a:t>hat</a:t>
-            </a:r>
-            <a:r>
-              <a:rPr lang="en-US" sz="4400" dirty="0"/>
-              <a:t>, </a:t>
-            </a:r>
-            <a:r>
-              <a:rPr lang="en-US" sz="4400" b="1" dirty="0"/>
-              <a:t>stack</a:t>
-            </a:r>
-            <a:r>
-              <a:rPr lang="en-US" sz="4400" dirty="0"/>
-              <a:t>, </a:t>
-            </a:r>
-            <a:r>
-              <a:rPr lang="en-US" sz="4400" b="1" dirty="0"/>
-              <a:t>reporter</a:t>
-            </a:r>
-            <a:r>
-              <a:rPr lang="en-US" sz="4400" dirty="0"/>
-              <a:t>, </a:t>
-            </a:r>
-            <a:r>
-              <a:rPr lang="en-US" sz="4400" b="1" dirty="0" err="1"/>
-              <a:t>boolean</a:t>
-            </a:r>
-            <a:r>
-              <a:rPr lang="en-US" sz="4400" dirty="0"/>
-              <a:t> </a:t>
-            </a:r>
-            <a:r>
-              <a:rPr lang="bg-BG" sz="4400" dirty="0"/>
-              <a:t>и </a:t>
-            </a:r>
-            <a:r>
-              <a:rPr lang="en-US" sz="4400" b="1" dirty="0"/>
-              <a:t>cap</a:t>
-            </a:r>
-            <a:r>
-              <a:rPr lang="en-US" sz="4400" dirty="0"/>
-              <a:t>)</a:t>
-            </a:r>
-          </a:p>
-          <a:p>
-            <a:pPr algn="l" eaLnBrk="0" hangingPunct="0">
+              <a:rPr lang="en-US" sz="2400" dirty="0"/>
+              <a:t>Hat</a:t>
+            </a:r>
+            <a:endParaRPr lang="bg-BG" sz="2400" dirty="0"/>
+          </a:p>
+        </p:txBody>
+      </p:sp>
+      <p:sp>
+        <p:nvSpPr>
+          <p:cNvPr id="11" name="TextBox 10">
+            <a:extLst>
+              <a:ext uri="{FF2B5EF4-FFF2-40B4-BE49-F238E27FC236}">
+                <a16:creationId xmlns:a16="http://schemas.microsoft.com/office/drawing/2014/main" id="{BDE55FDF-4CE9-0172-3715-48D45C69BA99}"/>
+              </a:ext>
+            </a:extLst>
+          </p:cNvPr>
+          <p:cNvSpPr txBox="1"/>
+          <p:nvPr/>
+        </p:nvSpPr>
+        <p:spPr>
+          <a:xfrm>
+            <a:off x="3596098" y="4355745"/>
+            <a:ext cx="2141904" cy="604049"/>
+          </a:xfrm>
+          <a:prstGeom prst="rect">
+            <a:avLst/>
+          </a:prstGeom>
+          <a:solidFill>
+            <a:schemeClr val="accent6">
+              <a:lumMod val="75000"/>
+              <a:alpha val="15000"/>
+            </a:schemeClr>
+          </a:solidFill>
+          <a:ln w="12700">
+            <a:solidFill>
+              <a:schemeClr val="tx1">
+                <a:lumMod val="75000"/>
+              </a:schemeClr>
+            </a:solidFill>
+          </a:ln>
+        </p:spPr>
+        <p:txBody>
+          <a:bodyPr vert="horz" wrap="square" lIns="144000" tIns="108000" rIns="144000" bIns="108000" rtlCol="0">
+            <a:spAutoFit/>
+          </a:bodyPr>
+          <a:lstStyle/>
+          <a:p>
+            <a:pPr algn="ctr" eaLnBrk="0" hangingPunct="0">
               <a:lnSpc>
                 <a:spcPct val="110000"/>
               </a:lnSpc>
@@ -14043,16 +14493,20 @@
               </a:buClr>
               <a:buSzPct val="70000"/>
             </a:pPr>
-            <a:endParaRPr lang="en-BG" sz="2400" dirty="0"/>
+            <a:r>
+              <a:rPr lang="en-US" sz="2400" dirty="0"/>
+              <a:t>Stack</a:t>
+            </a:r>
+            <a:endParaRPr lang="bg-BG" sz="2400" dirty="0"/>
           </a:p>
         </p:txBody>
       </p:sp>
       <p:sp>
         <p:nvSpPr>
-          <p:cNvPr id="7" name="TextBox 6">
+          <p:cNvPr id="12" name="TextBox 11">
             <a:extLst>
               <a:ext uri="{FF2B5EF4-FFF2-40B4-BE49-F238E27FC236}">
-                <a16:creationId xmlns:a16="http://schemas.microsoft.com/office/drawing/2014/main" id="{8FE1B987-74E8-1374-70C6-BA50BE096B44}"/>
+                <a16:creationId xmlns:a16="http://schemas.microsoft.com/office/drawing/2014/main" id="{6C3A5D8E-F9BF-DF69-173F-1C3E4215447C}"/>
               </a:ext>
             </a:extLst>
           </p:cNvPr>
@@ -14061,35 +14515,33 @@
         </p:nvSpPr>
         <p:spPr>
           <a:xfrm>
-            <a:off x="1128094" y="5145235"/>
-            <a:ext cx="5084064" cy="1406383"/>
+            <a:off x="8956749" y="4355746"/>
+            <a:ext cx="2609664" cy="604049"/>
           </a:xfrm>
           <a:prstGeom prst="rect">
             <a:avLst/>
           </a:prstGeom>
-          <a:ln/>
+          <a:solidFill>
+            <a:schemeClr val="accent6">
+              <a:lumMod val="75000"/>
+              <a:alpha val="15000"/>
+            </a:schemeClr>
+          </a:solidFill>
+          <a:ln w="12700">
+            <a:solidFill>
+              <a:schemeClr val="tx1">
+                <a:lumMod val="75000"/>
+              </a:schemeClr>
+            </a:solidFill>
+          </a:ln>
         </p:spPr>
-        <p:style>
-          <a:lnRef idx="2">
-            <a:schemeClr val="accent2"/>
-          </a:lnRef>
-          <a:fillRef idx="1">
-            <a:schemeClr val="lt1"/>
-          </a:fillRef>
-          <a:effectRef idx="0">
-            <a:schemeClr val="accent2"/>
-          </a:effectRef>
-          <a:fontRef idx="minor">
-            <a:schemeClr val="dk1"/>
-          </a:fontRef>
-        </p:style>
         <p:txBody>
           <a:bodyPr vert="horz" wrap="square" lIns="144000" tIns="108000" rIns="144000" bIns="108000" rtlCol="0">
             <a:spAutoFit/>
           </a:bodyPr>
           <a:lstStyle/>
           <a:p>
-            <a:pPr algn="l" eaLnBrk="0" hangingPunct="0">
+            <a:pPr algn="ctr" eaLnBrk="0" hangingPunct="0">
               <a:lnSpc>
                 <a:spcPct val="110000"/>
               </a:lnSpc>
@@ -14102,9 +14554,70 @@
               <a:buSzPct val="70000"/>
             </a:pPr>
             <a:r>
-              <a:rPr lang="en-BG" sz="3600" dirty="0"/>
-              <a:t>TODO: write the function of each one</a:t>
-            </a:r>
+              <a:rPr lang="en-US" sz="2400" dirty="0"/>
+              <a:t>Boolean</a:t>
+            </a:r>
+            <a:endParaRPr lang="bg-BG" sz="2400" dirty="0"/>
+          </a:p>
+        </p:txBody>
+      </p:sp>
+      <p:sp>
+        <p:nvSpPr>
+          <p:cNvPr id="13" name="TextBox 12">
+            <a:extLst>
+              <a:ext uri="{FF2B5EF4-FFF2-40B4-BE49-F238E27FC236}">
+                <a16:creationId xmlns:a16="http://schemas.microsoft.com/office/drawing/2014/main" id="{C9C7D803-8D08-3FA2-3953-8A2C754BE653}"/>
+              </a:ext>
+            </a:extLst>
+          </p:cNvPr>
+          <p:cNvSpPr txBox="1"/>
+          <p:nvPr/>
+        </p:nvSpPr>
+        <p:spPr>
+          <a:xfrm>
+            <a:off x="6458049" y="4355745"/>
+            <a:ext cx="2007857" cy="604049"/>
+          </a:xfrm>
+          <a:prstGeom prst="rect">
+            <a:avLst/>
+          </a:prstGeom>
+          <a:solidFill>
+            <a:schemeClr val="accent6">
+              <a:lumMod val="75000"/>
+              <a:alpha val="15000"/>
+            </a:schemeClr>
+          </a:solidFill>
+          <a:ln w="12700">
+            <a:solidFill>
+              <a:schemeClr val="tx1">
+                <a:lumMod val="75000"/>
+              </a:schemeClr>
+            </a:solidFill>
+          </a:ln>
+        </p:spPr>
+        <p:txBody>
+          <a:bodyPr vert="horz" wrap="square" lIns="144000" tIns="108000" rIns="144000" bIns="108000" rtlCol="0">
+            <a:spAutoFit/>
+          </a:bodyPr>
+          <a:lstStyle/>
+          <a:p>
+            <a:pPr algn="ctr" eaLnBrk="0" hangingPunct="0">
+              <a:lnSpc>
+                <a:spcPct val="110000"/>
+              </a:lnSpc>
+              <a:buClr>
+                <a:schemeClr val="accent5">
+                  <a:lumMod val="40000"/>
+                  <a:lumOff val="60000"/>
+                </a:schemeClr>
+              </a:buClr>
+              <a:buSzPct val="70000"/>
+            </a:pPr>
+            <a:r>
+              <a:rPr lang="en-US" sz="2400" dirty="0"/>
+              <a:t>Cap</a:t>
+            </a:r>
+            <a:endParaRPr lang="bg-BG" sz="2400" dirty="0"/>
           </a:p>
         </p:txBody>
       </p:sp>
@@ -14126,6 +14639,357 @@
       <p:transition spd="slow" advClick="0" advTm="5000"/>
     </mc:Fallback>
   </mc:AlternateContent>
+  <p:timing>
+    <p:tnLst>
+      <p:par>
+        <p:cTn id="1" dur="indefinite" restart="never" nodeType="tmRoot">
+          <p:childTnLst>
+            <p:seq concurrent="1" nextAc="seek">
+              <p:cTn id="2" dur="indefinite" nodeType="mainSeq">
+                <p:childTnLst>
+                  <p:par>
+                    <p:cTn id="3" fill="hold">
+                      <p:stCondLst>
+                        <p:cond delay="indefinite"/>
+                      </p:stCondLst>
+                      <p:childTnLst>
+                        <p:par>
+                          <p:cTn id="4" fill="hold">
+                            <p:stCondLst>
+                              <p:cond delay="0"/>
+                            </p:stCondLst>
+                            <p:childTnLst>
+                              <p:par>
+                                <p:cTn id="5" presetID="1" presetClass="entr" presetSubtype="0" fill="hold" grpId="0" nodeType="clickEffect">
+                                  <p:stCondLst>
+                                    <p:cond delay="0"/>
+                                  </p:stCondLst>
+                                  <p:childTnLst>
+                                    <p:set>
+                                      <p:cBhvr>
+                                        <p:cTn id="6" dur="1" fill="hold">
+                                          <p:stCondLst>
+                                            <p:cond delay="0"/>
+                                          </p:stCondLst>
+                                        </p:cTn>
+                                        <p:tgtEl>
+                                          <p:spTgt spid="10"/>
+                                        </p:tgtEl>
+                                        <p:attrNameLst>
+                                          <p:attrName>style.visibility</p:attrName>
+                                        </p:attrNameLst>
+                                      </p:cBhvr>
+                                      <p:to>
+                                        <p:strVal val="visible"/>
+                                      </p:to>
+                                    </p:set>
+                                  </p:childTnLst>
+                                </p:cTn>
+                              </p:par>
+                            </p:childTnLst>
+                          </p:cTn>
+                        </p:par>
+                      </p:childTnLst>
+                    </p:cTn>
+                  </p:par>
+                  <p:par>
+                    <p:cTn id="7" fill="hold">
+                      <p:stCondLst>
+                        <p:cond delay="indefinite"/>
+                      </p:stCondLst>
+                      <p:childTnLst>
+                        <p:par>
+                          <p:cTn id="8" fill="hold">
+                            <p:stCondLst>
+                              <p:cond delay="0"/>
+                            </p:stCondLst>
+                            <p:childTnLst>
+                              <p:par>
+                                <p:cTn id="9" presetID="1" presetClass="entr" presetSubtype="0" fill="hold" nodeType="clickEffect">
+                                  <p:stCondLst>
+                                    <p:cond delay="0"/>
+                                  </p:stCondLst>
+                                  <p:childTnLst>
+                                    <p:set>
+                                      <p:cBhvr>
+                                        <p:cTn id="10" dur="1" fill="hold">
+                                          <p:stCondLst>
+                                            <p:cond delay="0"/>
+                                          </p:stCondLst>
+                                        </p:cTn>
+                                        <p:tgtEl>
+                                          <p:spTgt spid="2"/>
+                                        </p:tgtEl>
+                                        <p:attrNameLst>
+                                          <p:attrName>style.visibility</p:attrName>
+                                        </p:attrNameLst>
+                                      </p:cBhvr>
+                                      <p:to>
+                                        <p:strVal val="visible"/>
+                                      </p:to>
+                                    </p:set>
+                                  </p:childTnLst>
+                                </p:cTn>
+                              </p:par>
+                            </p:childTnLst>
+                          </p:cTn>
+                        </p:par>
+                      </p:childTnLst>
+                    </p:cTn>
+                  </p:par>
+                  <p:par>
+                    <p:cTn id="11" fill="hold">
+                      <p:stCondLst>
+                        <p:cond delay="indefinite"/>
+                      </p:stCondLst>
+                      <p:childTnLst>
+                        <p:par>
+                          <p:cTn id="12" fill="hold">
+                            <p:stCondLst>
+                              <p:cond delay="0"/>
+                            </p:stCondLst>
+                            <p:childTnLst>
+                              <p:par>
+                                <p:cTn id="13" presetID="1" presetClass="entr" presetSubtype="0" fill="hold" grpId="0" nodeType="clickEffect">
+                                  <p:stCondLst>
+                                    <p:cond delay="0"/>
+                                  </p:stCondLst>
+                                  <p:childTnLst>
+                                    <p:set>
+                                      <p:cBhvr>
+                                        <p:cTn id="14" dur="1" fill="hold">
+                                          <p:stCondLst>
+                                            <p:cond delay="0"/>
+                                          </p:stCondLst>
+                                        </p:cTn>
+                                        <p:tgtEl>
+                                          <p:spTgt spid="11"/>
+                                        </p:tgtEl>
+                                        <p:attrNameLst>
+                                          <p:attrName>style.visibility</p:attrName>
+                                        </p:attrNameLst>
+                                      </p:cBhvr>
+                                      <p:to>
+                                        <p:strVal val="visible"/>
+                                      </p:to>
+                                    </p:set>
+                                  </p:childTnLst>
+                                </p:cTn>
+                              </p:par>
+                            </p:childTnLst>
+                          </p:cTn>
+                        </p:par>
+                      </p:childTnLst>
+                    </p:cTn>
+                  </p:par>
+                  <p:par>
+                    <p:cTn id="15" fill="hold">
+                      <p:stCondLst>
+                        <p:cond delay="indefinite"/>
+                      </p:stCondLst>
+                      <p:childTnLst>
+                        <p:par>
+                          <p:cTn id="16" fill="hold">
+                            <p:stCondLst>
+                              <p:cond delay="0"/>
+                            </p:stCondLst>
+                            <p:childTnLst>
+                              <p:par>
+                                <p:cTn id="17" presetID="1" presetClass="entr" presetSubtype="0" fill="hold" nodeType="clickEffect">
+                                  <p:stCondLst>
+                                    <p:cond delay="0"/>
+                                  </p:stCondLst>
+                                  <p:childTnLst>
+                                    <p:set>
+                                      <p:cBhvr>
+                                        <p:cTn id="18" dur="1" fill="hold">
+                                          <p:stCondLst>
+                                            <p:cond delay="0"/>
+                                          </p:stCondLst>
+                                        </p:cTn>
+                                        <p:tgtEl>
+                                          <p:spTgt spid="9"/>
+                                        </p:tgtEl>
+                                        <p:attrNameLst>
+                                          <p:attrName>style.visibility</p:attrName>
+                                        </p:attrNameLst>
+                                      </p:cBhvr>
+                                      <p:to>
+                                        <p:strVal val="visible"/>
+                                      </p:to>
+                                    </p:set>
+                                  </p:childTnLst>
+                                </p:cTn>
+                              </p:par>
+                            </p:childTnLst>
+                          </p:cTn>
+                        </p:par>
+                      </p:childTnLst>
+                    </p:cTn>
+                  </p:par>
+                  <p:par>
+                    <p:cTn id="19" fill="hold">
+                      <p:stCondLst>
+                        <p:cond delay="indefinite"/>
+                      </p:stCondLst>
+                      <p:childTnLst>
+                        <p:par>
+                          <p:cTn id="20" fill="hold">
+                            <p:stCondLst>
+                              <p:cond delay="0"/>
+                            </p:stCondLst>
+                            <p:childTnLst>
+                              <p:par>
+                                <p:cTn id="21" presetID="1" presetClass="entr" presetSubtype="0" fill="hold" grpId="0" nodeType="clickEffect">
+                                  <p:stCondLst>
+                                    <p:cond delay="0"/>
+                                  </p:stCondLst>
+                                  <p:childTnLst>
+                                    <p:set>
+                                      <p:cBhvr>
+                                        <p:cTn id="22" dur="1" fill="hold">
+                                          <p:stCondLst>
+                                            <p:cond delay="0"/>
+                                          </p:stCondLst>
+                                        </p:cTn>
+                                        <p:tgtEl>
+                                          <p:spTgt spid="13"/>
+                                        </p:tgtEl>
+                                        <p:attrNameLst>
+                                          <p:attrName>style.visibility</p:attrName>
+                                        </p:attrNameLst>
+                                      </p:cBhvr>
+                                      <p:to>
+                                        <p:strVal val="visible"/>
+                                      </p:to>
+                                    </p:set>
+                                  </p:childTnLst>
+                                </p:cTn>
+                              </p:par>
+                            </p:childTnLst>
+                          </p:cTn>
+                        </p:par>
+                      </p:childTnLst>
+                    </p:cTn>
+                  </p:par>
+                  <p:par>
+                    <p:cTn id="23" fill="hold">
+                      <p:stCondLst>
+                        <p:cond delay="indefinite"/>
+                      </p:stCondLst>
+                      <p:childTnLst>
+                        <p:par>
+                          <p:cTn id="24" fill="hold">
+                            <p:stCondLst>
+                              <p:cond delay="0"/>
+                            </p:stCondLst>
+                            <p:childTnLst>
+                              <p:par>
+                                <p:cTn id="25" presetID="1" presetClass="entr" presetSubtype="0" fill="hold" nodeType="clickEffect">
+                                  <p:stCondLst>
+                                    <p:cond delay="0"/>
+                                  </p:stCondLst>
+                                  <p:childTnLst>
+                                    <p:set>
+                                      <p:cBhvr>
+                                        <p:cTn id="26" dur="1" fill="hold">
+                                          <p:stCondLst>
+                                            <p:cond delay="0"/>
+                                          </p:stCondLst>
+                                        </p:cTn>
+                                        <p:tgtEl>
+                                          <p:spTgt spid="5"/>
+                                        </p:tgtEl>
+                                        <p:attrNameLst>
+                                          <p:attrName>style.visibility</p:attrName>
+                                        </p:attrNameLst>
+                                      </p:cBhvr>
+                                      <p:to>
+                                        <p:strVal val="visible"/>
+                                      </p:to>
+                                    </p:set>
+                                  </p:childTnLst>
+                                </p:cTn>
+                              </p:par>
+                            </p:childTnLst>
+                          </p:cTn>
+                        </p:par>
+                      </p:childTnLst>
+                    </p:cTn>
+                  </p:par>
+                  <p:par>
+                    <p:cTn id="27" fill="hold">
+                      <p:stCondLst>
+                        <p:cond delay="indefinite"/>
+                      </p:stCondLst>
+                      <p:childTnLst>
+                        <p:par>
+                          <p:cTn id="28" fill="hold">
+                            <p:stCondLst>
+                              <p:cond delay="0"/>
+                            </p:stCondLst>
+                            <p:childTnLst>
+                              <p:par>
+                                <p:cTn id="29" presetID="1" presetClass="entr" presetSubtype="0" fill="hold" grpId="0" nodeType="clickEffect">
+                                  <p:stCondLst>
+                                    <p:cond delay="0"/>
+                                  </p:stCondLst>
+                                  <p:childTnLst>
+                                    <p:set>
+                                      <p:cBhvr>
+                                        <p:cTn id="30" dur="1" fill="hold">
+                                          <p:stCondLst>
+                                            <p:cond delay="0"/>
+                                          </p:stCondLst>
+                                        </p:cTn>
+                                        <p:tgtEl>
+                                          <p:spTgt spid="12"/>
+                                        </p:tgtEl>
+                                        <p:attrNameLst>
+                                          <p:attrName>style.visibility</p:attrName>
+                                        </p:attrNameLst>
+                                      </p:cBhvr>
+                                      <p:to>
+                                        <p:strVal val="visible"/>
+                                      </p:to>
+                                    </p:set>
+                                  </p:childTnLst>
+                                </p:cTn>
+                              </p:par>
+                            </p:childTnLst>
+                          </p:cTn>
+                        </p:par>
+                      </p:childTnLst>
+                    </p:cTn>
+                  </p:par>
+                </p:childTnLst>
+              </p:cTn>
+              <p:prevCondLst>
+                <p:cond evt="onPrev" delay="0">
+                  <p:tgtEl>
+                    <p:sldTgt/>
+                  </p:tgtEl>
+                </p:cond>
+              </p:prevCondLst>
+              <p:nextCondLst>
+                <p:cond evt="onNext" delay="0">
+                  <p:tgtEl>
+                    <p:sldTgt/>
+                  </p:tgtEl>
+                </p:cond>
+              </p:nextCondLst>
+            </p:seq>
+          </p:childTnLst>
+        </p:cTn>
+      </p:par>
+    </p:tnLst>
+    <p:bldLst>
+      <p:bldP spid="10" grpId="0" animBg="1"/>
+      <p:bldP spid="11" grpId="0" animBg="1"/>
+      <p:bldP spid="12" grpId="0" animBg="1"/>
+      <p:bldP spid="13" grpId="0" animBg="1"/>
+    </p:bldLst>
+  </p:timing>
 </p:sld>
 </file>
 
@@ -14531,7 +15395,7 @@
           <a:p>
             <a:r>
               <a:rPr lang="bg-BG" sz="4000" dirty="0"/>
-              <a:t>Пример за скрипт</a:t>
+              <a:t>Примери за скрипт</a:t>
             </a:r>
           </a:p>
         </p:txBody>
@@ -14595,67 +15459,77 @@
           </a:prstGeom>
         </p:spPr>
       </p:pic>
-      <p:sp>
-        <p:nvSpPr>
-          <p:cNvPr id="2" name="TextBox 1">
+      <p:pic>
+        <p:nvPicPr>
+          <p:cNvPr id="6" name="Picture 5">
             <a:extLst>
               <a:ext uri="{FF2B5EF4-FFF2-40B4-BE49-F238E27FC236}">
-                <a16:creationId xmlns:a16="http://schemas.microsoft.com/office/drawing/2014/main" id="{8036882D-658D-CB8A-72F5-C658CDF732C1}"/>
+                <a16:creationId xmlns:a16="http://schemas.microsoft.com/office/drawing/2014/main" id="{CF99B202-E220-3C6A-4AD3-B63599D17F46}"/>
               </a:ext>
             </a:extLst>
           </p:cNvPr>
-          <p:cNvSpPr txBox="1"/>
+          <p:cNvPicPr>
+            <a:picLocks noChangeAspect="1"/>
+          </p:cNvPicPr>
           <p:nvPr/>
-        </p:nvSpPr>
+        </p:nvPicPr>
+        <p:blipFill rotWithShape="1">
+          <a:blip r:embed="rId4">
+            <a:extLst>
+              <a:ext uri="{28A0092B-C50C-407E-A947-70E740481C1C}">
+                <a14:useLocalDpi xmlns:a14="http://schemas.microsoft.com/office/drawing/2010/main" val="0"/>
+              </a:ext>
+            </a:extLst>
+          </a:blip>
+          <a:srcRect l="44393"/>
+          <a:stretch/>
+        </p:blipFill>
         <p:spPr>
           <a:xfrm>
-            <a:off x="6167254" y="4730707"/>
-            <a:ext cx="5084064" cy="1406383"/>
+            <a:off x="7472736" y="1377925"/>
+            <a:ext cx="3779577" cy="5379325"/>
           </a:xfrm>
           <a:prstGeom prst="rect">
             <a:avLst/>
           </a:prstGeom>
-          <a:ln/>
         </p:spPr>
-        <p:style>
-          <a:lnRef idx="2">
-            <a:schemeClr val="accent2"/>
-          </a:lnRef>
-          <a:fillRef idx="1">
-            <a:schemeClr val="lt1"/>
-          </a:fillRef>
-          <a:effectRef idx="0">
-            <a:schemeClr val="accent2"/>
-          </a:effectRef>
-          <a:fontRef idx="minor">
-            <a:schemeClr val="dk1"/>
-          </a:fontRef>
-        </p:style>
-        <p:txBody>
-          <a:bodyPr vert="horz" wrap="square" lIns="144000" tIns="108000" rIns="144000" bIns="108000" rtlCol="0">
-            <a:spAutoFit/>
-          </a:bodyPr>
-          <a:lstStyle/>
-          <a:p>
-            <a:pPr algn="l" eaLnBrk="0" hangingPunct="0">
-              <a:lnSpc>
-                <a:spcPct val="110000"/>
-              </a:lnSpc>
-              <a:buClr>
-                <a:schemeClr val="accent5">
-                  <a:lumMod val="40000"/>
-                  <a:lumOff val="60000"/>
-                </a:schemeClr>
-              </a:buClr>
-              <a:buSzPct val="70000"/>
-            </a:pPr>
-            <a:r>
-              <a:rPr lang="en-BG" sz="3600" dirty="0"/>
-              <a:t>TODO: add more examples</a:t>
-            </a:r>
-          </a:p>
-        </p:txBody>
-      </p:sp>
+      </p:pic>
+      <p:pic>
+        <p:nvPicPr>
+          <p:cNvPr id="11" name="Picture 10" descr="A screenshot of a computer&#10;&#10;Description automatically generated">
+            <a:extLst>
+              <a:ext uri="{FF2B5EF4-FFF2-40B4-BE49-F238E27FC236}">
+                <a16:creationId xmlns:a16="http://schemas.microsoft.com/office/drawing/2014/main" id="{42AF20DF-0BEA-28CC-6CDE-C5FF094DE025}"/>
+              </a:ext>
+            </a:extLst>
+          </p:cNvPr>
+          <p:cNvPicPr>
+            <a:picLocks noChangeAspect="1"/>
+          </p:cNvPicPr>
+          <p:nvPr/>
+        </p:nvPicPr>
+        <p:blipFill>
+          <a:blip r:embed="rId5">
+            <a:extLst>
+              <a:ext uri="{28A0092B-C50C-407E-A947-70E740481C1C}">
+                <a14:useLocalDpi xmlns:a14="http://schemas.microsoft.com/office/drawing/2010/main" val="0"/>
+              </a:ext>
+            </a:extLst>
+          </a:blip>
+          <a:stretch>
+            <a:fillRect/>
+          </a:stretch>
+        </p:blipFill>
+        <p:spPr>
+          <a:xfrm>
+            <a:off x="3334704" y="2066111"/>
+            <a:ext cx="6010275" cy="3762375"/>
+          </a:xfrm>
+          <a:prstGeom prst="rect">
+            <a:avLst/>
+          </a:prstGeom>
+        </p:spPr>
+      </p:pic>
     </p:spTree>
     <p:extLst>
       <p:ext uri="{BB962C8B-B14F-4D97-AF65-F5344CB8AC3E}">
@@ -14674,6 +15548,126 @@
       <p:transition spd="slow" advClick="0" advTm="5000"/>
     </mc:Fallback>
   </mc:AlternateContent>
+  <p:timing>
+    <p:tnLst>
+      <p:par>
+        <p:cTn id="1" dur="indefinite" restart="never" nodeType="tmRoot">
+          <p:childTnLst>
+            <p:seq concurrent="1" nextAc="seek">
+              <p:cTn id="2" dur="indefinite" nodeType="mainSeq">
+                <p:childTnLst>
+                  <p:par>
+                    <p:cTn id="3" fill="hold">
+                      <p:stCondLst>
+                        <p:cond delay="indefinite"/>
+                      </p:stCondLst>
+                      <p:childTnLst>
+                        <p:par>
+                          <p:cTn id="4" fill="hold">
+                            <p:stCondLst>
+                              <p:cond delay="0"/>
+                            </p:stCondLst>
+                            <p:childTnLst>
+                              <p:par>
+                                <p:cTn id="5" presetID="1" presetClass="entr" presetSubtype="0" fill="hold" nodeType="clickEffect">
+                                  <p:stCondLst>
+                                    <p:cond delay="0"/>
+                                  </p:stCondLst>
+                                  <p:childTnLst>
+                                    <p:set>
+                                      <p:cBhvr>
+                                        <p:cTn id="6" dur="1" fill="hold">
+                                          <p:stCondLst>
+                                            <p:cond delay="0"/>
+                                          </p:stCondLst>
+                                        </p:cTn>
+                                        <p:tgtEl>
+                                          <p:spTgt spid="11"/>
+                                        </p:tgtEl>
+                                        <p:attrNameLst>
+                                          <p:attrName>style.visibility</p:attrName>
+                                        </p:attrNameLst>
+                                      </p:cBhvr>
+                                      <p:to>
+                                        <p:strVal val="visible"/>
+                                      </p:to>
+                                    </p:set>
+                                  </p:childTnLst>
+                                </p:cTn>
+                              </p:par>
+                            </p:childTnLst>
+                          </p:cTn>
+                        </p:par>
+                      </p:childTnLst>
+                    </p:cTn>
+                  </p:par>
+                  <p:par>
+                    <p:cTn id="7" fill="hold">
+                      <p:stCondLst>
+                        <p:cond delay="indefinite"/>
+                      </p:stCondLst>
+                      <p:childTnLst>
+                        <p:par>
+                          <p:cTn id="8" fill="hold">
+                            <p:stCondLst>
+                              <p:cond delay="0"/>
+                            </p:stCondLst>
+                            <p:childTnLst>
+                              <p:par>
+                                <p:cTn id="9" presetID="1" presetClass="entr" presetSubtype="0" fill="hold" nodeType="clickEffect">
+                                  <p:stCondLst>
+                                    <p:cond delay="0"/>
+                                  </p:stCondLst>
+                                  <p:childTnLst>
+                                    <p:set>
+                                      <p:cBhvr>
+                                        <p:cTn id="10" dur="1" fill="hold">
+                                          <p:stCondLst>
+                                            <p:cond delay="0"/>
+                                          </p:stCondLst>
+                                        </p:cTn>
+                                        <p:tgtEl>
+                                          <p:spTgt spid="6"/>
+                                        </p:tgtEl>
+                                        <p:attrNameLst>
+                                          <p:attrName>style.visibility</p:attrName>
+                                        </p:attrNameLst>
+                                      </p:cBhvr>
+                                      <p:to>
+                                        <p:strVal val="visible"/>
+                                      </p:to>
+                                    </p:set>
+                                  </p:childTnLst>
+                                </p:cTn>
+                              </p:par>
+                            </p:childTnLst>
+                          </p:cTn>
+                        </p:par>
+                      </p:childTnLst>
+                    </p:cTn>
+                  </p:par>
+                </p:childTnLst>
+              </p:cTn>
+              <p:prevCondLst>
+                <p:cond evt="onPrev" delay="0">
+                  <p:tgtEl>
+                    <p:sldTgt/>
+                  </p:tgtEl>
+                </p:cond>
+              </p:prevCondLst>
+              <p:nextCondLst>
+                <p:cond evt="onNext" delay="0">
+                  <p:tgtEl>
+                    <p:sldTgt/>
+                  </p:tgtEl>
+                </p:cond>
+              </p:nextCondLst>
+            </p:seq>
+          </p:childTnLst>
+        </p:cTn>
+      </p:par>
+    </p:tnLst>
+  </p:timing>
 </p:sld>
 </file>
 
@@ -20463,7 +21457,13 @@
       </p:sp>
       <p:pic>
         <p:nvPicPr>
-          <p:cNvPr id="4" name="Picture 3"/>
+          <p:cNvPr id="6" name="Picture 5" descr="A screenshot of a computer&#10;&#10;Description automatically generated">
+            <a:extLst>
+              <a:ext uri="{FF2B5EF4-FFF2-40B4-BE49-F238E27FC236}">
+                <a16:creationId xmlns:a16="http://schemas.microsoft.com/office/drawing/2014/main" id="{1431E400-2A7F-5E78-DD82-A28FCF9DD5B4}"/>
+              </a:ext>
+            </a:extLst>
+          </p:cNvPr>
           <p:cNvPicPr>
             <a:picLocks noChangeAspect="1"/>
           </p:cNvPicPr>
@@ -20483,85 +21483,21 @@
         </p:blipFill>
         <p:spPr>
           <a:xfrm>
-            <a:off x="1871443" y="578230"/>
-            <a:ext cx="8034555" cy="4408962"/>
+            <a:off x="1659887" y="690010"/>
+            <a:ext cx="8872225" cy="4094162"/>
           </a:xfrm>
           <a:prstGeom prst="rect">
             <a:avLst/>
           </a:prstGeom>
           <a:ln>
-            <a:noFill/>
+            <a:solidFill>
+              <a:schemeClr val="bg2">
+                <a:lumMod val="75000"/>
+              </a:schemeClr>
+            </a:solidFill>
           </a:ln>
-          <a:effectLst>
-            <a:outerShdw blurRad="292100" dist="139700" dir="2700000" algn="tl" rotWithShape="0">
-              <a:srgbClr val="333333">
-                <a:alpha val="65000"/>
-              </a:srgbClr>
-            </a:outerShdw>
-          </a:effectLst>
         </p:spPr>
       </p:pic>
-      <p:sp>
-        <p:nvSpPr>
-          <p:cNvPr id="2" name="TextBox 1">
-            <a:extLst>
-              <a:ext uri="{FF2B5EF4-FFF2-40B4-BE49-F238E27FC236}">
-                <a16:creationId xmlns:a16="http://schemas.microsoft.com/office/drawing/2014/main" id="{B9432C41-8D8F-2629-AA6F-1CA0AD72C6F2}"/>
-              </a:ext>
-            </a:extLst>
-          </p:cNvPr>
-          <p:cNvSpPr txBox="1"/>
-          <p:nvPr/>
-        </p:nvSpPr>
-        <p:spPr>
-          <a:xfrm>
-            <a:off x="1011936" y="1987296"/>
-            <a:ext cx="5084064" cy="1406383"/>
-          </a:xfrm>
-          <a:prstGeom prst="rect">
-            <a:avLst/>
-          </a:prstGeom>
-          <a:ln/>
-        </p:spPr>
-        <p:style>
-          <a:lnRef idx="2">
-            <a:schemeClr val="accent2"/>
-          </a:lnRef>
-          <a:fillRef idx="1">
-            <a:schemeClr val="lt1"/>
-          </a:fillRef>
-          <a:effectRef idx="0">
-            <a:schemeClr val="accent2"/>
-          </a:effectRef>
-          <a:fontRef idx="minor">
-            <a:schemeClr val="dk1"/>
-          </a:fontRef>
-        </p:style>
-        <p:txBody>
-          <a:bodyPr vert="horz" wrap="square" lIns="144000" tIns="108000" rIns="144000" bIns="108000" rtlCol="0">
-            <a:spAutoFit/>
-          </a:bodyPr>
-          <a:lstStyle/>
-          <a:p>
-            <a:pPr algn="l" eaLnBrk="0" hangingPunct="0">
-              <a:lnSpc>
-                <a:spcPct val="110000"/>
-              </a:lnSpc>
-              <a:buClr>
-                <a:schemeClr val="accent5">
-                  <a:lumMod val="40000"/>
-                  <a:lumOff val="60000"/>
-                </a:schemeClr>
-              </a:buClr>
-              <a:buSzPct val="70000"/>
-            </a:pPr>
-            <a:r>
-              <a:rPr lang="en-BG" sz="3600" dirty="0"/>
-              <a:t>TODO: Change picture to one with higher quality</a:t>
-            </a:r>
-          </a:p>
-        </p:txBody>
-      </p:sp>
     </p:spTree>
     <p:extLst>
       <p:ext uri="{BB962C8B-B14F-4D97-AF65-F5344CB8AC3E}">
@@ -21597,7 +22533,7 @@
                                           </p:stCondLst>
                                         </p:cTn>
                                         <p:tgtEl>
-                                          <p:spTgt spid="12"/>
+                                          <p:spTgt spid="18"/>
                                         </p:tgtEl>
                                         <p:attrNameLst>
                                           <p:attrName>style.visibility</p:attrName>
@@ -21642,7 +22578,7 @@
                                           </p:stCondLst>
                                         </p:cTn>
                                         <p:tgtEl>
-                                          <p:spTgt spid="15"/>
+                                          <p:spTgt spid="12"/>
                                         </p:tgtEl>
                                         <p:attrNameLst>
                                           <p:attrName>style.visibility</p:attrName>
@@ -21682,6 +22618,141 @@
                                     <p:set>
                                       <p:cBhvr>
                                         <p:cTn id="14" dur="1" fill="hold">
+                                          <p:stCondLst>
+                                            <p:cond delay="0"/>
+                                          </p:stCondLst>
+                                        </p:cTn>
+                                        <p:tgtEl>
+                                          <p:spTgt spid="14"/>
+                                        </p:tgtEl>
+                                        <p:attrNameLst>
+                                          <p:attrName>style.visibility</p:attrName>
+                                        </p:attrNameLst>
+                                      </p:cBhvr>
+                                      <p:to>
+                                        <p:strVal val="visible"/>
+                                      </p:to>
+                                    </p:set>
+                                  </p:childTnLst>
+                                </p:cTn>
+                              </p:par>
+                            </p:childTnLst>
+                          </p:cTn>
+                        </p:par>
+                      </p:childTnLst>
+                    </p:cTn>
+                  </p:par>
+                  <p:par>
+                    <p:cTn id="15" fill="hold">
+                      <p:stCondLst>
+                        <p:cond delay="indefinite"/>
+                      </p:stCondLst>
+                      <p:childTnLst>
+                        <p:par>
+                          <p:cTn id="16" fill="hold">
+                            <p:stCondLst>
+                              <p:cond delay="0"/>
+                            </p:stCondLst>
+                            <p:childTnLst>
+                              <p:par>
+                                <p:cTn id="17" presetID="1" presetClass="entr" presetSubtype="0" fill="hold" grpId="0" nodeType="clickEffect">
+                                  <p:stCondLst>
+                                    <p:cond delay="0"/>
+                                  </p:stCondLst>
+                                  <p:childTnLst>
+                                    <p:set>
+                                      <p:cBhvr>
+                                        <p:cTn id="18" dur="1" fill="hold">
+                                          <p:stCondLst>
+                                            <p:cond delay="0"/>
+                                          </p:stCondLst>
+                                        </p:cTn>
+                                        <p:tgtEl>
+                                          <p:spTgt spid="15"/>
+                                        </p:tgtEl>
+                                        <p:attrNameLst>
+                                          <p:attrName>style.visibility</p:attrName>
+                                        </p:attrNameLst>
+                                      </p:cBhvr>
+                                      <p:to>
+                                        <p:strVal val="visible"/>
+                                      </p:to>
+                                    </p:set>
+                                  </p:childTnLst>
+                                </p:cTn>
+                              </p:par>
+                            </p:childTnLst>
+                          </p:cTn>
+                        </p:par>
+                      </p:childTnLst>
+                    </p:cTn>
+                  </p:par>
+                  <p:par>
+                    <p:cTn id="19" fill="hold">
+                      <p:stCondLst>
+                        <p:cond delay="indefinite"/>
+                      </p:stCondLst>
+                      <p:childTnLst>
+                        <p:par>
+                          <p:cTn id="20" fill="hold">
+                            <p:stCondLst>
+                              <p:cond delay="0"/>
+                            </p:stCondLst>
+                            <p:childTnLst>
+                              <p:par>
+                                <p:cTn id="21" presetID="1" presetClass="entr" presetSubtype="0" fill="hold" grpId="0" nodeType="clickEffect">
+                                  <p:stCondLst>
+                                    <p:cond delay="0"/>
+                                  </p:stCondLst>
+                                  <p:childTnLst>
+                                    <p:set>
+                                      <p:cBhvr>
+                                        <p:cTn id="22" dur="1" fill="hold">
+                                          <p:stCondLst>
+                                            <p:cond delay="0"/>
+                                          </p:stCondLst>
+                                        </p:cTn>
+                                        <p:tgtEl>
+                                          <p:spTgt spid="16"/>
+                                        </p:tgtEl>
+                                        <p:attrNameLst>
+                                          <p:attrName>style.visibility</p:attrName>
+                                        </p:attrNameLst>
+                                      </p:cBhvr>
+                                      <p:to>
+                                        <p:strVal val="visible"/>
+                                      </p:to>
+                                    </p:set>
+                                  </p:childTnLst>
+                                </p:cTn>
+                              </p:par>
+                            </p:childTnLst>
+                          </p:cTn>
+                        </p:par>
+                      </p:childTnLst>
+                    </p:cTn>
+                  </p:par>
+                  <p:par>
+                    <p:cTn id="23" fill="hold">
+                      <p:stCondLst>
+                        <p:cond delay="indefinite"/>
+                      </p:stCondLst>
+                      <p:childTnLst>
+                        <p:par>
+                          <p:cTn id="24" fill="hold">
+                            <p:stCondLst>
+                              <p:cond delay="0"/>
+                            </p:stCondLst>
+                            <p:childTnLst>
+                              <p:par>
+                                <p:cTn id="25" presetID="1" presetClass="entr" presetSubtype="0" fill="hold" grpId="0" nodeType="clickEffect">
+                                  <p:stCondLst>
+                                    <p:cond delay="0"/>
+                                  </p:stCondLst>
+                                  <p:childTnLst>
+                                    <p:set>
+                                      <p:cBhvr>
+                                        <p:cTn id="26" dur="1" fill="hold">
                                           <p:stCondLst>
                                             <p:cond delay="0"/>
                                           </p:stCondLst>
@@ -21729,8 +22800,11 @@
     </p:tnLst>
     <p:bldLst>
       <p:bldP spid="12" grpId="0" animBg="1"/>
+      <p:bldP spid="14" grpId="0" animBg="1"/>
       <p:bldP spid="15" grpId="0" animBg="1"/>
+      <p:bldP spid="16" grpId="0" animBg="1"/>
       <p:bldP spid="17" grpId="0" animBg="1"/>
+      <p:bldP spid="18" grpId="0" animBg="1"/>
     </p:bldLst>
   </p:timing>
 </p:sld>
@@ -22134,81 +23208,26 @@
               </a:ext>
             </a:extLst>
           </a:blip>
-          <a:stretch>
-            <a:fillRect/>
-          </a:stretch>
+          <a:srcRect/>
+          <a:stretch/>
         </p:blipFill>
         <p:spPr>
           <a:xfrm>
-            <a:off x="3600053" y="3041681"/>
-            <a:ext cx="4998793" cy="2871935"/>
+            <a:off x="3600053" y="3369542"/>
+            <a:ext cx="4998793" cy="2216213"/>
           </a:xfrm>
           <a:prstGeom prst="rect">
             <a:avLst/>
           </a:prstGeom>
+          <a:ln>
+            <a:solidFill>
+              <a:schemeClr val="bg2">
+                <a:lumMod val="75000"/>
+              </a:schemeClr>
+            </a:solidFill>
+          </a:ln>
         </p:spPr>
       </p:pic>
-      <p:sp>
-        <p:nvSpPr>
-          <p:cNvPr id="6" name="TextBox 5">
-            <a:extLst>
-              <a:ext uri="{FF2B5EF4-FFF2-40B4-BE49-F238E27FC236}">
-                <a16:creationId xmlns:a16="http://schemas.microsoft.com/office/drawing/2014/main" id="{064039AD-F593-E647-964B-9AD4ED43B0BF}"/>
-              </a:ext>
-            </a:extLst>
-          </p:cNvPr>
-          <p:cNvSpPr txBox="1"/>
-          <p:nvPr/>
-        </p:nvSpPr>
-        <p:spPr>
-          <a:xfrm>
-            <a:off x="5644896" y="2338485"/>
-            <a:ext cx="5084064" cy="1406383"/>
-          </a:xfrm>
-          <a:prstGeom prst="rect">
-            <a:avLst/>
-          </a:prstGeom>
-          <a:ln/>
-        </p:spPr>
-        <p:style>
-          <a:lnRef idx="2">
-            <a:schemeClr val="accent2"/>
-          </a:lnRef>
-          <a:fillRef idx="1">
-            <a:schemeClr val="lt1"/>
-          </a:fillRef>
-          <a:effectRef idx="0">
-            <a:schemeClr val="accent2"/>
-          </a:effectRef>
-          <a:fontRef idx="minor">
-            <a:schemeClr val="dk1"/>
-          </a:fontRef>
-        </p:style>
-        <p:txBody>
-          <a:bodyPr vert="horz" wrap="square" lIns="144000" tIns="108000" rIns="144000" bIns="108000" rtlCol="0">
-            <a:spAutoFit/>
-          </a:bodyPr>
-          <a:lstStyle/>
-          <a:p>
-            <a:pPr algn="l" eaLnBrk="0" hangingPunct="0">
-              <a:lnSpc>
-                <a:spcPct val="110000"/>
-              </a:lnSpc>
-              <a:buClr>
-                <a:schemeClr val="accent5">
-                  <a:lumMod val="40000"/>
-                  <a:lumOff val="60000"/>
-                </a:schemeClr>
-              </a:buClr>
-              <a:buSzPct val="70000"/>
-            </a:pPr>
-            <a:r>
-              <a:rPr lang="en-BG" sz="3600" dirty="0"/>
-              <a:t>TODO: Change picture to one with higher quality</a:t>
-            </a:r>
-          </a:p>
-        </p:txBody>
-      </p:sp>
     </p:spTree>
     <p:extLst>
       <p:ext uri="{BB962C8B-B14F-4D97-AF65-F5344CB8AC3E}">
@@ -22455,14 +23474,13 @@
               </a:ext>
             </a:extLst>
           </a:blip>
-          <a:stretch>
-            <a:fillRect/>
-          </a:stretch>
+          <a:srcRect/>
+          <a:stretch/>
         </p:blipFill>
         <p:spPr>
           <a:xfrm>
-            <a:off x="3890382" y="3395241"/>
-            <a:ext cx="3820259" cy="2703013"/>
+            <a:off x="3890382" y="3415003"/>
+            <a:ext cx="3820259" cy="2663488"/>
           </a:xfrm>
           <a:prstGeom prst="rect">
             <a:avLst/>
@@ -22476,67 +23494,6 @@
           </a:ln>
         </p:spPr>
       </p:pic>
-      <p:sp>
-        <p:nvSpPr>
-          <p:cNvPr id="6" name="TextBox 5">
-            <a:extLst>
-              <a:ext uri="{FF2B5EF4-FFF2-40B4-BE49-F238E27FC236}">
-                <a16:creationId xmlns:a16="http://schemas.microsoft.com/office/drawing/2014/main" id="{4DBD4092-C56C-59A7-1007-4276801C949B}"/>
-              </a:ext>
-            </a:extLst>
-          </p:cNvPr>
-          <p:cNvSpPr txBox="1"/>
-          <p:nvPr/>
-        </p:nvSpPr>
-        <p:spPr>
-          <a:xfrm>
-            <a:off x="6696759" y="3416808"/>
-            <a:ext cx="5084064" cy="1406383"/>
-          </a:xfrm>
-          <a:prstGeom prst="rect">
-            <a:avLst/>
-          </a:prstGeom>
-          <a:ln/>
-        </p:spPr>
-        <p:style>
-          <a:lnRef idx="2">
-            <a:schemeClr val="accent2"/>
-          </a:lnRef>
-          <a:fillRef idx="1">
-            <a:schemeClr val="lt1"/>
-          </a:fillRef>
-          <a:effectRef idx="0">
-            <a:schemeClr val="accent2"/>
-          </a:effectRef>
-          <a:fontRef idx="minor">
-            <a:schemeClr val="dk1"/>
-          </a:fontRef>
-        </p:style>
-        <p:txBody>
-          <a:bodyPr vert="horz" wrap="square" lIns="144000" tIns="108000" rIns="144000" bIns="108000" rtlCol="0">
-            <a:spAutoFit/>
-          </a:bodyPr>
-          <a:lstStyle/>
-          <a:p>
-            <a:pPr algn="l" eaLnBrk="0" hangingPunct="0">
-              <a:lnSpc>
-                <a:spcPct val="110000"/>
-              </a:lnSpc>
-              <a:buClr>
-                <a:schemeClr val="accent5">
-                  <a:lumMod val="40000"/>
-                  <a:lumOff val="60000"/>
-                </a:schemeClr>
-              </a:buClr>
-              <a:buSzPct val="70000"/>
-            </a:pPr>
-            <a:r>
-              <a:rPr lang="en-BG" sz="3600" dirty="0"/>
-              <a:t>TODO: Change picture to one with higher quality</a:t>
-            </a:r>
-          </a:p>
-        </p:txBody>
-      </p:sp>
     </p:spTree>
     <p:extLst>
       <p:ext uri="{BB962C8B-B14F-4D97-AF65-F5344CB8AC3E}">

--- a/Courses/Computer-Modeling-and-IT/Computer-Modeling-and-IT-5-Class/19-Programming-in-Scratch/19-Progamming-in-Scratch.pptx
+++ b/Courses/Computer-Modeling-and-IT/Computer-Modeling-and-IT-5-Class/19-Programming-in-Scratch/19-Progamming-in-Scratch.pptx
@@ -605,7 +605,7 @@
           <a:p>
             <a:fld id="{4E087215-0C8F-4762-A664-737A353EC9A4}" type="datetimeFigureOut">
               <a:rPr lang="bg-BG" smtClean="0"/>
-              <a:t>11.8.2023 г.</a:t>
+              <a:t>14.8.2023 г.</a:t>
             </a:fld>
             <a:endParaRPr lang="bg-BG"/>
           </a:p>
@@ -782,7 +782,7 @@
           <a:p>
             <a:fld id="{72D84649-876A-46C9-8472-14CB09C070D8}" type="datetimeFigureOut">
               <a:rPr lang="en-US" smtClean="0"/>
-              <a:t>8/11/2023</a:t>
+              <a:t>8/14/2023</a:t>
             </a:fld>
             <a:endParaRPr lang="en-US"/>
           </a:p>
@@ -3472,7 +3472,7 @@
             <a:fld id="{055373AC-9AA7-423B-BA00-BA1C74164DBD}" type="datetime1">
               <a:rPr lang="en-US" smtClean="0"/>
               <a:pPr/>
-              <a:t>8/11/2023</a:t>
+              <a:t>8/14/2023</a:t>
             </a:fld>
             <a:endParaRPr lang="en-US" dirty="0"/>
           </a:p>
@@ -4151,7 +4151,7 @@
             <a:fld id="{055373AC-9AA7-423B-BA00-BA1C74164DBD}" type="datetime1">
               <a:rPr lang="en-US" smtClean="0"/>
               <a:pPr/>
-              <a:t>8/11/2023</a:t>
+              <a:t>8/14/2023</a:t>
             </a:fld>
             <a:endParaRPr lang="en-US" dirty="0"/>
           </a:p>
@@ -4910,7 +4910,7 @@
             <a:fld id="{055373AC-9AA7-423B-BA00-BA1C74164DBD}" type="datetime1">
               <a:rPr lang="en-US" smtClean="0"/>
               <a:pPr/>
-              <a:t>8/11/2023</a:t>
+              <a:t>8/14/2023</a:t>
             </a:fld>
             <a:endParaRPr lang="en-US" dirty="0"/>
           </a:p>
@@ -5405,7 +5405,7 @@
             <a:fld id="{055373AC-9AA7-423B-BA00-BA1C74164DBD}" type="datetime1">
               <a:rPr lang="en-US" smtClean="0"/>
               <a:pPr/>
-              <a:t>8/11/2023</a:t>
+              <a:t>8/14/2023</a:t>
             </a:fld>
             <a:endParaRPr lang="en-US" dirty="0"/>
           </a:p>
@@ -7515,7 +7515,7 @@
             <a:fld id="{055373AC-9AA7-423B-BA00-BA1C74164DBD}" type="datetime1">
               <a:rPr lang="en-US" smtClean="0"/>
               <a:pPr/>
-              <a:t>8/11/2023</a:t>
+              <a:t>8/14/2023</a:t>
             </a:fld>
             <a:endParaRPr lang="en-US" dirty="0"/>
           </a:p>
@@ -8854,7 +8854,7 @@
             <a:fld id="{055373AC-9AA7-423B-BA00-BA1C74164DBD}" type="datetime1">
               <a:rPr lang="en-US" smtClean="0"/>
               <a:pPr/>
-              <a:t>8/11/2023</a:t>
+              <a:t>8/14/2023</a:t>
             </a:fld>
             <a:endParaRPr lang="en-US" dirty="0"/>
           </a:p>
@@ -9934,7 +9934,7 @@
             <a:fld id="{055373AC-9AA7-423B-BA00-BA1C74164DBD}" type="datetime1">
               <a:rPr lang="en-US" smtClean="0"/>
               <a:pPr/>
-              <a:t>8/11/2023</a:t>
+              <a:t>8/14/2023</a:t>
             </a:fld>
             <a:endParaRPr lang="en-US" dirty="0"/>
           </a:p>
@@ -10346,7 +10346,7 @@
             <a:fld id="{055373AC-9AA7-423B-BA00-BA1C74164DBD}" type="datetime1">
               <a:rPr lang="en-US" smtClean="0"/>
               <a:pPr/>
-              <a:t>8/11/2023</a:t>
+              <a:t>8/14/2023</a:t>
             </a:fld>
             <a:endParaRPr lang="en-US" dirty="0"/>
           </a:p>
@@ -10716,7 +10716,7 @@
             <a:fld id="{055373AC-9AA7-423B-BA00-BA1C74164DBD}" type="datetime1">
               <a:rPr lang="en-US" smtClean="0"/>
               <a:pPr/>
-              <a:t>8/11/2023</a:t>
+              <a:t>8/14/2023</a:t>
             </a:fld>
             <a:endParaRPr lang="en-US" dirty="0"/>
           </a:p>
@@ -11384,7 +11384,7 @@
             <a:fld id="{055373AC-9AA7-423B-BA00-BA1C74164DBD}" type="datetime1">
               <a:rPr lang="en-US" smtClean="0"/>
               <a:pPr/>
-              <a:t>8/11/2023</a:t>
+              <a:t>8/14/2023</a:t>
             </a:fld>
             <a:endParaRPr lang="en-US" dirty="0"/>
           </a:p>
@@ -11592,7 +11592,7 @@
             <a:fld id="{055373AC-9AA7-423B-BA00-BA1C74164DBD}" type="datetime1">
               <a:rPr lang="en-US" smtClean="0"/>
               <a:pPr/>
-              <a:t>8/11/2023</a:t>
+              <a:t>8/14/2023</a:t>
             </a:fld>
             <a:endParaRPr lang="en-US" dirty="0"/>
           </a:p>
@@ -16432,7 +16432,7 @@
           <p:nvPr>
             <p:extLst>
               <p:ext uri="{D42A27DB-BD31-4B8C-83A1-F6EECF244321}">
-                <p14:modId xmlns:p14="http://schemas.microsoft.com/office/powerpoint/2010/main" val="3810959844"/>
+                <p14:modId xmlns:p14="http://schemas.microsoft.com/office/powerpoint/2010/main" val="3969446701"/>
               </p:ext>
             </p:extLst>
           </p:nvPr>
@@ -16575,126 +16575,6 @@
           </a:graphicData>
         </a:graphic>
       </p:graphicFrame>
-      <p:pic>
-        <p:nvPicPr>
-          <p:cNvPr id="6" name="Picture 5"/>
-          <p:cNvPicPr>
-            <a:picLocks noChangeAspect="1"/>
-          </p:cNvPicPr>
-          <p:nvPr/>
-        </p:nvPicPr>
-        <p:blipFill>
-          <a:blip r:embed="rId3">
-            <a:extLst>
-              <a:ext uri="{28A0092B-C50C-407E-A947-70E740481C1C}">
-                <a14:useLocalDpi xmlns:a14="http://schemas.microsoft.com/office/drawing/2010/main" val="0"/>
-              </a:ext>
-            </a:extLst>
-          </a:blip>
-          <a:stretch>
-            <a:fillRect/>
-          </a:stretch>
-        </p:blipFill>
-        <p:spPr>
-          <a:xfrm>
-            <a:off x="1995831" y="1725055"/>
-            <a:ext cx="2611358" cy="727414"/>
-          </a:xfrm>
-          <a:prstGeom prst="rect">
-            <a:avLst/>
-          </a:prstGeom>
-        </p:spPr>
-      </p:pic>
-      <p:pic>
-        <p:nvPicPr>
-          <p:cNvPr id="7" name="Picture 6"/>
-          <p:cNvPicPr>
-            <a:picLocks noChangeAspect="1"/>
-          </p:cNvPicPr>
-          <p:nvPr/>
-        </p:nvPicPr>
-        <p:blipFill>
-          <a:blip r:embed="rId4">
-            <a:extLst>
-              <a:ext uri="{28A0092B-C50C-407E-A947-70E740481C1C}">
-                <a14:useLocalDpi xmlns:a14="http://schemas.microsoft.com/office/drawing/2010/main" val="0"/>
-              </a:ext>
-            </a:extLst>
-          </a:blip>
-          <a:stretch>
-            <a:fillRect/>
-          </a:stretch>
-        </p:blipFill>
-        <p:spPr>
-          <a:xfrm>
-            <a:off x="1958546" y="2954410"/>
-            <a:ext cx="2685928" cy="757142"/>
-          </a:xfrm>
-          <a:prstGeom prst="rect">
-            <a:avLst/>
-          </a:prstGeom>
-        </p:spPr>
-      </p:pic>
-      <p:pic>
-        <p:nvPicPr>
-          <p:cNvPr id="8" name="Picture 7"/>
-          <p:cNvPicPr>
-            <a:picLocks noChangeAspect="1"/>
-          </p:cNvPicPr>
-          <p:nvPr/>
-        </p:nvPicPr>
-        <p:blipFill>
-          <a:blip r:embed="rId5">
-            <a:extLst>
-              <a:ext uri="{28A0092B-C50C-407E-A947-70E740481C1C}">
-                <a14:useLocalDpi xmlns:a14="http://schemas.microsoft.com/office/drawing/2010/main" val="0"/>
-              </a:ext>
-            </a:extLst>
-          </a:blip>
-          <a:stretch>
-            <a:fillRect/>
-          </a:stretch>
-        </p:blipFill>
-        <p:spPr>
-          <a:xfrm>
-            <a:off x="1891055" y="4134224"/>
-            <a:ext cx="2866424" cy="803229"/>
-          </a:xfrm>
-          <a:prstGeom prst="rect">
-            <a:avLst/>
-          </a:prstGeom>
-        </p:spPr>
-      </p:pic>
-      <p:pic>
-        <p:nvPicPr>
-          <p:cNvPr id="9" name="Picture 8"/>
-          <p:cNvPicPr>
-            <a:picLocks noChangeAspect="1"/>
-          </p:cNvPicPr>
-          <p:nvPr/>
-        </p:nvPicPr>
-        <p:blipFill>
-          <a:blip r:embed="rId6">
-            <a:extLst>
-              <a:ext uri="{28A0092B-C50C-407E-A947-70E740481C1C}">
-                <a14:useLocalDpi xmlns:a14="http://schemas.microsoft.com/office/drawing/2010/main" val="0"/>
-              </a:ext>
-            </a:extLst>
-          </a:blip>
-          <a:stretch>
-            <a:fillRect/>
-          </a:stretch>
-        </p:blipFill>
-        <p:spPr>
-          <a:xfrm>
-            <a:off x="1705106" y="5513771"/>
-            <a:ext cx="3238322" cy="631868"/>
-          </a:xfrm>
-          <a:prstGeom prst="rect">
-            <a:avLst/>
-          </a:prstGeom>
-        </p:spPr>
-      </p:pic>
       <p:sp>
         <p:nvSpPr>
           <p:cNvPr id="10" name="TextBox 9"/>
@@ -16978,10 +16858,2946 @@
           </a:p>
         </p:txBody>
       </p:sp>
+      <p:grpSp>
+        <p:nvGrpSpPr>
+          <p:cNvPr id="30" name="Group 29"/>
+          <p:cNvGrpSpPr/>
+          <p:nvPr/>
+        </p:nvGrpSpPr>
+        <p:grpSpPr>
+          <a:xfrm>
+            <a:off x="1864122" y="1749670"/>
+            <a:ext cx="2875434" cy="750506"/>
+            <a:chOff x="1864122" y="1749670"/>
+            <a:chExt cx="2875434" cy="750506"/>
+          </a:xfrm>
+        </p:grpSpPr>
+        <p:sp>
+          <p:nvSpPr>
+            <p:cNvPr id="18" name="Oval 17"/>
+            <p:cNvSpPr/>
+            <p:nvPr/>
+          </p:nvSpPr>
+          <p:spPr bwMode="auto">
+            <a:xfrm>
+              <a:off x="3324267" y="1891659"/>
+              <a:ext cx="352425" cy="434769"/>
+            </a:xfrm>
+            <a:prstGeom prst="ellipse">
+              <a:avLst/>
+            </a:prstGeom>
+            <a:solidFill>
+              <a:srgbClr val="FFFFFF"/>
+            </a:solidFill>
+            <a:ln w="19050">
+              <a:noFill/>
+            </a:ln>
+            <a:effectLst/>
+          </p:spPr>
+          <p:style>
+            <a:lnRef idx="2">
+              <a:schemeClr val="accent1">
+                <a:shade val="50000"/>
+              </a:schemeClr>
+            </a:lnRef>
+            <a:fillRef idx="1001">
+              <a:schemeClr val="dk2"/>
+            </a:fillRef>
+            <a:effectRef idx="0">
+              <a:schemeClr val="accent1"/>
+            </a:effectRef>
+            <a:fontRef idx="minor">
+              <a:schemeClr val="lt1"/>
+            </a:fontRef>
+          </p:style>
+          <p:txBody>
+            <a:bodyPr rot="0" spcFirstLastPara="0" vertOverflow="overflow" horzOverflow="overflow" vert="horz" wrap="square" lIns="91440" tIns="45720" rIns="91440" bIns="45720" numCol="1" spcCol="0" rtlCol="0" fromWordArt="0" anchor="ctr" anchorCtr="0" forceAA="0" compatLnSpc="1">
+              <a:prstTxWarp prst="textNoShape">
+                <a:avLst/>
+              </a:prstTxWarp>
+              <a:noAutofit/>
+            </a:bodyPr>
+            <a:lstStyle/>
+            <a:p>
+              <a:pPr algn="ctr"/>
+              <a:endParaRPr lang="en-US" sz="2800" b="1" dirty="0">
+                <a:solidFill>
+                  <a:srgbClr val="FFFFFF"/>
+                </a:solidFill>
+                <a:effectLst>
+                  <a:outerShdw blurRad="38100" dist="38100" dir="2700000" algn="tl">
+                    <a:srgbClr val="000000">
+                      <a:alpha val="43137"/>
+                    </a:srgbClr>
+                  </a:outerShdw>
+                </a:effectLst>
+              </a:endParaRPr>
+            </a:p>
+          </p:txBody>
+        </p:sp>
+        <p:pic>
+          <p:nvPicPr>
+            <p:cNvPr id="15" name="Picture 14"/>
+            <p:cNvPicPr>
+              <a:picLocks noChangeAspect="1"/>
+            </p:cNvPicPr>
+            <p:nvPr/>
+          </p:nvPicPr>
+          <p:blipFill>
+            <a:blip r:embed="rId3">
+              <a:extLst>
+                <a:ext uri="{28A0092B-C50C-407E-A947-70E740481C1C}">
+                  <a14:useLocalDpi xmlns:a14="http://schemas.microsoft.com/office/drawing/2010/main" val="0"/>
+                </a:ext>
+              </a:extLst>
+            </a:blip>
+            <a:stretch>
+              <a:fillRect/>
+            </a:stretch>
+          </p:blipFill>
+          <p:spPr>
+            <a:xfrm>
+              <a:off x="1864122" y="1749670"/>
+              <a:ext cx="2875434" cy="750506"/>
+            </a:xfrm>
+            <a:prstGeom prst="rect">
+              <a:avLst/>
+            </a:prstGeom>
+          </p:spPr>
+        </p:pic>
+      </p:grpSp>
+      <p:grpSp>
+        <p:nvGrpSpPr>
+          <p:cNvPr id="31" name="Group 30"/>
+          <p:cNvGrpSpPr/>
+          <p:nvPr/>
+        </p:nvGrpSpPr>
+        <p:grpSpPr>
+          <a:xfrm>
+            <a:off x="1785378" y="2887765"/>
+            <a:ext cx="2857899" cy="819264"/>
+            <a:chOff x="1785378" y="2887765"/>
+            <a:chExt cx="2857899" cy="819264"/>
+          </a:xfrm>
+        </p:grpSpPr>
+        <p:sp>
+          <p:nvSpPr>
+            <p:cNvPr id="21" name="Oval 20"/>
+            <p:cNvSpPr/>
+            <p:nvPr/>
+          </p:nvSpPr>
+          <p:spPr bwMode="auto">
+            <a:xfrm>
+              <a:off x="4049162" y="3039745"/>
+              <a:ext cx="352425" cy="434769"/>
+            </a:xfrm>
+            <a:prstGeom prst="ellipse">
+              <a:avLst/>
+            </a:prstGeom>
+            <a:solidFill>
+              <a:srgbClr val="FFFFFF"/>
+            </a:solidFill>
+            <a:ln w="19050">
+              <a:noFill/>
+            </a:ln>
+            <a:effectLst/>
+          </p:spPr>
+          <p:style>
+            <a:lnRef idx="2">
+              <a:schemeClr val="accent1">
+                <a:shade val="50000"/>
+              </a:schemeClr>
+            </a:lnRef>
+            <a:fillRef idx="1001">
+              <a:schemeClr val="dk2"/>
+            </a:fillRef>
+            <a:effectRef idx="0">
+              <a:schemeClr val="accent1"/>
+            </a:effectRef>
+            <a:fontRef idx="minor">
+              <a:schemeClr val="lt1"/>
+            </a:fontRef>
+          </p:style>
+          <p:txBody>
+            <a:bodyPr rot="0" spcFirstLastPara="0" vertOverflow="overflow" horzOverflow="overflow" vert="horz" wrap="square" lIns="91440" tIns="45720" rIns="91440" bIns="45720" numCol="1" spcCol="0" rtlCol="0" fromWordArt="0" anchor="ctr" anchorCtr="0" forceAA="0" compatLnSpc="1">
+              <a:prstTxWarp prst="textNoShape">
+                <a:avLst/>
+              </a:prstTxWarp>
+              <a:noAutofit/>
+            </a:bodyPr>
+            <a:lstStyle/>
+            <a:p>
+              <a:pPr algn="ctr"/>
+              <a:endParaRPr lang="en-US" sz="2800" b="1" dirty="0">
+                <a:solidFill>
+                  <a:srgbClr val="FFFFFF"/>
+                </a:solidFill>
+                <a:effectLst>
+                  <a:outerShdw blurRad="38100" dist="38100" dir="2700000" algn="tl">
+                    <a:srgbClr val="000000">
+                      <a:alpha val="43137"/>
+                    </a:srgbClr>
+                  </a:outerShdw>
+                </a:effectLst>
+              </a:endParaRPr>
+            </a:p>
+          </p:txBody>
+        </p:sp>
+        <p:sp>
+          <p:nvSpPr>
+            <p:cNvPr id="20" name="Oval 19"/>
+            <p:cNvSpPr/>
+            <p:nvPr/>
+          </p:nvSpPr>
+          <p:spPr bwMode="auto">
+            <a:xfrm>
+              <a:off x="3148054" y="3039745"/>
+              <a:ext cx="352425" cy="434769"/>
+            </a:xfrm>
+            <a:prstGeom prst="ellipse">
+              <a:avLst/>
+            </a:prstGeom>
+            <a:solidFill>
+              <a:srgbClr val="FFFFFF"/>
+            </a:solidFill>
+            <a:ln w="19050">
+              <a:noFill/>
+            </a:ln>
+            <a:effectLst/>
+          </p:spPr>
+          <p:style>
+            <a:lnRef idx="2">
+              <a:schemeClr val="accent1">
+                <a:shade val="50000"/>
+              </a:schemeClr>
+            </a:lnRef>
+            <a:fillRef idx="1001">
+              <a:schemeClr val="dk2"/>
+            </a:fillRef>
+            <a:effectRef idx="0">
+              <a:schemeClr val="accent1"/>
+            </a:effectRef>
+            <a:fontRef idx="minor">
+              <a:schemeClr val="lt1"/>
+            </a:fontRef>
+          </p:style>
+          <p:txBody>
+            <a:bodyPr rot="0" spcFirstLastPara="0" vertOverflow="overflow" horzOverflow="overflow" vert="horz" wrap="square" lIns="91440" tIns="45720" rIns="91440" bIns="45720" numCol="1" spcCol="0" rtlCol="0" fromWordArt="0" anchor="ctr" anchorCtr="0" forceAA="0" compatLnSpc="1">
+              <a:prstTxWarp prst="textNoShape">
+                <a:avLst/>
+              </a:prstTxWarp>
+              <a:noAutofit/>
+            </a:bodyPr>
+            <a:lstStyle/>
+            <a:p>
+              <a:pPr algn="ctr"/>
+              <a:endParaRPr lang="en-US" sz="2800" b="1" dirty="0">
+                <a:solidFill>
+                  <a:srgbClr val="FFFFFF"/>
+                </a:solidFill>
+                <a:effectLst>
+                  <a:outerShdw blurRad="38100" dist="38100" dir="2700000" algn="tl">
+                    <a:srgbClr val="000000">
+                      <a:alpha val="43137"/>
+                    </a:srgbClr>
+                  </a:outerShdw>
+                </a:effectLst>
+              </a:endParaRPr>
+            </a:p>
+          </p:txBody>
+        </p:sp>
+        <p:pic>
+          <p:nvPicPr>
+            <p:cNvPr id="19" name="Picture 18"/>
+            <p:cNvPicPr>
+              <a:picLocks noChangeAspect="1"/>
+            </p:cNvPicPr>
+            <p:nvPr/>
+          </p:nvPicPr>
+          <p:blipFill>
+            <a:blip r:embed="rId4">
+              <a:extLst>
+                <a:ext uri="{28A0092B-C50C-407E-A947-70E740481C1C}">
+                  <a14:useLocalDpi xmlns:a14="http://schemas.microsoft.com/office/drawing/2010/main" val="0"/>
+                </a:ext>
+              </a:extLst>
+            </a:blip>
+            <a:stretch>
+              <a:fillRect/>
+            </a:stretch>
+          </p:blipFill>
+          <p:spPr>
+            <a:xfrm>
+              <a:off x="1785378" y="2887765"/>
+              <a:ext cx="2857899" cy="819264"/>
+            </a:xfrm>
+            <a:prstGeom prst="rect">
+              <a:avLst/>
+            </a:prstGeom>
+          </p:spPr>
+        </p:pic>
+      </p:grpSp>
+      <p:grpSp>
+        <p:nvGrpSpPr>
+          <p:cNvPr id="32" name="Group 31"/>
+          <p:cNvGrpSpPr/>
+          <p:nvPr/>
+        </p:nvGrpSpPr>
+        <p:grpSpPr>
+          <a:xfrm>
+            <a:off x="1609527" y="4073991"/>
+            <a:ext cx="3261412" cy="824412"/>
+            <a:chOff x="1609527" y="4073991"/>
+            <a:chExt cx="3261412" cy="824412"/>
+          </a:xfrm>
+        </p:grpSpPr>
+        <p:sp>
+          <p:nvSpPr>
+            <p:cNvPr id="25" name="Oval 24"/>
+            <p:cNvSpPr/>
+            <p:nvPr/>
+          </p:nvSpPr>
+          <p:spPr bwMode="auto">
+            <a:xfrm>
+              <a:off x="3506913" y="4179450"/>
+              <a:ext cx="352425" cy="434769"/>
+            </a:xfrm>
+            <a:prstGeom prst="ellipse">
+              <a:avLst/>
+            </a:prstGeom>
+            <a:solidFill>
+              <a:srgbClr val="FFFFFF"/>
+            </a:solidFill>
+            <a:ln w="19050">
+              <a:noFill/>
+            </a:ln>
+            <a:effectLst/>
+          </p:spPr>
+          <p:style>
+            <a:lnRef idx="2">
+              <a:schemeClr val="accent1">
+                <a:shade val="50000"/>
+              </a:schemeClr>
+            </a:lnRef>
+            <a:fillRef idx="1001">
+              <a:schemeClr val="dk2"/>
+            </a:fillRef>
+            <a:effectRef idx="0">
+              <a:schemeClr val="accent1"/>
+            </a:effectRef>
+            <a:fontRef idx="minor">
+              <a:schemeClr val="lt1"/>
+            </a:fontRef>
+          </p:style>
+          <p:txBody>
+            <a:bodyPr rot="0" spcFirstLastPara="0" vertOverflow="overflow" horzOverflow="overflow" vert="horz" wrap="square" lIns="91440" tIns="45720" rIns="91440" bIns="45720" numCol="1" spcCol="0" rtlCol="0" fromWordArt="0" anchor="ctr" anchorCtr="0" forceAA="0" compatLnSpc="1">
+              <a:prstTxWarp prst="textNoShape">
+                <a:avLst/>
+              </a:prstTxWarp>
+              <a:noAutofit/>
+            </a:bodyPr>
+            <a:lstStyle/>
+            <a:p>
+              <a:pPr algn="ctr"/>
+              <a:endParaRPr lang="en-US" sz="2800" b="1" dirty="0">
+                <a:solidFill>
+                  <a:srgbClr val="FFFFFF"/>
+                </a:solidFill>
+                <a:effectLst>
+                  <a:outerShdw blurRad="38100" dist="38100" dir="2700000" algn="tl">
+                    <a:srgbClr val="000000">
+                      <a:alpha val="43137"/>
+                    </a:srgbClr>
+                  </a:outerShdw>
+                </a:effectLst>
+              </a:endParaRPr>
+            </a:p>
+          </p:txBody>
+        </p:sp>
+        <p:sp>
+          <p:nvSpPr>
+            <p:cNvPr id="23" name="Oval 22"/>
+            <p:cNvSpPr/>
+            <p:nvPr/>
+          </p:nvSpPr>
+          <p:spPr bwMode="auto">
+            <a:xfrm>
+              <a:off x="3098266" y="4230974"/>
+              <a:ext cx="352425" cy="434769"/>
+            </a:xfrm>
+            <a:prstGeom prst="ellipse">
+              <a:avLst/>
+            </a:prstGeom>
+            <a:solidFill>
+              <a:srgbClr val="FFFFFF"/>
+            </a:solidFill>
+            <a:ln w="19050">
+              <a:noFill/>
+            </a:ln>
+            <a:effectLst/>
+          </p:spPr>
+          <p:style>
+            <a:lnRef idx="2">
+              <a:schemeClr val="accent1">
+                <a:shade val="50000"/>
+              </a:schemeClr>
+            </a:lnRef>
+            <a:fillRef idx="1001">
+              <a:schemeClr val="dk2"/>
+            </a:fillRef>
+            <a:effectRef idx="0">
+              <a:schemeClr val="accent1"/>
+            </a:effectRef>
+            <a:fontRef idx="minor">
+              <a:schemeClr val="lt1"/>
+            </a:fontRef>
+          </p:style>
+          <p:txBody>
+            <a:bodyPr rot="0" spcFirstLastPara="0" vertOverflow="overflow" horzOverflow="overflow" vert="horz" wrap="square" lIns="91440" tIns="45720" rIns="91440" bIns="45720" numCol="1" spcCol="0" rtlCol="0" fromWordArt="0" anchor="ctr" anchorCtr="0" forceAA="0" compatLnSpc="1">
+              <a:prstTxWarp prst="textNoShape">
+                <a:avLst/>
+              </a:prstTxWarp>
+              <a:noAutofit/>
+            </a:bodyPr>
+            <a:lstStyle/>
+            <a:p>
+              <a:pPr algn="ctr"/>
+              <a:endParaRPr lang="en-US" sz="2800" b="1" dirty="0">
+                <a:solidFill>
+                  <a:srgbClr val="FFFFFF"/>
+                </a:solidFill>
+                <a:effectLst>
+                  <a:outerShdw blurRad="38100" dist="38100" dir="2700000" algn="tl">
+                    <a:srgbClr val="000000">
+                      <a:alpha val="43137"/>
+                    </a:srgbClr>
+                  </a:outerShdw>
+                </a:effectLst>
+              </a:endParaRPr>
+            </a:p>
+          </p:txBody>
+        </p:sp>
+        <p:sp>
+          <p:nvSpPr>
+            <p:cNvPr id="24" name="Oval 23"/>
+            <p:cNvSpPr/>
+            <p:nvPr/>
+          </p:nvSpPr>
+          <p:spPr bwMode="auto">
+            <a:xfrm>
+              <a:off x="3584738" y="4241653"/>
+              <a:ext cx="352425" cy="434769"/>
+            </a:xfrm>
+            <a:prstGeom prst="ellipse">
+              <a:avLst/>
+            </a:prstGeom>
+            <a:solidFill>
+              <a:srgbClr val="FFFFFF"/>
+            </a:solidFill>
+            <a:ln w="19050">
+              <a:noFill/>
+            </a:ln>
+            <a:effectLst/>
+          </p:spPr>
+          <p:style>
+            <a:lnRef idx="2">
+              <a:schemeClr val="accent1">
+                <a:shade val="50000"/>
+              </a:schemeClr>
+            </a:lnRef>
+            <a:fillRef idx="1001">
+              <a:schemeClr val="dk2"/>
+            </a:fillRef>
+            <a:effectRef idx="0">
+              <a:schemeClr val="accent1"/>
+            </a:effectRef>
+            <a:fontRef idx="minor">
+              <a:schemeClr val="lt1"/>
+            </a:fontRef>
+          </p:style>
+          <p:txBody>
+            <a:bodyPr rot="0" spcFirstLastPara="0" vertOverflow="overflow" horzOverflow="overflow" vert="horz" wrap="square" lIns="91440" tIns="45720" rIns="91440" bIns="45720" numCol="1" spcCol="0" rtlCol="0" fromWordArt="0" anchor="ctr" anchorCtr="0" forceAA="0" compatLnSpc="1">
+              <a:prstTxWarp prst="textNoShape">
+                <a:avLst/>
+              </a:prstTxWarp>
+              <a:noAutofit/>
+            </a:bodyPr>
+            <a:lstStyle/>
+            <a:p>
+              <a:pPr algn="ctr"/>
+              <a:endParaRPr lang="en-US" sz="2800" b="1" dirty="0">
+                <a:solidFill>
+                  <a:srgbClr val="FFFFFF"/>
+                </a:solidFill>
+                <a:effectLst>
+                  <a:outerShdw blurRad="38100" dist="38100" dir="2700000" algn="tl">
+                    <a:srgbClr val="000000">
+                      <a:alpha val="43137"/>
+                    </a:srgbClr>
+                  </a:outerShdw>
+                </a:effectLst>
+              </a:endParaRPr>
+            </a:p>
+          </p:txBody>
+        </p:sp>
+        <p:pic>
+          <p:nvPicPr>
+            <p:cNvPr id="22" name="Picture 21"/>
+            <p:cNvPicPr>
+              <a:picLocks noChangeAspect="1"/>
+            </p:cNvPicPr>
+            <p:nvPr/>
+          </p:nvPicPr>
+          <p:blipFill>
+            <a:blip r:embed="rId5">
+              <a:extLst>
+                <a:ext uri="{28A0092B-C50C-407E-A947-70E740481C1C}">
+                  <a14:useLocalDpi xmlns:a14="http://schemas.microsoft.com/office/drawing/2010/main" val="0"/>
+                </a:ext>
+              </a:extLst>
+            </a:blip>
+            <a:stretch>
+              <a:fillRect/>
+            </a:stretch>
+          </p:blipFill>
+          <p:spPr>
+            <a:xfrm>
+              <a:off x="1609527" y="4073991"/>
+              <a:ext cx="3261412" cy="824412"/>
+            </a:xfrm>
+            <a:prstGeom prst="rect">
+              <a:avLst/>
+            </a:prstGeom>
+          </p:spPr>
+        </p:pic>
+      </p:grpSp>
+      <p:grpSp>
+        <p:nvGrpSpPr>
+          <p:cNvPr id="33" name="Group 32"/>
+          <p:cNvGrpSpPr/>
+          <p:nvPr/>
+        </p:nvGrpSpPr>
+        <p:grpSpPr>
+          <a:xfrm>
+            <a:off x="1426055" y="5556298"/>
+            <a:ext cx="3796423" cy="807925"/>
+            <a:chOff x="1490036" y="5567019"/>
+            <a:chExt cx="3668462" cy="683951"/>
+          </a:xfrm>
+        </p:grpSpPr>
+        <p:sp>
+          <p:nvSpPr>
+            <p:cNvPr id="29" name="Oval 28"/>
+            <p:cNvSpPr/>
+            <p:nvPr/>
+          </p:nvSpPr>
+          <p:spPr bwMode="auto">
+            <a:xfrm>
+              <a:off x="4545623" y="5637761"/>
+              <a:ext cx="567248" cy="434769"/>
+            </a:xfrm>
+            <a:prstGeom prst="ellipse">
+              <a:avLst/>
+            </a:prstGeom>
+            <a:solidFill>
+              <a:srgbClr val="FFFFFF"/>
+            </a:solidFill>
+            <a:ln w="19050">
+              <a:noFill/>
+            </a:ln>
+            <a:effectLst/>
+          </p:spPr>
+          <p:style>
+            <a:lnRef idx="2">
+              <a:schemeClr val="accent1">
+                <a:shade val="50000"/>
+              </a:schemeClr>
+            </a:lnRef>
+            <a:fillRef idx="1001">
+              <a:schemeClr val="dk2"/>
+            </a:fillRef>
+            <a:effectRef idx="0">
+              <a:schemeClr val="accent1"/>
+            </a:effectRef>
+            <a:fontRef idx="minor">
+              <a:schemeClr val="lt1"/>
+            </a:fontRef>
+          </p:style>
+          <p:txBody>
+            <a:bodyPr rot="0" spcFirstLastPara="0" vertOverflow="overflow" horzOverflow="overflow" vert="horz" wrap="square" lIns="91440" tIns="45720" rIns="91440" bIns="45720" numCol="1" spcCol="0" rtlCol="0" fromWordArt="0" anchor="ctr" anchorCtr="0" forceAA="0" compatLnSpc="1">
+              <a:prstTxWarp prst="textNoShape">
+                <a:avLst/>
+              </a:prstTxWarp>
+              <a:noAutofit/>
+            </a:bodyPr>
+            <a:lstStyle/>
+            <a:p>
+              <a:pPr algn="ctr"/>
+              <a:endParaRPr lang="en-US" sz="2800" b="1" dirty="0">
+                <a:solidFill>
+                  <a:srgbClr val="FFFFFF"/>
+                </a:solidFill>
+                <a:effectLst>
+                  <a:outerShdw blurRad="38100" dist="38100" dir="2700000" algn="tl">
+                    <a:srgbClr val="000000">
+                      <a:alpha val="43137"/>
+                    </a:srgbClr>
+                  </a:outerShdw>
+                </a:effectLst>
+              </a:endParaRPr>
+            </a:p>
+          </p:txBody>
+        </p:sp>
+        <p:sp>
+          <p:nvSpPr>
+            <p:cNvPr id="28" name="Oval 27"/>
+            <p:cNvSpPr/>
+            <p:nvPr/>
+          </p:nvSpPr>
+          <p:spPr bwMode="auto">
+            <a:xfrm>
+              <a:off x="3859338" y="5637762"/>
+              <a:ext cx="542249" cy="434769"/>
+            </a:xfrm>
+            <a:prstGeom prst="ellipse">
+              <a:avLst/>
+            </a:prstGeom>
+            <a:solidFill>
+              <a:srgbClr val="FFFFFF"/>
+            </a:solidFill>
+            <a:ln w="19050">
+              <a:noFill/>
+            </a:ln>
+            <a:effectLst/>
+          </p:spPr>
+          <p:style>
+            <a:lnRef idx="2">
+              <a:schemeClr val="accent1">
+                <a:shade val="50000"/>
+              </a:schemeClr>
+            </a:lnRef>
+            <a:fillRef idx="1001">
+              <a:schemeClr val="dk2"/>
+            </a:fillRef>
+            <a:effectRef idx="0">
+              <a:schemeClr val="accent1"/>
+            </a:effectRef>
+            <a:fontRef idx="minor">
+              <a:schemeClr val="lt1"/>
+            </a:fontRef>
+          </p:style>
+          <p:txBody>
+            <a:bodyPr rot="0" spcFirstLastPara="0" vertOverflow="overflow" horzOverflow="overflow" vert="horz" wrap="square" lIns="91440" tIns="45720" rIns="91440" bIns="45720" numCol="1" spcCol="0" rtlCol="0" fromWordArt="0" anchor="ctr" anchorCtr="0" forceAA="0" compatLnSpc="1">
+              <a:prstTxWarp prst="textNoShape">
+                <a:avLst/>
+              </a:prstTxWarp>
+              <a:noAutofit/>
+            </a:bodyPr>
+            <a:lstStyle/>
+            <a:p>
+              <a:pPr algn="ctr"/>
+              <a:endParaRPr lang="en-US" sz="2800" b="1" dirty="0">
+                <a:solidFill>
+                  <a:srgbClr val="FFFFFF"/>
+                </a:solidFill>
+                <a:effectLst>
+                  <a:outerShdw blurRad="38100" dist="38100" dir="2700000" algn="tl">
+                    <a:srgbClr val="000000">
+                      <a:alpha val="43137"/>
+                    </a:srgbClr>
+                  </a:outerShdw>
+                </a:effectLst>
+              </a:endParaRPr>
+            </a:p>
+          </p:txBody>
+        </p:sp>
+        <p:sp>
+          <p:nvSpPr>
+            <p:cNvPr id="27" name="Oval 26"/>
+            <p:cNvSpPr/>
+            <p:nvPr/>
+          </p:nvSpPr>
+          <p:spPr bwMode="auto">
+            <a:xfrm>
+              <a:off x="2605862" y="5645002"/>
+              <a:ext cx="542192" cy="434769"/>
+            </a:xfrm>
+            <a:prstGeom prst="ellipse">
+              <a:avLst/>
+            </a:prstGeom>
+            <a:solidFill>
+              <a:srgbClr val="FFFFFF"/>
+            </a:solidFill>
+            <a:ln w="19050">
+              <a:noFill/>
+            </a:ln>
+            <a:effectLst/>
+          </p:spPr>
+          <p:style>
+            <a:lnRef idx="2">
+              <a:schemeClr val="accent1">
+                <a:shade val="50000"/>
+              </a:schemeClr>
+            </a:lnRef>
+            <a:fillRef idx="1001">
+              <a:schemeClr val="dk2"/>
+            </a:fillRef>
+            <a:effectRef idx="0">
+              <a:schemeClr val="accent1"/>
+            </a:effectRef>
+            <a:fontRef idx="minor">
+              <a:schemeClr val="lt1"/>
+            </a:fontRef>
+          </p:style>
+          <p:txBody>
+            <a:bodyPr rot="0" spcFirstLastPara="0" vertOverflow="overflow" horzOverflow="overflow" vert="horz" wrap="square" lIns="91440" tIns="45720" rIns="91440" bIns="45720" numCol="1" spcCol="0" rtlCol="0" fromWordArt="0" anchor="ctr" anchorCtr="0" forceAA="0" compatLnSpc="1">
+              <a:prstTxWarp prst="textNoShape">
+                <a:avLst/>
+              </a:prstTxWarp>
+              <a:noAutofit/>
+            </a:bodyPr>
+            <a:lstStyle/>
+            <a:p>
+              <a:pPr algn="ctr"/>
+              <a:endParaRPr lang="en-US" sz="2800" b="1" dirty="0">
+                <a:solidFill>
+                  <a:srgbClr val="FFFFFF"/>
+                </a:solidFill>
+                <a:effectLst>
+                  <a:outerShdw blurRad="38100" dist="38100" dir="2700000" algn="tl">
+                    <a:srgbClr val="000000">
+                      <a:alpha val="43137"/>
+                    </a:srgbClr>
+                  </a:outerShdw>
+                </a:effectLst>
+              </a:endParaRPr>
+            </a:p>
+          </p:txBody>
+        </p:sp>
+        <p:pic>
+          <p:nvPicPr>
+            <p:cNvPr id="26" name="Picture 25"/>
+            <p:cNvPicPr>
+              <a:picLocks noChangeAspect="1"/>
+            </p:cNvPicPr>
+            <p:nvPr/>
+          </p:nvPicPr>
+          <p:blipFill>
+            <a:blip r:embed="rId6">
+              <a:extLst>
+                <a:ext uri="{28A0092B-C50C-407E-A947-70E740481C1C}">
+                  <a14:useLocalDpi xmlns:a14="http://schemas.microsoft.com/office/drawing/2010/main" val="0"/>
+                </a:ext>
+              </a:extLst>
+            </a:blip>
+            <a:stretch>
+              <a:fillRect/>
+            </a:stretch>
+          </p:blipFill>
+          <p:spPr>
+            <a:xfrm>
+              <a:off x="1490036" y="5567019"/>
+              <a:ext cx="3668462" cy="683951"/>
+            </a:xfrm>
+            <a:prstGeom prst="rect">
+              <a:avLst/>
+            </a:prstGeom>
+          </p:spPr>
+        </p:pic>
+      </p:grpSp>
     </p:spTree>
     <p:extLst>
       <p:ext uri="{BB962C8B-B14F-4D97-AF65-F5344CB8AC3E}">
         <p14:creationId xmlns:p14="http://schemas.microsoft.com/office/powerpoint/2010/main" val="1078891249"/>
+      </p:ext>
+    </p:extLst>
+  </p:cSld>
+  <p:clrMapOvr>
+    <a:masterClrMapping/>
+  </p:clrMapOvr>
+  <mc:AlternateContent xmlns:mc="http://schemas.openxmlformats.org/markup-compatibility/2006" xmlns:p14="http://schemas.microsoft.com/office/powerpoint/2010/main">
+    <mc:Choice Requires="p14">
+      <p:transition spd="slow" p14:dur="2000" advClick="0" advTm="5000"/>
+    </mc:Choice>
+    <mc:Fallback xmlns="">
+      <p:transition spd="slow" advClick="0" advTm="5000"/>
+    </mc:Fallback>
+  </mc:AlternateContent>
+  <p:timing>
+    <p:tnLst>
+      <p:par>
+        <p:cTn id="1" dur="indefinite" restart="never" nodeType="tmRoot">
+          <p:childTnLst>
+            <p:seq concurrent="1" nextAc="seek">
+              <p:cTn id="2" dur="indefinite" nodeType="mainSeq">
+                <p:childTnLst>
+                  <p:par>
+                    <p:cTn id="3" fill="hold">
+                      <p:stCondLst>
+                        <p:cond delay="indefinite"/>
+                      </p:stCondLst>
+                      <p:childTnLst>
+                        <p:par>
+                          <p:cTn id="4" fill="hold">
+                            <p:stCondLst>
+                              <p:cond delay="0"/>
+                            </p:stCondLst>
+                            <p:childTnLst>
+                              <p:par>
+                                <p:cTn id="5" presetID="1" presetClass="entr" presetSubtype="0" fill="hold" grpId="0" nodeType="clickEffect">
+                                  <p:stCondLst>
+                                    <p:cond delay="0"/>
+                                  </p:stCondLst>
+                                  <p:childTnLst>
+                                    <p:set>
+                                      <p:cBhvr>
+                                        <p:cTn id="6" dur="1" fill="hold">
+                                          <p:stCondLst>
+                                            <p:cond delay="0"/>
+                                          </p:stCondLst>
+                                        </p:cTn>
+                                        <p:tgtEl>
+                                          <p:spTgt spid="10"/>
+                                        </p:tgtEl>
+                                        <p:attrNameLst>
+                                          <p:attrName>style.visibility</p:attrName>
+                                        </p:attrNameLst>
+                                      </p:cBhvr>
+                                      <p:to>
+                                        <p:strVal val="visible"/>
+                                      </p:to>
+                                    </p:set>
+                                  </p:childTnLst>
+                                </p:cTn>
+                              </p:par>
+                            </p:childTnLst>
+                          </p:cTn>
+                        </p:par>
+                      </p:childTnLst>
+                    </p:cTn>
+                  </p:par>
+                  <p:par>
+                    <p:cTn id="7" fill="hold">
+                      <p:stCondLst>
+                        <p:cond delay="indefinite"/>
+                      </p:stCondLst>
+                      <p:childTnLst>
+                        <p:par>
+                          <p:cTn id="8" fill="hold">
+                            <p:stCondLst>
+                              <p:cond delay="0"/>
+                            </p:stCondLst>
+                            <p:childTnLst>
+                              <p:par>
+                                <p:cTn id="9" presetID="1" presetClass="entr" presetSubtype="0" fill="hold" nodeType="clickEffect">
+                                  <p:stCondLst>
+                                    <p:cond delay="0"/>
+                                  </p:stCondLst>
+                                  <p:childTnLst>
+                                    <p:set>
+                                      <p:cBhvr>
+                                        <p:cTn id="10" dur="1" fill="hold">
+                                          <p:stCondLst>
+                                            <p:cond delay="0"/>
+                                          </p:stCondLst>
+                                        </p:cTn>
+                                        <p:tgtEl>
+                                          <p:spTgt spid="31"/>
+                                        </p:tgtEl>
+                                        <p:attrNameLst>
+                                          <p:attrName>style.visibility</p:attrName>
+                                        </p:attrNameLst>
+                                      </p:cBhvr>
+                                      <p:to>
+                                        <p:strVal val="visible"/>
+                                      </p:to>
+                                    </p:set>
+                                  </p:childTnLst>
+                                </p:cTn>
+                              </p:par>
+                            </p:childTnLst>
+                          </p:cTn>
+                        </p:par>
+                      </p:childTnLst>
+                    </p:cTn>
+                  </p:par>
+                  <p:par>
+                    <p:cTn id="11" fill="hold">
+                      <p:stCondLst>
+                        <p:cond delay="indefinite"/>
+                      </p:stCondLst>
+                      <p:childTnLst>
+                        <p:par>
+                          <p:cTn id="12" fill="hold">
+                            <p:stCondLst>
+                              <p:cond delay="0"/>
+                            </p:stCondLst>
+                            <p:childTnLst>
+                              <p:par>
+                                <p:cTn id="13" presetID="1" presetClass="entr" presetSubtype="0" fill="hold" grpId="0" nodeType="clickEffect">
+                                  <p:stCondLst>
+                                    <p:cond delay="0"/>
+                                  </p:stCondLst>
+                                  <p:childTnLst>
+                                    <p:set>
+                                      <p:cBhvr>
+                                        <p:cTn id="14" dur="1" fill="hold">
+                                          <p:stCondLst>
+                                            <p:cond delay="0"/>
+                                          </p:stCondLst>
+                                        </p:cTn>
+                                        <p:tgtEl>
+                                          <p:spTgt spid="11"/>
+                                        </p:tgtEl>
+                                        <p:attrNameLst>
+                                          <p:attrName>style.visibility</p:attrName>
+                                        </p:attrNameLst>
+                                      </p:cBhvr>
+                                      <p:to>
+                                        <p:strVal val="visible"/>
+                                      </p:to>
+                                    </p:set>
+                                  </p:childTnLst>
+                                </p:cTn>
+                              </p:par>
+                            </p:childTnLst>
+                          </p:cTn>
+                        </p:par>
+                      </p:childTnLst>
+                    </p:cTn>
+                  </p:par>
+                  <p:par>
+                    <p:cTn id="15" fill="hold">
+                      <p:stCondLst>
+                        <p:cond delay="indefinite"/>
+                      </p:stCondLst>
+                      <p:childTnLst>
+                        <p:par>
+                          <p:cTn id="16" fill="hold">
+                            <p:stCondLst>
+                              <p:cond delay="0"/>
+                            </p:stCondLst>
+                            <p:childTnLst>
+                              <p:par>
+                                <p:cTn id="17" presetID="1" presetClass="entr" presetSubtype="0" fill="hold" nodeType="clickEffect">
+                                  <p:stCondLst>
+                                    <p:cond delay="0"/>
+                                  </p:stCondLst>
+                                  <p:childTnLst>
+                                    <p:set>
+                                      <p:cBhvr>
+                                        <p:cTn id="18" dur="1" fill="hold">
+                                          <p:stCondLst>
+                                            <p:cond delay="0"/>
+                                          </p:stCondLst>
+                                        </p:cTn>
+                                        <p:tgtEl>
+                                          <p:spTgt spid="32"/>
+                                        </p:tgtEl>
+                                        <p:attrNameLst>
+                                          <p:attrName>style.visibility</p:attrName>
+                                        </p:attrNameLst>
+                                      </p:cBhvr>
+                                      <p:to>
+                                        <p:strVal val="visible"/>
+                                      </p:to>
+                                    </p:set>
+                                  </p:childTnLst>
+                                </p:cTn>
+                              </p:par>
+                            </p:childTnLst>
+                          </p:cTn>
+                        </p:par>
+                      </p:childTnLst>
+                    </p:cTn>
+                  </p:par>
+                  <p:par>
+                    <p:cTn id="19" fill="hold">
+                      <p:stCondLst>
+                        <p:cond delay="indefinite"/>
+                      </p:stCondLst>
+                      <p:childTnLst>
+                        <p:par>
+                          <p:cTn id="20" fill="hold">
+                            <p:stCondLst>
+                              <p:cond delay="0"/>
+                            </p:stCondLst>
+                            <p:childTnLst>
+                              <p:par>
+                                <p:cTn id="21" presetID="1" presetClass="entr" presetSubtype="0" fill="hold" grpId="0" nodeType="clickEffect">
+                                  <p:stCondLst>
+                                    <p:cond delay="0"/>
+                                  </p:stCondLst>
+                                  <p:childTnLst>
+                                    <p:set>
+                                      <p:cBhvr>
+                                        <p:cTn id="22" dur="1" fill="hold">
+                                          <p:stCondLst>
+                                            <p:cond delay="0"/>
+                                          </p:stCondLst>
+                                        </p:cTn>
+                                        <p:tgtEl>
+                                          <p:spTgt spid="12"/>
+                                        </p:tgtEl>
+                                        <p:attrNameLst>
+                                          <p:attrName>style.visibility</p:attrName>
+                                        </p:attrNameLst>
+                                      </p:cBhvr>
+                                      <p:to>
+                                        <p:strVal val="visible"/>
+                                      </p:to>
+                                    </p:set>
+                                  </p:childTnLst>
+                                </p:cTn>
+                              </p:par>
+                            </p:childTnLst>
+                          </p:cTn>
+                        </p:par>
+                      </p:childTnLst>
+                    </p:cTn>
+                  </p:par>
+                  <p:par>
+                    <p:cTn id="23" fill="hold">
+                      <p:stCondLst>
+                        <p:cond delay="indefinite"/>
+                      </p:stCondLst>
+                      <p:childTnLst>
+                        <p:par>
+                          <p:cTn id="24" fill="hold">
+                            <p:stCondLst>
+                              <p:cond delay="0"/>
+                            </p:stCondLst>
+                            <p:childTnLst>
+                              <p:par>
+                                <p:cTn id="25" presetID="1" presetClass="entr" presetSubtype="0" fill="hold" nodeType="clickEffect">
+                                  <p:stCondLst>
+                                    <p:cond delay="0"/>
+                                  </p:stCondLst>
+                                  <p:childTnLst>
+                                    <p:set>
+                                      <p:cBhvr>
+                                        <p:cTn id="26" dur="1" fill="hold">
+                                          <p:stCondLst>
+                                            <p:cond delay="0"/>
+                                          </p:stCondLst>
+                                        </p:cTn>
+                                        <p:tgtEl>
+                                          <p:spTgt spid="33"/>
+                                        </p:tgtEl>
+                                        <p:attrNameLst>
+                                          <p:attrName>style.visibility</p:attrName>
+                                        </p:attrNameLst>
+                                      </p:cBhvr>
+                                      <p:to>
+                                        <p:strVal val="visible"/>
+                                      </p:to>
+                                    </p:set>
+                                  </p:childTnLst>
+                                </p:cTn>
+                              </p:par>
+                            </p:childTnLst>
+                          </p:cTn>
+                        </p:par>
+                      </p:childTnLst>
+                    </p:cTn>
+                  </p:par>
+                  <p:par>
+                    <p:cTn id="27" fill="hold">
+                      <p:stCondLst>
+                        <p:cond delay="indefinite"/>
+                      </p:stCondLst>
+                      <p:childTnLst>
+                        <p:par>
+                          <p:cTn id="28" fill="hold">
+                            <p:stCondLst>
+                              <p:cond delay="0"/>
+                            </p:stCondLst>
+                            <p:childTnLst>
+                              <p:par>
+                                <p:cTn id="29" presetID="1" presetClass="entr" presetSubtype="0" fill="hold" grpId="0" nodeType="clickEffect">
+                                  <p:stCondLst>
+                                    <p:cond delay="0"/>
+                                  </p:stCondLst>
+                                  <p:childTnLst>
+                                    <p:set>
+                                      <p:cBhvr>
+                                        <p:cTn id="30" dur="1" fill="hold">
+                                          <p:stCondLst>
+                                            <p:cond delay="0"/>
+                                          </p:stCondLst>
+                                        </p:cTn>
+                                        <p:tgtEl>
+                                          <p:spTgt spid="13"/>
+                                        </p:tgtEl>
+                                        <p:attrNameLst>
+                                          <p:attrName>style.visibility</p:attrName>
+                                        </p:attrNameLst>
+                                      </p:cBhvr>
+                                      <p:to>
+                                        <p:strVal val="visible"/>
+                                      </p:to>
+                                    </p:set>
+                                  </p:childTnLst>
+                                </p:cTn>
+                              </p:par>
+                            </p:childTnLst>
+                          </p:cTn>
+                        </p:par>
+                      </p:childTnLst>
+                    </p:cTn>
+                  </p:par>
+                </p:childTnLst>
+              </p:cTn>
+              <p:prevCondLst>
+                <p:cond evt="onPrev" delay="0">
+                  <p:tgtEl>
+                    <p:sldTgt/>
+                  </p:tgtEl>
+                </p:cond>
+              </p:prevCondLst>
+              <p:nextCondLst>
+                <p:cond evt="onNext" delay="0">
+                  <p:tgtEl>
+                    <p:sldTgt/>
+                  </p:tgtEl>
+                </p:cond>
+              </p:nextCondLst>
+            </p:seq>
+          </p:childTnLst>
+        </p:cTn>
+      </p:par>
+    </p:tnLst>
+    <p:bldLst>
+      <p:bldP spid="10" grpId="0"/>
+      <p:bldP spid="11" grpId="0"/>
+      <p:bldP spid="12" grpId="0"/>
+      <p:bldP spid="13" grpId="0"/>
+    </p:bldLst>
+  </p:timing>
+</p:sld>
+</file>
+
+<file path=ppt/slides/slide21.xml><?xml version="1.0" encoding="utf-8"?>
+<p:sld xmlns:a="http://schemas.openxmlformats.org/drawingml/2006/main" xmlns:r="http://schemas.openxmlformats.org/officeDocument/2006/relationships" xmlns:p="http://schemas.openxmlformats.org/presentationml/2006/main">
+  <p:cSld>
+    <p:spTree>
+      <p:nvGrpSpPr>
+        <p:cNvPr id="1" name=""/>
+        <p:cNvGrpSpPr/>
+        <p:nvPr/>
+      </p:nvGrpSpPr>
+      <p:grpSpPr>
+        <a:xfrm>
+          <a:off x="0" y="0"/>
+          <a:ext cx="0" cy="0"/>
+          <a:chOff x="0" y="0"/>
+          <a:chExt cx="0" cy="0"/>
+        </a:xfrm>
+      </p:grpSpPr>
+      <p:sp>
+        <p:nvSpPr>
+          <p:cNvPr id="2" name="Text Placeholder 1"/>
+          <p:cNvSpPr>
+            <a:spLocks noGrp="1"/>
+          </p:cNvSpPr>
+          <p:nvPr>
+            <p:ph type="body" sz="quarter" idx="10"/>
+          </p:nvPr>
+        </p:nvSpPr>
+        <p:spPr/>
+        <p:txBody>
+          <a:bodyPr/>
+          <a:lstStyle/>
+          <a:p>
+            <a:pPr>
+              <a:buClr>
+                <a:schemeClr val="tx1"/>
+              </a:buClr>
+            </a:pPr>
+            <a:r>
+              <a:rPr lang="ru-RU" b="1" dirty="0">
+                <a:solidFill>
+                  <a:schemeClr val="bg1"/>
+                </a:solidFill>
+              </a:rPr>
+              <a:t>Блоковете за външността </a:t>
+            </a:r>
+            <a:r>
+              <a:rPr lang="ru-RU" dirty="0"/>
+              <a:t>- блоковете, които управляват външния вид на </a:t>
+            </a:r>
+            <a:r>
+              <a:rPr lang="bg-BG" sz="3600" b="1" dirty="0"/>
+              <a:t>спрайта</a:t>
+            </a:r>
+            <a:endParaRPr lang="en-US" dirty="0"/>
+          </a:p>
+        </p:txBody>
+      </p:sp>
+      <p:sp>
+        <p:nvSpPr>
+          <p:cNvPr id="3" name="Title 2"/>
+          <p:cNvSpPr>
+            <a:spLocks noGrp="1"/>
+          </p:cNvSpPr>
+          <p:nvPr>
+            <p:ph type="title"/>
+          </p:nvPr>
+        </p:nvSpPr>
+        <p:spPr/>
+        <p:txBody>
+          <a:bodyPr/>
+          <a:lstStyle/>
+          <a:p>
+            <a:r>
+              <a:rPr lang="bg-BG" dirty="0"/>
+              <a:t>Блокове за външността</a:t>
+            </a:r>
+            <a:endParaRPr lang="en-US" dirty="0"/>
+          </a:p>
+        </p:txBody>
+      </p:sp>
+      <p:sp>
+        <p:nvSpPr>
+          <p:cNvPr id="4" name="Slide Number Placeholder 3"/>
+          <p:cNvSpPr>
+            <a:spLocks noGrp="1"/>
+          </p:cNvSpPr>
+          <p:nvPr>
+            <p:ph type="sldNum" sz="quarter" idx="13"/>
+          </p:nvPr>
+        </p:nvSpPr>
+        <p:spPr/>
+        <p:txBody>
+          <a:bodyPr/>
+          <a:lstStyle/>
+          <a:p>
+            <a:fld id="{C014DD1E-5D91-48A3-AD6D-45FBA980D106}" type="slidenum">
+              <a:rPr lang="en-US" smtClean="0"/>
+              <a:pPr/>
+              <a:t>21</a:t>
+            </a:fld>
+            <a:endParaRPr lang="en-US" dirty="0"/>
+          </a:p>
+        </p:txBody>
+      </p:sp>
+    </p:spTree>
+    <p:extLst>
+      <p:ext uri="{BB962C8B-B14F-4D97-AF65-F5344CB8AC3E}">
+        <p14:creationId xmlns:p14="http://schemas.microsoft.com/office/powerpoint/2010/main" val="2528874631"/>
+      </p:ext>
+    </p:extLst>
+  </p:cSld>
+  <p:clrMapOvr>
+    <a:masterClrMapping/>
+  </p:clrMapOvr>
+  <mc:AlternateContent xmlns:mc="http://schemas.openxmlformats.org/markup-compatibility/2006" xmlns:p14="http://schemas.microsoft.com/office/powerpoint/2010/main">
+    <mc:Choice Requires="p14">
+      <p:transition spd="slow" p14:dur="2000" advClick="0" advTm="5000"/>
+    </mc:Choice>
+    <mc:Fallback xmlns="">
+      <p:transition spd="slow" advClick="0" advTm="5000"/>
+    </mc:Fallback>
+  </mc:AlternateContent>
+  <p:timing>
+    <p:tnLst>
+      <p:par>
+        <p:cTn id="1" dur="indefinite" restart="never" nodeType="tmRoot"/>
+      </p:par>
+    </p:tnLst>
+  </p:timing>
+</p:sld>
+</file>
+
+<file path=ppt/slides/slide22.xml><?xml version="1.0" encoding="utf-8"?>
+<p:sld xmlns:a="http://schemas.openxmlformats.org/drawingml/2006/main" xmlns:r="http://schemas.openxmlformats.org/officeDocument/2006/relationships" xmlns:p="http://schemas.openxmlformats.org/presentationml/2006/main">
+  <p:cSld>
+    <p:spTree>
+      <p:nvGrpSpPr>
+        <p:cNvPr id="1" name=""/>
+        <p:cNvGrpSpPr/>
+        <p:nvPr/>
+      </p:nvGrpSpPr>
+      <p:grpSpPr>
+        <a:xfrm>
+          <a:off x="0" y="0"/>
+          <a:ext cx="0" cy="0"/>
+          <a:chOff x="0" y="0"/>
+          <a:chExt cx="0" cy="0"/>
+        </a:xfrm>
+      </p:grpSpPr>
+      <p:sp>
+        <p:nvSpPr>
+          <p:cNvPr id="3" name="Title 2"/>
+          <p:cNvSpPr>
+            <a:spLocks noGrp="1"/>
+          </p:cNvSpPr>
+          <p:nvPr>
+            <p:ph type="title"/>
+          </p:nvPr>
+        </p:nvSpPr>
+        <p:spPr/>
+        <p:txBody>
+          <a:bodyPr/>
+          <a:lstStyle/>
+          <a:p>
+            <a:r>
+              <a:rPr lang="bg-BG" dirty="0"/>
+              <a:t>Блокове за външността</a:t>
+            </a:r>
+            <a:endParaRPr lang="en-US" dirty="0"/>
+          </a:p>
+        </p:txBody>
+      </p:sp>
+      <p:sp>
+        <p:nvSpPr>
+          <p:cNvPr id="4" name="Slide Number Placeholder 3"/>
+          <p:cNvSpPr>
+            <a:spLocks noGrp="1"/>
+          </p:cNvSpPr>
+          <p:nvPr>
+            <p:ph type="sldNum" sz="quarter" idx="13"/>
+          </p:nvPr>
+        </p:nvSpPr>
+        <p:spPr/>
+        <p:txBody>
+          <a:bodyPr/>
+          <a:lstStyle/>
+          <a:p>
+            <a:fld id="{C014DD1E-5D91-48A3-AD6D-45FBA980D106}" type="slidenum">
+              <a:rPr lang="en-US" smtClean="0"/>
+              <a:pPr/>
+              <a:t>22</a:t>
+            </a:fld>
+            <a:endParaRPr lang="en-US" dirty="0"/>
+          </a:p>
+        </p:txBody>
+      </p:sp>
+      <p:graphicFrame>
+        <p:nvGraphicFramePr>
+          <p:cNvPr id="5" name="Table 4"/>
+          <p:cNvGraphicFramePr>
+            <a:graphicFrameLocks noGrp="1"/>
+          </p:cNvGraphicFramePr>
+          <p:nvPr>
+            <p:extLst>
+              <p:ext uri="{D42A27DB-BD31-4B8C-83A1-F6EECF244321}">
+                <p14:modId xmlns:p14="http://schemas.microsoft.com/office/powerpoint/2010/main" val="2584658091"/>
+              </p:ext>
+            </p:extLst>
+          </p:nvPr>
+        </p:nvGraphicFramePr>
+        <p:xfrm>
+          <a:off x="536328" y="1904004"/>
+          <a:ext cx="11175024" cy="3412108"/>
+        </p:xfrm>
+        <a:graphic>
+          <a:graphicData uri="http://schemas.openxmlformats.org/drawingml/2006/table">
+            <a:tbl>
+              <a:tblPr firstRow="1" bandRow="1">
+                <a:tableStyleId>{5940675A-B579-460E-94D1-54222C63F5DA}</a:tableStyleId>
+              </a:tblPr>
+              <a:tblGrid>
+                <a:gridCol w="5587512">
+                  <a:extLst>
+                    <a:ext uri="{9D8B030D-6E8A-4147-A177-3AD203B41FA5}">
+                      <a16:colId xmlns:a16="http://schemas.microsoft.com/office/drawing/2014/main" val="2557892266"/>
+                    </a:ext>
+                  </a:extLst>
+                </a:gridCol>
+                <a:gridCol w="5587512">
+                  <a:extLst>
+                    <a:ext uri="{9D8B030D-6E8A-4147-A177-3AD203B41FA5}">
+                      <a16:colId xmlns:a16="http://schemas.microsoft.com/office/drawing/2014/main" val="3119956751"/>
+                    </a:ext>
+                  </a:extLst>
+                </a:gridCol>
+              </a:tblGrid>
+              <a:tr h="1072661">
+                <a:tc>
+                  <a:txBody>
+                    <a:bodyPr/>
+                    <a:lstStyle/>
+                    <a:p>
+                      <a:endParaRPr lang="en-US" dirty="0"/>
+                    </a:p>
+                  </a:txBody>
+                  <a:tcPr/>
+                </a:tc>
+                <a:tc>
+                  <a:txBody>
+                    <a:bodyPr/>
+                    <a:lstStyle/>
+                    <a:p>
+                      <a:endParaRPr lang="en-US" dirty="0"/>
+                    </a:p>
+                  </a:txBody>
+                  <a:tcPr/>
+                </a:tc>
+                <a:extLst>
+                  <a:ext uri="{0D108BD9-81ED-4DB2-BD59-A6C34878D82A}">
+                    <a16:rowId xmlns:a16="http://schemas.microsoft.com/office/drawing/2014/main" val="3708267832"/>
+                  </a:ext>
+                </a:extLst>
+              </a:tr>
+              <a:tr h="1170070">
+                <a:tc>
+                  <a:txBody>
+                    <a:bodyPr/>
+                    <a:lstStyle/>
+                    <a:p>
+                      <a:endParaRPr lang="en-US" dirty="0"/>
+                    </a:p>
+                  </a:txBody>
+                  <a:tcPr/>
+                </a:tc>
+                <a:tc>
+                  <a:txBody>
+                    <a:bodyPr/>
+                    <a:lstStyle/>
+                    <a:p>
+                      <a:endParaRPr lang="en-US" dirty="0"/>
+                    </a:p>
+                  </a:txBody>
+                  <a:tcPr/>
+                </a:tc>
+                <a:extLst>
+                  <a:ext uri="{0D108BD9-81ED-4DB2-BD59-A6C34878D82A}">
+                    <a16:rowId xmlns:a16="http://schemas.microsoft.com/office/drawing/2014/main" val="3330781200"/>
+                  </a:ext>
+                </a:extLst>
+              </a:tr>
+              <a:tr h="1169377">
+                <a:tc>
+                  <a:txBody>
+                    <a:bodyPr/>
+                    <a:lstStyle/>
+                    <a:p>
+                      <a:endParaRPr lang="en-US" dirty="0"/>
+                    </a:p>
+                  </a:txBody>
+                  <a:tcPr/>
+                </a:tc>
+                <a:tc>
+                  <a:txBody>
+                    <a:bodyPr/>
+                    <a:lstStyle/>
+                    <a:p>
+                      <a:endParaRPr lang="en-US" dirty="0"/>
+                    </a:p>
+                  </a:txBody>
+                  <a:tcPr/>
+                </a:tc>
+                <a:extLst>
+                  <a:ext uri="{0D108BD9-81ED-4DB2-BD59-A6C34878D82A}">
+                    <a16:rowId xmlns:a16="http://schemas.microsoft.com/office/drawing/2014/main" val="3455031369"/>
+                  </a:ext>
+                </a:extLst>
+              </a:tr>
+            </a:tbl>
+          </a:graphicData>
+        </a:graphic>
+      </p:graphicFrame>
+      <p:sp>
+        <p:nvSpPr>
+          <p:cNvPr id="10" name="TextBox 9"/>
+          <p:cNvSpPr txBox="1"/>
+          <p:nvPr/>
+        </p:nvSpPr>
+        <p:spPr>
+          <a:xfrm>
+            <a:off x="6119444" y="1968784"/>
+            <a:ext cx="5662247" cy="956773"/>
+          </a:xfrm>
+          <a:prstGeom prst="rect">
+            <a:avLst/>
+          </a:prstGeom>
+          <a:noFill/>
+          <a:ln w="12700">
+            <a:noFill/>
+          </a:ln>
+        </p:spPr>
+        <p:txBody>
+          <a:bodyPr vert="horz" wrap="square" lIns="144000" tIns="108000" rIns="144000" bIns="108000" rtlCol="0">
+            <a:spAutoFit/>
+          </a:bodyPr>
+          <a:lstStyle/>
+          <a:p>
+            <a:r>
+              <a:rPr lang="ru-RU" sz="2400" dirty="0"/>
+              <a:t>Дава на </a:t>
+            </a:r>
+            <a:r>
+              <a:rPr lang="bg-BG" sz="2400" b="1" dirty="0"/>
+              <a:t>спрайта</a:t>
+            </a:r>
+            <a:r>
+              <a:rPr lang="ru-RU" sz="2400" dirty="0"/>
+              <a:t> </a:t>
+            </a:r>
+            <a:r>
+              <a:rPr lang="ru-RU" sz="2400" b="1" dirty="0"/>
+              <a:t>речеви</a:t>
+            </a:r>
+            <a:r>
+              <a:rPr lang="ru-RU" sz="2400" dirty="0"/>
+              <a:t> </a:t>
+            </a:r>
+            <a:r>
+              <a:rPr lang="ru-RU" sz="2400" b="1" dirty="0"/>
+              <a:t>балон</a:t>
+            </a:r>
+            <a:r>
+              <a:rPr lang="ru-RU" sz="2400" dirty="0"/>
+              <a:t> със зададения текст</a:t>
+            </a:r>
+            <a:endParaRPr lang="en-US" sz="2400" dirty="0"/>
+          </a:p>
+        </p:txBody>
+      </p:sp>
+      <p:sp>
+        <p:nvSpPr>
+          <p:cNvPr id="11" name="TextBox 10"/>
+          <p:cNvSpPr txBox="1"/>
+          <p:nvPr/>
+        </p:nvSpPr>
+        <p:spPr>
+          <a:xfrm>
+            <a:off x="6119444" y="3054838"/>
+            <a:ext cx="5591908" cy="1030640"/>
+          </a:xfrm>
+          <a:prstGeom prst="rect">
+            <a:avLst/>
+          </a:prstGeom>
+          <a:noFill/>
+          <a:ln w="12700">
+            <a:noFill/>
+          </a:ln>
+        </p:spPr>
+        <p:txBody>
+          <a:bodyPr vert="horz" wrap="square" lIns="144000" tIns="108000" rIns="144000" bIns="108000" rtlCol="0">
+            <a:spAutoFit/>
+          </a:bodyPr>
+          <a:lstStyle/>
+          <a:p>
+            <a:pPr eaLnBrk="0" hangingPunct="0">
+              <a:lnSpc>
+                <a:spcPct val="110000"/>
+              </a:lnSpc>
+              <a:buClr>
+                <a:schemeClr val="accent5">
+                  <a:lumMod val="40000"/>
+                  <a:lumOff val="60000"/>
+                </a:schemeClr>
+              </a:buClr>
+              <a:buSzPct val="70000"/>
+            </a:pPr>
+            <a:r>
+              <a:rPr lang="ru-RU" sz="2400" dirty="0"/>
+              <a:t>Дава на </a:t>
+            </a:r>
+            <a:r>
+              <a:rPr lang="bg-BG" sz="2400" b="1" dirty="0"/>
+              <a:t>спрайта</a:t>
+            </a:r>
+            <a:r>
+              <a:rPr lang="ru-RU" sz="2400" dirty="0"/>
+              <a:t> </a:t>
+            </a:r>
+            <a:r>
+              <a:rPr lang="ru-RU" sz="2400" b="1" dirty="0"/>
+              <a:t>мисловен </a:t>
+            </a:r>
+            <a:r>
+              <a:rPr lang="bg-BG" sz="2400" b="1" dirty="0"/>
+              <a:t>балон</a:t>
+            </a:r>
+            <a:r>
+              <a:rPr lang="ru-RU" sz="2400" b="1" dirty="0"/>
+              <a:t> </a:t>
+            </a:r>
+            <a:r>
+              <a:rPr lang="ru-RU" sz="2400" dirty="0"/>
+              <a:t>със зададения текст</a:t>
+            </a:r>
+            <a:endParaRPr lang="en-US" sz="2400" dirty="0"/>
+          </a:p>
+        </p:txBody>
+      </p:sp>
+      <p:sp>
+        <p:nvSpPr>
+          <p:cNvPr id="12" name="TextBox 11"/>
+          <p:cNvSpPr txBox="1"/>
+          <p:nvPr/>
+        </p:nvSpPr>
+        <p:spPr>
+          <a:xfrm>
+            <a:off x="6119444" y="4178790"/>
+            <a:ext cx="5591908" cy="1030640"/>
+          </a:xfrm>
+          <a:prstGeom prst="rect">
+            <a:avLst/>
+          </a:prstGeom>
+          <a:noFill/>
+          <a:ln w="12700">
+            <a:noFill/>
+          </a:ln>
+        </p:spPr>
+        <p:txBody>
+          <a:bodyPr vert="horz" wrap="square" lIns="144000" tIns="108000" rIns="144000" bIns="108000" rtlCol="0">
+            <a:spAutoFit/>
+          </a:bodyPr>
+          <a:lstStyle/>
+          <a:p>
+            <a:pPr eaLnBrk="0" hangingPunct="0">
+              <a:lnSpc>
+                <a:spcPct val="110000"/>
+              </a:lnSpc>
+              <a:buClr>
+                <a:schemeClr val="accent5">
+                  <a:lumMod val="40000"/>
+                  <a:lumOff val="60000"/>
+                </a:schemeClr>
+              </a:buClr>
+              <a:buSzPct val="70000"/>
+            </a:pPr>
+            <a:r>
+              <a:rPr lang="bg-BG" sz="2400" dirty="0"/>
+              <a:t>Сменя </a:t>
+            </a:r>
+            <a:r>
+              <a:rPr lang="bg-BG" sz="2400" b="1" dirty="0"/>
+              <a:t>костюма</a:t>
+            </a:r>
+            <a:r>
+              <a:rPr lang="bg-BG" sz="2400" dirty="0"/>
+              <a:t> на </a:t>
+            </a:r>
+            <a:r>
+              <a:rPr lang="bg-BG" sz="2400" b="1" dirty="0"/>
+              <a:t>спрайта</a:t>
+            </a:r>
+            <a:r>
+              <a:rPr lang="bg-BG" sz="2400" dirty="0"/>
+              <a:t> с избрания от потребителя костюм</a:t>
+            </a:r>
+            <a:endParaRPr lang="en-US" sz="2400" dirty="0"/>
+          </a:p>
+        </p:txBody>
+      </p:sp>
+      <p:grpSp>
+        <p:nvGrpSpPr>
+          <p:cNvPr id="6" name="Group 5"/>
+          <p:cNvGrpSpPr/>
+          <p:nvPr/>
+        </p:nvGrpSpPr>
+        <p:grpSpPr>
+          <a:xfrm>
+            <a:off x="2194504" y="2018484"/>
+            <a:ext cx="2076740" cy="857370"/>
+            <a:chOff x="2194504" y="2018484"/>
+            <a:chExt cx="2076740" cy="857370"/>
+          </a:xfrm>
+        </p:grpSpPr>
+        <p:sp>
+          <p:nvSpPr>
+            <p:cNvPr id="13" name="Oval 12"/>
+            <p:cNvSpPr/>
+            <p:nvPr/>
+          </p:nvSpPr>
+          <p:spPr bwMode="auto">
+            <a:xfrm>
+              <a:off x="2880449" y="2164799"/>
+              <a:ext cx="1272451" cy="530776"/>
+            </a:xfrm>
+            <a:prstGeom prst="ellipse">
+              <a:avLst/>
+            </a:prstGeom>
+            <a:solidFill>
+              <a:srgbClr val="FFFFFF"/>
+            </a:solidFill>
+            <a:ln w="19050">
+              <a:noFill/>
+            </a:ln>
+            <a:effectLst/>
+          </p:spPr>
+          <p:style>
+            <a:lnRef idx="2">
+              <a:schemeClr val="accent1">
+                <a:shade val="50000"/>
+              </a:schemeClr>
+            </a:lnRef>
+            <a:fillRef idx="1001">
+              <a:schemeClr val="dk2"/>
+            </a:fillRef>
+            <a:effectRef idx="0">
+              <a:schemeClr val="accent1"/>
+            </a:effectRef>
+            <a:fontRef idx="minor">
+              <a:schemeClr val="lt1"/>
+            </a:fontRef>
+          </p:style>
+          <p:txBody>
+            <a:bodyPr rot="0" spcFirstLastPara="0" vertOverflow="overflow" horzOverflow="overflow" vert="horz" wrap="square" lIns="91440" tIns="45720" rIns="91440" bIns="45720" numCol="1" spcCol="0" rtlCol="0" fromWordArt="0" anchor="ctr" anchorCtr="0" forceAA="0" compatLnSpc="1">
+              <a:prstTxWarp prst="textNoShape">
+                <a:avLst/>
+              </a:prstTxWarp>
+              <a:noAutofit/>
+            </a:bodyPr>
+            <a:lstStyle/>
+            <a:p>
+              <a:pPr algn="ctr"/>
+              <a:endParaRPr lang="en-US" sz="2800" b="1" dirty="0">
+                <a:solidFill>
+                  <a:srgbClr val="FFFFFF"/>
+                </a:solidFill>
+                <a:effectLst>
+                  <a:outerShdw blurRad="38100" dist="38100" dir="2700000" algn="tl">
+                    <a:srgbClr val="000000">
+                      <a:alpha val="43137"/>
+                    </a:srgbClr>
+                  </a:outerShdw>
+                </a:effectLst>
+              </a:endParaRPr>
+            </a:p>
+          </p:txBody>
+        </p:sp>
+        <p:pic>
+          <p:nvPicPr>
+            <p:cNvPr id="2" name="Picture 1"/>
+            <p:cNvPicPr>
+              <a:picLocks noChangeAspect="1"/>
+            </p:cNvPicPr>
+            <p:nvPr/>
+          </p:nvPicPr>
+          <p:blipFill>
+            <a:blip r:embed="rId3">
+              <a:extLst>
+                <a:ext uri="{28A0092B-C50C-407E-A947-70E740481C1C}">
+                  <a14:useLocalDpi xmlns:a14="http://schemas.microsoft.com/office/drawing/2010/main" val="0"/>
+                </a:ext>
+              </a:extLst>
+            </a:blip>
+            <a:stretch>
+              <a:fillRect/>
+            </a:stretch>
+          </p:blipFill>
+          <p:spPr>
+            <a:xfrm>
+              <a:off x="2194504" y="2018484"/>
+              <a:ext cx="2076740" cy="857370"/>
+            </a:xfrm>
+            <a:prstGeom prst="rect">
+              <a:avLst/>
+            </a:prstGeom>
+          </p:spPr>
+        </p:pic>
+      </p:grpSp>
+      <p:grpSp>
+        <p:nvGrpSpPr>
+          <p:cNvPr id="8" name="Group 7"/>
+          <p:cNvGrpSpPr/>
+          <p:nvPr/>
+        </p:nvGrpSpPr>
+        <p:grpSpPr>
+          <a:xfrm>
+            <a:off x="2232609" y="3155762"/>
+            <a:ext cx="2038635" cy="828791"/>
+            <a:chOff x="2232609" y="3155762"/>
+            <a:chExt cx="2038635" cy="828791"/>
+          </a:xfrm>
+        </p:grpSpPr>
+        <p:sp>
+          <p:nvSpPr>
+            <p:cNvPr id="17" name="Oval 16"/>
+            <p:cNvSpPr/>
+            <p:nvPr/>
+          </p:nvSpPr>
+          <p:spPr bwMode="auto">
+            <a:xfrm>
+              <a:off x="3056661" y="3243555"/>
+              <a:ext cx="352425" cy="434769"/>
+            </a:xfrm>
+            <a:prstGeom prst="ellipse">
+              <a:avLst/>
+            </a:prstGeom>
+            <a:solidFill>
+              <a:srgbClr val="FFFFFF"/>
+            </a:solidFill>
+            <a:ln w="19050">
+              <a:noFill/>
+            </a:ln>
+            <a:effectLst/>
+          </p:spPr>
+          <p:style>
+            <a:lnRef idx="2">
+              <a:schemeClr val="accent1">
+                <a:shade val="50000"/>
+              </a:schemeClr>
+            </a:lnRef>
+            <a:fillRef idx="1001">
+              <a:schemeClr val="dk2"/>
+            </a:fillRef>
+            <a:effectRef idx="0">
+              <a:schemeClr val="accent1"/>
+            </a:effectRef>
+            <a:fontRef idx="minor">
+              <a:schemeClr val="lt1"/>
+            </a:fontRef>
+          </p:style>
+          <p:txBody>
+            <a:bodyPr rot="0" spcFirstLastPara="0" vertOverflow="overflow" horzOverflow="overflow" vert="horz" wrap="square" lIns="91440" tIns="45720" rIns="91440" bIns="45720" numCol="1" spcCol="0" rtlCol="0" fromWordArt="0" anchor="ctr" anchorCtr="0" forceAA="0" compatLnSpc="1">
+              <a:prstTxWarp prst="textNoShape">
+                <a:avLst/>
+              </a:prstTxWarp>
+              <a:noAutofit/>
+            </a:bodyPr>
+            <a:lstStyle/>
+            <a:p>
+              <a:pPr algn="ctr"/>
+              <a:endParaRPr lang="en-US" sz="2800" b="1" dirty="0">
+                <a:solidFill>
+                  <a:srgbClr val="FFFFFF"/>
+                </a:solidFill>
+                <a:effectLst>
+                  <a:outerShdw blurRad="38100" dist="38100" dir="2700000" algn="tl">
+                    <a:srgbClr val="000000">
+                      <a:alpha val="43137"/>
+                    </a:srgbClr>
+                  </a:outerShdw>
+                </a:effectLst>
+              </a:endParaRPr>
+            </a:p>
+          </p:txBody>
+        </p:sp>
+        <p:sp>
+          <p:nvSpPr>
+            <p:cNvPr id="18" name="Oval 17"/>
+            <p:cNvSpPr/>
+            <p:nvPr/>
+          </p:nvSpPr>
+          <p:spPr bwMode="auto">
+            <a:xfrm>
+              <a:off x="3024463" y="3243555"/>
+              <a:ext cx="1128437" cy="583887"/>
+            </a:xfrm>
+            <a:prstGeom prst="ellipse">
+              <a:avLst/>
+            </a:prstGeom>
+            <a:solidFill>
+              <a:srgbClr val="FFFFFF"/>
+            </a:solidFill>
+            <a:ln w="19050">
+              <a:noFill/>
+            </a:ln>
+            <a:effectLst/>
+          </p:spPr>
+          <p:style>
+            <a:lnRef idx="2">
+              <a:schemeClr val="accent1">
+                <a:shade val="50000"/>
+              </a:schemeClr>
+            </a:lnRef>
+            <a:fillRef idx="1001">
+              <a:schemeClr val="dk2"/>
+            </a:fillRef>
+            <a:effectRef idx="0">
+              <a:schemeClr val="accent1"/>
+            </a:effectRef>
+            <a:fontRef idx="minor">
+              <a:schemeClr val="lt1"/>
+            </a:fontRef>
+          </p:style>
+          <p:txBody>
+            <a:bodyPr rot="0" spcFirstLastPara="0" vertOverflow="overflow" horzOverflow="overflow" vert="horz" wrap="square" lIns="91440" tIns="45720" rIns="91440" bIns="45720" numCol="1" spcCol="0" rtlCol="0" fromWordArt="0" anchor="ctr" anchorCtr="0" forceAA="0" compatLnSpc="1">
+              <a:prstTxWarp prst="textNoShape">
+                <a:avLst/>
+              </a:prstTxWarp>
+              <a:noAutofit/>
+            </a:bodyPr>
+            <a:lstStyle/>
+            <a:p>
+              <a:pPr algn="ctr"/>
+              <a:endParaRPr lang="en-US" sz="2800" b="1" dirty="0">
+                <a:solidFill>
+                  <a:srgbClr val="FFFFFF"/>
+                </a:solidFill>
+                <a:effectLst>
+                  <a:outerShdw blurRad="38100" dist="38100" dir="2700000" algn="tl">
+                    <a:srgbClr val="000000">
+                      <a:alpha val="43137"/>
+                    </a:srgbClr>
+                  </a:outerShdw>
+                </a:effectLst>
+              </a:endParaRPr>
+            </a:p>
+          </p:txBody>
+        </p:sp>
+        <p:pic>
+          <p:nvPicPr>
+            <p:cNvPr id="7" name="Picture 6"/>
+            <p:cNvPicPr>
+              <a:picLocks noChangeAspect="1"/>
+            </p:cNvPicPr>
+            <p:nvPr/>
+          </p:nvPicPr>
+          <p:blipFill>
+            <a:blip r:embed="rId4">
+              <a:extLst>
+                <a:ext uri="{28A0092B-C50C-407E-A947-70E740481C1C}">
+                  <a14:useLocalDpi xmlns:a14="http://schemas.microsoft.com/office/drawing/2010/main" val="0"/>
+                </a:ext>
+              </a:extLst>
+            </a:blip>
+            <a:stretch>
+              <a:fillRect/>
+            </a:stretch>
+          </p:blipFill>
+          <p:spPr>
+            <a:xfrm>
+              <a:off x="2232609" y="3155762"/>
+              <a:ext cx="2038635" cy="828791"/>
+            </a:xfrm>
+            <a:prstGeom prst="rect">
+              <a:avLst/>
+            </a:prstGeom>
+          </p:spPr>
+        </p:pic>
+      </p:grpSp>
+      <p:pic>
+        <p:nvPicPr>
+          <p:cNvPr id="9" name="Picture 8"/>
+          <p:cNvPicPr>
+            <a:picLocks noChangeAspect="1"/>
+          </p:cNvPicPr>
+          <p:nvPr/>
+        </p:nvPicPr>
+        <p:blipFill>
+          <a:blip r:embed="rId5">
+            <a:extLst>
+              <a:ext uri="{28A0092B-C50C-407E-A947-70E740481C1C}">
+                <a14:useLocalDpi xmlns:a14="http://schemas.microsoft.com/office/drawing/2010/main" val="0"/>
+              </a:ext>
+            </a:extLst>
+          </a:blip>
+          <a:stretch>
+            <a:fillRect/>
+          </a:stretch>
+        </p:blipFill>
+        <p:spPr>
+          <a:xfrm>
+            <a:off x="1341897" y="4390166"/>
+            <a:ext cx="3820058" cy="819264"/>
+          </a:xfrm>
+          <a:prstGeom prst="rect">
+            <a:avLst/>
+          </a:prstGeom>
+        </p:spPr>
+      </p:pic>
+    </p:spTree>
+    <p:extLst>
+      <p:ext uri="{BB962C8B-B14F-4D97-AF65-F5344CB8AC3E}">
+        <p14:creationId xmlns:p14="http://schemas.microsoft.com/office/powerpoint/2010/main" val="1002598926"/>
+      </p:ext>
+    </p:extLst>
+  </p:cSld>
+  <p:clrMapOvr>
+    <a:masterClrMapping/>
+  </p:clrMapOvr>
+  <mc:AlternateContent xmlns:mc="http://schemas.openxmlformats.org/markup-compatibility/2006" xmlns:p14="http://schemas.microsoft.com/office/powerpoint/2010/main">
+    <mc:Choice Requires="p14">
+      <p:transition spd="slow" p14:dur="2000" advClick="0" advTm="5000"/>
+    </mc:Choice>
+    <mc:Fallback xmlns="">
+      <p:transition spd="slow" advClick="0" advTm="5000"/>
+    </mc:Fallback>
+  </mc:AlternateContent>
+  <p:timing>
+    <p:tnLst>
+      <p:par>
+        <p:cTn id="1" dur="indefinite" restart="never" nodeType="tmRoot">
+          <p:childTnLst>
+            <p:seq concurrent="1" nextAc="seek">
+              <p:cTn id="2" dur="indefinite" nodeType="mainSeq">
+                <p:childTnLst>
+                  <p:par>
+                    <p:cTn id="3" fill="hold">
+                      <p:stCondLst>
+                        <p:cond delay="indefinite"/>
+                      </p:stCondLst>
+                      <p:childTnLst>
+                        <p:par>
+                          <p:cTn id="4" fill="hold">
+                            <p:stCondLst>
+                              <p:cond delay="0"/>
+                            </p:stCondLst>
+                            <p:childTnLst>
+                              <p:par>
+                                <p:cTn id="5" presetID="1" presetClass="entr" presetSubtype="0" fill="hold" grpId="0" nodeType="clickEffect">
+                                  <p:stCondLst>
+                                    <p:cond delay="0"/>
+                                  </p:stCondLst>
+                                  <p:childTnLst>
+                                    <p:set>
+                                      <p:cBhvr>
+                                        <p:cTn id="6" dur="1" fill="hold">
+                                          <p:stCondLst>
+                                            <p:cond delay="0"/>
+                                          </p:stCondLst>
+                                        </p:cTn>
+                                        <p:tgtEl>
+                                          <p:spTgt spid="10"/>
+                                        </p:tgtEl>
+                                        <p:attrNameLst>
+                                          <p:attrName>style.visibility</p:attrName>
+                                        </p:attrNameLst>
+                                      </p:cBhvr>
+                                      <p:to>
+                                        <p:strVal val="visible"/>
+                                      </p:to>
+                                    </p:set>
+                                  </p:childTnLst>
+                                </p:cTn>
+                              </p:par>
+                            </p:childTnLst>
+                          </p:cTn>
+                        </p:par>
+                      </p:childTnLst>
+                    </p:cTn>
+                  </p:par>
+                  <p:par>
+                    <p:cTn id="7" fill="hold">
+                      <p:stCondLst>
+                        <p:cond delay="indefinite"/>
+                      </p:stCondLst>
+                      <p:childTnLst>
+                        <p:par>
+                          <p:cTn id="8" fill="hold">
+                            <p:stCondLst>
+                              <p:cond delay="0"/>
+                            </p:stCondLst>
+                            <p:childTnLst>
+                              <p:par>
+                                <p:cTn id="9" presetID="1" presetClass="entr" presetSubtype="0" fill="hold" nodeType="clickEffect">
+                                  <p:stCondLst>
+                                    <p:cond delay="0"/>
+                                  </p:stCondLst>
+                                  <p:childTnLst>
+                                    <p:set>
+                                      <p:cBhvr>
+                                        <p:cTn id="10" dur="1" fill="hold">
+                                          <p:stCondLst>
+                                            <p:cond delay="0"/>
+                                          </p:stCondLst>
+                                        </p:cTn>
+                                        <p:tgtEl>
+                                          <p:spTgt spid="8"/>
+                                        </p:tgtEl>
+                                        <p:attrNameLst>
+                                          <p:attrName>style.visibility</p:attrName>
+                                        </p:attrNameLst>
+                                      </p:cBhvr>
+                                      <p:to>
+                                        <p:strVal val="visible"/>
+                                      </p:to>
+                                    </p:set>
+                                  </p:childTnLst>
+                                </p:cTn>
+                              </p:par>
+                            </p:childTnLst>
+                          </p:cTn>
+                        </p:par>
+                      </p:childTnLst>
+                    </p:cTn>
+                  </p:par>
+                  <p:par>
+                    <p:cTn id="11" fill="hold">
+                      <p:stCondLst>
+                        <p:cond delay="indefinite"/>
+                      </p:stCondLst>
+                      <p:childTnLst>
+                        <p:par>
+                          <p:cTn id="12" fill="hold">
+                            <p:stCondLst>
+                              <p:cond delay="0"/>
+                            </p:stCondLst>
+                            <p:childTnLst>
+                              <p:par>
+                                <p:cTn id="13" presetID="1" presetClass="entr" presetSubtype="0" fill="hold" grpId="0" nodeType="clickEffect">
+                                  <p:stCondLst>
+                                    <p:cond delay="0"/>
+                                  </p:stCondLst>
+                                  <p:childTnLst>
+                                    <p:set>
+                                      <p:cBhvr>
+                                        <p:cTn id="14" dur="1" fill="hold">
+                                          <p:stCondLst>
+                                            <p:cond delay="0"/>
+                                          </p:stCondLst>
+                                        </p:cTn>
+                                        <p:tgtEl>
+                                          <p:spTgt spid="11"/>
+                                        </p:tgtEl>
+                                        <p:attrNameLst>
+                                          <p:attrName>style.visibility</p:attrName>
+                                        </p:attrNameLst>
+                                      </p:cBhvr>
+                                      <p:to>
+                                        <p:strVal val="visible"/>
+                                      </p:to>
+                                    </p:set>
+                                  </p:childTnLst>
+                                </p:cTn>
+                              </p:par>
+                            </p:childTnLst>
+                          </p:cTn>
+                        </p:par>
+                      </p:childTnLst>
+                    </p:cTn>
+                  </p:par>
+                  <p:par>
+                    <p:cTn id="15" fill="hold">
+                      <p:stCondLst>
+                        <p:cond delay="indefinite"/>
+                      </p:stCondLst>
+                      <p:childTnLst>
+                        <p:par>
+                          <p:cTn id="16" fill="hold">
+                            <p:stCondLst>
+                              <p:cond delay="0"/>
+                            </p:stCondLst>
+                            <p:childTnLst>
+                              <p:par>
+                                <p:cTn id="17" presetID="1" presetClass="entr" presetSubtype="0" fill="hold" nodeType="clickEffect">
+                                  <p:stCondLst>
+                                    <p:cond delay="0"/>
+                                  </p:stCondLst>
+                                  <p:childTnLst>
+                                    <p:set>
+                                      <p:cBhvr>
+                                        <p:cTn id="18" dur="1" fill="hold">
+                                          <p:stCondLst>
+                                            <p:cond delay="0"/>
+                                          </p:stCondLst>
+                                        </p:cTn>
+                                        <p:tgtEl>
+                                          <p:spTgt spid="9"/>
+                                        </p:tgtEl>
+                                        <p:attrNameLst>
+                                          <p:attrName>style.visibility</p:attrName>
+                                        </p:attrNameLst>
+                                      </p:cBhvr>
+                                      <p:to>
+                                        <p:strVal val="visible"/>
+                                      </p:to>
+                                    </p:set>
+                                  </p:childTnLst>
+                                </p:cTn>
+                              </p:par>
+                            </p:childTnLst>
+                          </p:cTn>
+                        </p:par>
+                      </p:childTnLst>
+                    </p:cTn>
+                  </p:par>
+                  <p:par>
+                    <p:cTn id="19" fill="hold">
+                      <p:stCondLst>
+                        <p:cond delay="indefinite"/>
+                      </p:stCondLst>
+                      <p:childTnLst>
+                        <p:par>
+                          <p:cTn id="20" fill="hold">
+                            <p:stCondLst>
+                              <p:cond delay="0"/>
+                            </p:stCondLst>
+                            <p:childTnLst>
+                              <p:par>
+                                <p:cTn id="21" presetID="1" presetClass="entr" presetSubtype="0" fill="hold" grpId="0" nodeType="clickEffect">
+                                  <p:stCondLst>
+                                    <p:cond delay="0"/>
+                                  </p:stCondLst>
+                                  <p:childTnLst>
+                                    <p:set>
+                                      <p:cBhvr>
+                                        <p:cTn id="22" dur="1" fill="hold">
+                                          <p:stCondLst>
+                                            <p:cond delay="0"/>
+                                          </p:stCondLst>
+                                        </p:cTn>
+                                        <p:tgtEl>
+                                          <p:spTgt spid="12"/>
+                                        </p:tgtEl>
+                                        <p:attrNameLst>
+                                          <p:attrName>style.visibility</p:attrName>
+                                        </p:attrNameLst>
+                                      </p:cBhvr>
+                                      <p:to>
+                                        <p:strVal val="visible"/>
+                                      </p:to>
+                                    </p:set>
+                                  </p:childTnLst>
+                                </p:cTn>
+                              </p:par>
+                            </p:childTnLst>
+                          </p:cTn>
+                        </p:par>
+                      </p:childTnLst>
+                    </p:cTn>
+                  </p:par>
+                </p:childTnLst>
+              </p:cTn>
+              <p:prevCondLst>
+                <p:cond evt="onPrev" delay="0">
+                  <p:tgtEl>
+                    <p:sldTgt/>
+                  </p:tgtEl>
+                </p:cond>
+              </p:prevCondLst>
+              <p:nextCondLst>
+                <p:cond evt="onNext" delay="0">
+                  <p:tgtEl>
+                    <p:sldTgt/>
+                  </p:tgtEl>
+                </p:cond>
+              </p:nextCondLst>
+            </p:seq>
+          </p:childTnLst>
+        </p:cTn>
+      </p:par>
+    </p:tnLst>
+    <p:bldLst>
+      <p:bldP spid="10" grpId="0"/>
+      <p:bldP spid="11" grpId="0"/>
+      <p:bldP spid="12" grpId="0"/>
+    </p:bldLst>
+  </p:timing>
+</p:sld>
+</file>
+
+<file path=ppt/slides/slide23.xml><?xml version="1.0" encoding="utf-8"?>
+<p:sld xmlns:a="http://schemas.openxmlformats.org/drawingml/2006/main" xmlns:r="http://schemas.openxmlformats.org/officeDocument/2006/relationships" xmlns:p="http://schemas.openxmlformats.org/presentationml/2006/main">
+  <p:cSld>
+    <p:spTree>
+      <p:nvGrpSpPr>
+        <p:cNvPr id="1" name=""/>
+        <p:cNvGrpSpPr/>
+        <p:nvPr/>
+      </p:nvGrpSpPr>
+      <p:grpSpPr>
+        <a:xfrm>
+          <a:off x="0" y="0"/>
+          <a:ext cx="0" cy="0"/>
+          <a:chOff x="0" y="0"/>
+          <a:chExt cx="0" cy="0"/>
+        </a:xfrm>
+      </p:grpSpPr>
+      <p:sp>
+        <p:nvSpPr>
+          <p:cNvPr id="2" name="Text Placeholder 1"/>
+          <p:cNvSpPr>
+            <a:spLocks noGrp="1"/>
+          </p:cNvSpPr>
+          <p:nvPr>
+            <p:ph type="body" sz="quarter" idx="10"/>
+          </p:nvPr>
+        </p:nvSpPr>
+        <p:spPr/>
+        <p:txBody>
+          <a:bodyPr/>
+          <a:lstStyle/>
+          <a:p>
+            <a:pPr>
+              <a:buClr>
+                <a:schemeClr val="tx1"/>
+              </a:buClr>
+            </a:pPr>
+            <a:r>
+              <a:rPr lang="ru-RU" b="1" dirty="0">
+                <a:solidFill>
+                  <a:schemeClr val="bg1"/>
+                </a:solidFill>
+              </a:rPr>
+              <a:t>Блоковете за събития </a:t>
+            </a:r>
+            <a:r>
+              <a:rPr lang="ru-RU" dirty="0"/>
+              <a:t>- блокове, които управляват събитията и задействането на </a:t>
+            </a:r>
+            <a:r>
+              <a:rPr lang="ru-RU" b="1" dirty="0"/>
+              <a:t>скриптове</a:t>
+            </a:r>
+            <a:endParaRPr lang="en-US" dirty="0"/>
+          </a:p>
+        </p:txBody>
+      </p:sp>
+      <p:sp>
+        <p:nvSpPr>
+          <p:cNvPr id="3" name="Title 2"/>
+          <p:cNvSpPr>
+            <a:spLocks noGrp="1"/>
+          </p:cNvSpPr>
+          <p:nvPr>
+            <p:ph type="title"/>
+          </p:nvPr>
+        </p:nvSpPr>
+        <p:spPr/>
+        <p:txBody>
+          <a:bodyPr/>
+          <a:lstStyle/>
+          <a:p>
+            <a:r>
+              <a:rPr lang="bg-BG" dirty="0"/>
+              <a:t>Блокове за събития</a:t>
+            </a:r>
+            <a:endParaRPr lang="en-US" dirty="0"/>
+          </a:p>
+        </p:txBody>
+      </p:sp>
+      <p:sp>
+        <p:nvSpPr>
+          <p:cNvPr id="4" name="Slide Number Placeholder 3"/>
+          <p:cNvSpPr>
+            <a:spLocks noGrp="1"/>
+          </p:cNvSpPr>
+          <p:nvPr>
+            <p:ph type="sldNum" sz="quarter" idx="13"/>
+          </p:nvPr>
+        </p:nvSpPr>
+        <p:spPr/>
+        <p:txBody>
+          <a:bodyPr/>
+          <a:lstStyle/>
+          <a:p>
+            <a:fld id="{C014DD1E-5D91-48A3-AD6D-45FBA980D106}" type="slidenum">
+              <a:rPr lang="en-US" smtClean="0"/>
+              <a:pPr/>
+              <a:t>23</a:t>
+            </a:fld>
+            <a:endParaRPr lang="en-US" dirty="0"/>
+          </a:p>
+        </p:txBody>
+      </p:sp>
+    </p:spTree>
+    <p:extLst>
+      <p:ext uri="{BB962C8B-B14F-4D97-AF65-F5344CB8AC3E}">
+        <p14:creationId xmlns:p14="http://schemas.microsoft.com/office/powerpoint/2010/main" val="1969884848"/>
+      </p:ext>
+    </p:extLst>
+  </p:cSld>
+  <p:clrMapOvr>
+    <a:masterClrMapping/>
+  </p:clrMapOvr>
+  <mc:AlternateContent xmlns:mc="http://schemas.openxmlformats.org/markup-compatibility/2006" xmlns:p14="http://schemas.microsoft.com/office/powerpoint/2010/main">
+    <mc:Choice Requires="p14">
+      <p:transition spd="slow" p14:dur="2000" advClick="0" advTm="5000"/>
+    </mc:Choice>
+    <mc:Fallback xmlns="">
+      <p:transition spd="slow" advClick="0" advTm="5000"/>
+    </mc:Fallback>
+  </mc:AlternateContent>
+  <p:timing>
+    <p:tnLst>
+      <p:par>
+        <p:cTn id="1" dur="indefinite" restart="never" nodeType="tmRoot"/>
+      </p:par>
+    </p:tnLst>
+  </p:timing>
+</p:sld>
+</file>
+
+<file path=ppt/slides/slide24.xml><?xml version="1.0" encoding="utf-8"?>
+<p:sld xmlns:a="http://schemas.openxmlformats.org/drawingml/2006/main" xmlns:r="http://schemas.openxmlformats.org/officeDocument/2006/relationships" xmlns:p="http://schemas.openxmlformats.org/presentationml/2006/main">
+  <p:cSld>
+    <p:spTree>
+      <p:nvGrpSpPr>
+        <p:cNvPr id="1" name=""/>
+        <p:cNvGrpSpPr/>
+        <p:nvPr/>
+      </p:nvGrpSpPr>
+      <p:grpSpPr>
+        <a:xfrm>
+          <a:off x="0" y="0"/>
+          <a:ext cx="0" cy="0"/>
+          <a:chOff x="0" y="0"/>
+          <a:chExt cx="0" cy="0"/>
+        </a:xfrm>
+      </p:grpSpPr>
+      <p:sp>
+        <p:nvSpPr>
+          <p:cNvPr id="3" name="Title 2"/>
+          <p:cNvSpPr>
+            <a:spLocks noGrp="1"/>
+          </p:cNvSpPr>
+          <p:nvPr>
+            <p:ph type="title"/>
+          </p:nvPr>
+        </p:nvSpPr>
+        <p:spPr/>
+        <p:txBody>
+          <a:bodyPr/>
+          <a:lstStyle/>
+          <a:p>
+            <a:r>
+              <a:rPr lang="bg-BG" dirty="0"/>
+              <a:t>Блокове за събития</a:t>
+            </a:r>
+            <a:endParaRPr lang="en-US" dirty="0"/>
+          </a:p>
+        </p:txBody>
+      </p:sp>
+      <p:sp>
+        <p:nvSpPr>
+          <p:cNvPr id="4" name="Slide Number Placeholder 3"/>
+          <p:cNvSpPr>
+            <a:spLocks noGrp="1"/>
+          </p:cNvSpPr>
+          <p:nvPr>
+            <p:ph type="sldNum" sz="quarter" idx="13"/>
+          </p:nvPr>
+        </p:nvSpPr>
+        <p:spPr/>
+        <p:txBody>
+          <a:bodyPr/>
+          <a:lstStyle/>
+          <a:p>
+            <a:fld id="{C014DD1E-5D91-48A3-AD6D-45FBA980D106}" type="slidenum">
+              <a:rPr lang="en-US" smtClean="0"/>
+              <a:pPr/>
+              <a:t>24</a:t>
+            </a:fld>
+            <a:endParaRPr lang="en-US" dirty="0"/>
+          </a:p>
+        </p:txBody>
+      </p:sp>
+      <p:graphicFrame>
+        <p:nvGraphicFramePr>
+          <p:cNvPr id="5" name="Table 4"/>
+          <p:cNvGraphicFramePr>
+            <a:graphicFrameLocks noGrp="1"/>
+          </p:cNvGraphicFramePr>
+          <p:nvPr>
+            <p:extLst>
+              <p:ext uri="{D42A27DB-BD31-4B8C-83A1-F6EECF244321}">
+                <p14:modId xmlns:p14="http://schemas.microsoft.com/office/powerpoint/2010/main" val="2765934502"/>
+              </p:ext>
+            </p:extLst>
+          </p:nvPr>
+        </p:nvGraphicFramePr>
+        <p:xfrm>
+          <a:off x="509951" y="1406076"/>
+          <a:ext cx="11175024" cy="4956624"/>
+        </p:xfrm>
+        <a:graphic>
+          <a:graphicData uri="http://schemas.openxmlformats.org/drawingml/2006/table">
+            <a:tbl>
+              <a:tblPr firstRow="1" bandRow="1">
+                <a:tableStyleId>{5940675A-B579-460E-94D1-54222C63F5DA}</a:tableStyleId>
+              </a:tblPr>
+              <a:tblGrid>
+                <a:gridCol w="5587512">
+                  <a:extLst>
+                    <a:ext uri="{9D8B030D-6E8A-4147-A177-3AD203B41FA5}">
+                      <a16:colId xmlns:a16="http://schemas.microsoft.com/office/drawing/2014/main" val="2557892266"/>
+                    </a:ext>
+                  </a:extLst>
+                </a:gridCol>
+                <a:gridCol w="5587512">
+                  <a:extLst>
+                    <a:ext uri="{9D8B030D-6E8A-4147-A177-3AD203B41FA5}">
+                      <a16:colId xmlns:a16="http://schemas.microsoft.com/office/drawing/2014/main" val="3119956751"/>
+                    </a:ext>
+                  </a:extLst>
+                </a:gridCol>
+              </a:tblGrid>
+              <a:tr h="1213299">
+                <a:tc>
+                  <a:txBody>
+                    <a:bodyPr/>
+                    <a:lstStyle/>
+                    <a:p>
+                      <a:endParaRPr lang="en-US" dirty="0"/>
+                    </a:p>
+                  </a:txBody>
+                  <a:tcPr/>
+                </a:tc>
+                <a:tc>
+                  <a:txBody>
+                    <a:bodyPr/>
+                    <a:lstStyle/>
+                    <a:p>
+                      <a:endParaRPr lang="en-US" dirty="0"/>
+                    </a:p>
+                  </a:txBody>
+                  <a:tcPr/>
+                </a:tc>
+                <a:extLst>
+                  <a:ext uri="{0D108BD9-81ED-4DB2-BD59-A6C34878D82A}">
+                    <a16:rowId xmlns:a16="http://schemas.microsoft.com/office/drawing/2014/main" val="58508243"/>
+                  </a:ext>
+                </a:extLst>
+              </a:tr>
+              <a:tr h="1072661">
+                <a:tc>
+                  <a:txBody>
+                    <a:bodyPr/>
+                    <a:lstStyle/>
+                    <a:p>
+                      <a:endParaRPr lang="en-US" dirty="0"/>
+                    </a:p>
+                  </a:txBody>
+                  <a:tcPr/>
+                </a:tc>
+                <a:tc>
+                  <a:txBody>
+                    <a:bodyPr/>
+                    <a:lstStyle/>
+                    <a:p>
+                      <a:endParaRPr lang="en-US" dirty="0"/>
+                    </a:p>
+                  </a:txBody>
+                  <a:tcPr/>
+                </a:tc>
+                <a:extLst>
+                  <a:ext uri="{0D108BD9-81ED-4DB2-BD59-A6C34878D82A}">
+                    <a16:rowId xmlns:a16="http://schemas.microsoft.com/office/drawing/2014/main" val="3708267832"/>
+                  </a:ext>
+                </a:extLst>
+              </a:tr>
+              <a:tr h="1362808">
+                <a:tc>
+                  <a:txBody>
+                    <a:bodyPr/>
+                    <a:lstStyle/>
+                    <a:p>
+                      <a:endParaRPr lang="en-US" dirty="0"/>
+                    </a:p>
+                  </a:txBody>
+                  <a:tcPr/>
+                </a:tc>
+                <a:tc>
+                  <a:txBody>
+                    <a:bodyPr/>
+                    <a:lstStyle/>
+                    <a:p>
+                      <a:endParaRPr lang="en-US" dirty="0"/>
+                    </a:p>
+                  </a:txBody>
+                  <a:tcPr/>
+                </a:tc>
+                <a:extLst>
+                  <a:ext uri="{0D108BD9-81ED-4DB2-BD59-A6C34878D82A}">
+                    <a16:rowId xmlns:a16="http://schemas.microsoft.com/office/drawing/2014/main" val="3330781200"/>
+                  </a:ext>
+                </a:extLst>
+              </a:tr>
+              <a:tr h="1307856">
+                <a:tc>
+                  <a:txBody>
+                    <a:bodyPr/>
+                    <a:lstStyle/>
+                    <a:p>
+                      <a:endParaRPr lang="en-US" dirty="0"/>
+                    </a:p>
+                  </a:txBody>
+                  <a:tcPr/>
+                </a:tc>
+                <a:tc>
+                  <a:txBody>
+                    <a:bodyPr/>
+                    <a:lstStyle/>
+                    <a:p>
+                      <a:endParaRPr lang="en-US" dirty="0"/>
+                    </a:p>
+                  </a:txBody>
+                  <a:tcPr/>
+                </a:tc>
+                <a:extLst>
+                  <a:ext uri="{0D108BD9-81ED-4DB2-BD59-A6C34878D82A}">
+                    <a16:rowId xmlns:a16="http://schemas.microsoft.com/office/drawing/2014/main" val="3455031369"/>
+                  </a:ext>
+                </a:extLst>
+              </a:tr>
+            </a:tbl>
+          </a:graphicData>
+        </a:graphic>
+      </p:graphicFrame>
+      <p:sp>
+        <p:nvSpPr>
+          <p:cNvPr id="10" name="TextBox 9"/>
+          <p:cNvSpPr txBox="1"/>
+          <p:nvPr/>
+        </p:nvSpPr>
+        <p:spPr>
+          <a:xfrm>
+            <a:off x="6093067" y="1543640"/>
+            <a:ext cx="5591908" cy="956773"/>
+          </a:xfrm>
+          <a:prstGeom prst="rect">
+            <a:avLst/>
+          </a:prstGeom>
+          <a:noFill/>
+          <a:ln w="12700">
+            <a:noFill/>
+          </a:ln>
+        </p:spPr>
+        <p:txBody>
+          <a:bodyPr vert="horz" wrap="square" lIns="144000" tIns="108000" rIns="144000" bIns="108000" rtlCol="0">
+            <a:spAutoFit/>
+          </a:bodyPr>
+          <a:lstStyle/>
+          <a:p>
+            <a:r>
+              <a:rPr lang="ru-RU" sz="2400" dirty="0"/>
+              <a:t>Когато се </a:t>
+            </a:r>
+            <a:r>
+              <a:rPr lang="ru-RU" sz="2400" b="1" dirty="0"/>
+              <a:t>щракне</a:t>
+            </a:r>
+            <a:r>
+              <a:rPr lang="ru-RU" sz="2400" dirty="0"/>
+              <a:t> върху </a:t>
+            </a:r>
+            <a:r>
+              <a:rPr lang="ru-RU" sz="2400" b="1" dirty="0"/>
+              <a:t>флага</a:t>
+            </a:r>
+            <a:r>
+              <a:rPr lang="ru-RU" sz="2400" dirty="0"/>
+              <a:t>, кодът се </a:t>
+            </a:r>
+            <a:r>
+              <a:rPr lang="ru-RU" sz="2400" b="1" dirty="0"/>
+              <a:t>активира</a:t>
+            </a:r>
+            <a:endParaRPr lang="en-US" sz="2400" b="1" dirty="0"/>
+          </a:p>
+        </p:txBody>
+      </p:sp>
+      <p:sp>
+        <p:nvSpPr>
+          <p:cNvPr id="11" name="TextBox 10"/>
+          <p:cNvSpPr txBox="1"/>
+          <p:nvPr/>
+        </p:nvSpPr>
+        <p:spPr>
+          <a:xfrm>
+            <a:off x="6093067" y="2637977"/>
+            <a:ext cx="5591908" cy="1436905"/>
+          </a:xfrm>
+          <a:prstGeom prst="rect">
+            <a:avLst/>
+          </a:prstGeom>
+          <a:noFill/>
+          <a:ln w="12700">
+            <a:noFill/>
+          </a:ln>
+        </p:spPr>
+        <p:txBody>
+          <a:bodyPr vert="horz" wrap="square" lIns="144000" tIns="108000" rIns="144000" bIns="108000" rtlCol="0">
+            <a:spAutoFit/>
+          </a:bodyPr>
+          <a:lstStyle/>
+          <a:p>
+            <a:pPr eaLnBrk="0" hangingPunct="0">
+              <a:lnSpc>
+                <a:spcPct val="110000"/>
+              </a:lnSpc>
+              <a:buClr>
+                <a:schemeClr val="accent5">
+                  <a:lumMod val="40000"/>
+                  <a:lumOff val="60000"/>
+                </a:schemeClr>
+              </a:buClr>
+              <a:buSzPct val="70000"/>
+            </a:pPr>
+            <a:r>
+              <a:rPr lang="bg-BG" sz="2400" dirty="0"/>
+              <a:t>Когато се </a:t>
+            </a:r>
+            <a:r>
+              <a:rPr lang="bg-BG" sz="2400" b="1" dirty="0"/>
+              <a:t>натисне</a:t>
+            </a:r>
+            <a:r>
+              <a:rPr lang="bg-BG" sz="2400" dirty="0"/>
+              <a:t> посоченият клавиш, кодът се </a:t>
+            </a:r>
+            <a:r>
+              <a:rPr lang="bg-BG" sz="2400" b="1" dirty="0"/>
+              <a:t>активира</a:t>
+            </a:r>
+            <a:endParaRPr lang="en-US" sz="2400" b="1" dirty="0"/>
+          </a:p>
+          <a:p>
+            <a:pPr algn="l" eaLnBrk="0" hangingPunct="0">
+              <a:lnSpc>
+                <a:spcPct val="110000"/>
+              </a:lnSpc>
+              <a:buClr>
+                <a:schemeClr val="accent5">
+                  <a:lumMod val="40000"/>
+                  <a:lumOff val="60000"/>
+                </a:schemeClr>
+              </a:buClr>
+              <a:buSzPct val="70000"/>
+            </a:pPr>
+            <a:endParaRPr lang="en-US" sz="2400" dirty="0"/>
+          </a:p>
+        </p:txBody>
+      </p:sp>
+      <p:sp>
+        <p:nvSpPr>
+          <p:cNvPr id="12" name="TextBox 11"/>
+          <p:cNvSpPr txBox="1"/>
+          <p:nvPr/>
+        </p:nvSpPr>
+        <p:spPr>
+          <a:xfrm>
+            <a:off x="6093068" y="3899453"/>
+            <a:ext cx="5591908" cy="1010314"/>
+          </a:xfrm>
+          <a:prstGeom prst="rect">
+            <a:avLst/>
+          </a:prstGeom>
+          <a:noFill/>
+          <a:ln w="12700">
+            <a:noFill/>
+          </a:ln>
+        </p:spPr>
+        <p:txBody>
+          <a:bodyPr vert="horz" wrap="square" lIns="144000" tIns="108000" rIns="144000" bIns="108000" rtlCol="0">
+            <a:spAutoFit/>
+          </a:bodyPr>
+          <a:lstStyle/>
+          <a:p>
+            <a:pPr eaLnBrk="0" hangingPunct="0">
+              <a:lnSpc>
+                <a:spcPct val="110000"/>
+              </a:lnSpc>
+              <a:buClr>
+                <a:schemeClr val="accent5">
+                  <a:lumMod val="40000"/>
+                  <a:lumOff val="60000"/>
+                </a:schemeClr>
+              </a:buClr>
+              <a:buSzPct val="70000"/>
+            </a:pPr>
+            <a:r>
+              <a:rPr lang="bg-BG" sz="2400" dirty="0"/>
+              <a:t>Когато първата стойност е </a:t>
+            </a:r>
+            <a:r>
+              <a:rPr lang="bg-BG" sz="2400" b="1" dirty="0"/>
+              <a:t>по-голяма</a:t>
+            </a:r>
+            <a:r>
+              <a:rPr lang="bg-BG" sz="2400" dirty="0"/>
+              <a:t> от втората, кодът се </a:t>
+            </a:r>
+            <a:r>
+              <a:rPr lang="bg-BG" sz="2400" b="1" dirty="0"/>
+              <a:t>активира</a:t>
+            </a:r>
+            <a:endParaRPr lang="en-US" sz="2400" b="1" dirty="0"/>
+          </a:p>
+        </p:txBody>
+      </p:sp>
+      <p:sp>
+        <p:nvSpPr>
+          <p:cNvPr id="13" name="TextBox 12"/>
+          <p:cNvSpPr txBox="1"/>
+          <p:nvPr/>
+        </p:nvSpPr>
+        <p:spPr>
+          <a:xfrm>
+            <a:off x="6093068" y="5167122"/>
+            <a:ext cx="5591907" cy="1030640"/>
+          </a:xfrm>
+          <a:prstGeom prst="rect">
+            <a:avLst/>
+          </a:prstGeom>
+          <a:noFill/>
+          <a:ln w="12700">
+            <a:noFill/>
+          </a:ln>
+        </p:spPr>
+        <p:txBody>
+          <a:bodyPr vert="horz" wrap="square" lIns="144000" tIns="108000" rIns="144000" bIns="108000" rtlCol="0">
+            <a:spAutoFit/>
+          </a:bodyPr>
+          <a:lstStyle/>
+          <a:p>
+            <a:pPr eaLnBrk="0" hangingPunct="0">
+              <a:lnSpc>
+                <a:spcPct val="110000"/>
+              </a:lnSpc>
+              <a:buClr>
+                <a:schemeClr val="accent5">
+                  <a:lumMod val="40000"/>
+                  <a:lumOff val="60000"/>
+                </a:schemeClr>
+              </a:buClr>
+              <a:buSzPct val="70000"/>
+            </a:pPr>
+            <a:r>
+              <a:rPr lang="bg-BG" sz="2400" dirty="0"/>
+              <a:t>Когато се </a:t>
+            </a:r>
+            <a:r>
+              <a:rPr lang="bg-BG" sz="2400" b="1" dirty="0"/>
+              <a:t>щракне</a:t>
+            </a:r>
+            <a:r>
+              <a:rPr lang="bg-BG" sz="2400" dirty="0"/>
+              <a:t> върху </a:t>
+            </a:r>
+            <a:r>
+              <a:rPr lang="bg-BG" sz="2400" b="1" dirty="0"/>
+              <a:t>спрайта</a:t>
+            </a:r>
+            <a:r>
+              <a:rPr lang="en-US" sz="2400" b="1" dirty="0"/>
+              <a:t>,</a:t>
+            </a:r>
+            <a:r>
+              <a:rPr lang="bg-BG" sz="2400" dirty="0"/>
+              <a:t> кодът се </a:t>
+            </a:r>
+            <a:r>
+              <a:rPr lang="bg-BG" sz="2400" b="1" dirty="0"/>
+              <a:t>активира</a:t>
+            </a:r>
+            <a:endParaRPr lang="en-US" sz="2400" b="1" dirty="0"/>
+          </a:p>
+        </p:txBody>
+      </p:sp>
+      <p:pic>
+        <p:nvPicPr>
+          <p:cNvPr id="6" name="Picture 5"/>
+          <p:cNvPicPr>
+            <a:picLocks noChangeAspect="1"/>
+          </p:cNvPicPr>
+          <p:nvPr/>
+        </p:nvPicPr>
+        <p:blipFill>
+          <a:blip r:embed="rId3">
+            <a:extLst>
+              <a:ext uri="{28A0092B-C50C-407E-A947-70E740481C1C}">
+                <a14:useLocalDpi xmlns:a14="http://schemas.microsoft.com/office/drawing/2010/main" val="0"/>
+              </a:ext>
+            </a:extLst>
+          </a:blip>
+          <a:stretch>
+            <a:fillRect/>
+          </a:stretch>
+        </p:blipFill>
+        <p:spPr>
+          <a:xfrm>
+            <a:off x="2002989" y="1494235"/>
+            <a:ext cx="2705478" cy="1066949"/>
+          </a:xfrm>
+          <a:prstGeom prst="rect">
+            <a:avLst/>
+          </a:prstGeom>
+        </p:spPr>
+      </p:pic>
+      <p:pic>
+        <p:nvPicPr>
+          <p:cNvPr id="7" name="Picture 6"/>
+          <p:cNvPicPr>
+            <a:picLocks noChangeAspect="1"/>
+          </p:cNvPicPr>
+          <p:nvPr/>
+        </p:nvPicPr>
+        <p:blipFill>
+          <a:blip r:embed="rId4">
+            <a:extLst>
+              <a:ext uri="{28A0092B-C50C-407E-A947-70E740481C1C}">
+                <a14:useLocalDpi xmlns:a14="http://schemas.microsoft.com/office/drawing/2010/main" val="0"/>
+              </a:ext>
+            </a:extLst>
+          </a:blip>
+          <a:stretch>
+            <a:fillRect/>
+          </a:stretch>
+        </p:blipFill>
+        <p:spPr>
+          <a:xfrm>
+            <a:off x="1408124" y="2649343"/>
+            <a:ext cx="3895208" cy="957013"/>
+          </a:xfrm>
+          <a:prstGeom prst="rect">
+            <a:avLst/>
+          </a:prstGeom>
+        </p:spPr>
+      </p:pic>
+      <p:pic>
+        <p:nvPicPr>
+          <p:cNvPr id="8" name="Picture 7"/>
+          <p:cNvPicPr>
+            <a:picLocks noChangeAspect="1"/>
+          </p:cNvPicPr>
+          <p:nvPr/>
+        </p:nvPicPr>
+        <p:blipFill>
+          <a:blip r:embed="rId5">
+            <a:extLst>
+              <a:ext uri="{28A0092B-C50C-407E-A947-70E740481C1C}">
+                <a14:useLocalDpi xmlns:a14="http://schemas.microsoft.com/office/drawing/2010/main" val="0"/>
+              </a:ext>
+            </a:extLst>
+          </a:blip>
+          <a:stretch>
+            <a:fillRect/>
+          </a:stretch>
+        </p:blipFill>
+        <p:spPr>
+          <a:xfrm>
+            <a:off x="1745778" y="3804451"/>
+            <a:ext cx="3219899" cy="1200318"/>
+          </a:xfrm>
+          <a:prstGeom prst="rect">
+            <a:avLst/>
+          </a:prstGeom>
+        </p:spPr>
+      </p:pic>
+      <p:pic>
+        <p:nvPicPr>
+          <p:cNvPr id="9" name="Picture 8"/>
+          <p:cNvPicPr>
+            <a:picLocks noChangeAspect="1"/>
+          </p:cNvPicPr>
+          <p:nvPr/>
+        </p:nvPicPr>
+        <p:blipFill>
+          <a:blip r:embed="rId6">
+            <a:extLst>
+              <a:ext uri="{28A0092B-C50C-407E-A947-70E740481C1C}">
+                <a14:useLocalDpi xmlns:a14="http://schemas.microsoft.com/office/drawing/2010/main" val="0"/>
+              </a:ext>
+            </a:extLst>
+          </a:blip>
+          <a:stretch>
+            <a:fillRect/>
+          </a:stretch>
+        </p:blipFill>
+        <p:spPr>
+          <a:xfrm>
+            <a:off x="1679093" y="5202864"/>
+            <a:ext cx="3353268" cy="1086002"/>
+          </a:xfrm>
+          <a:prstGeom prst="rect">
+            <a:avLst/>
+          </a:prstGeom>
+        </p:spPr>
+      </p:pic>
+    </p:spTree>
+    <p:extLst>
+      <p:ext uri="{BB962C8B-B14F-4D97-AF65-F5344CB8AC3E}">
+        <p14:creationId xmlns:p14="http://schemas.microsoft.com/office/powerpoint/2010/main" val="4002760067"/>
       </p:ext>
     </p:extLst>
   </p:cSld>
@@ -17350,1961 +20166,6 @@
 </p:sld>
 </file>
 
-<file path=ppt/slides/slide21.xml><?xml version="1.0" encoding="utf-8"?>
-<p:sld xmlns:a="http://schemas.openxmlformats.org/drawingml/2006/main" xmlns:r="http://schemas.openxmlformats.org/officeDocument/2006/relationships" xmlns:p="http://schemas.openxmlformats.org/presentationml/2006/main">
-  <p:cSld>
-    <p:spTree>
-      <p:nvGrpSpPr>
-        <p:cNvPr id="1" name=""/>
-        <p:cNvGrpSpPr/>
-        <p:nvPr/>
-      </p:nvGrpSpPr>
-      <p:grpSpPr>
-        <a:xfrm>
-          <a:off x="0" y="0"/>
-          <a:ext cx="0" cy="0"/>
-          <a:chOff x="0" y="0"/>
-          <a:chExt cx="0" cy="0"/>
-        </a:xfrm>
-      </p:grpSpPr>
-      <p:sp>
-        <p:nvSpPr>
-          <p:cNvPr id="2" name="Text Placeholder 1"/>
-          <p:cNvSpPr>
-            <a:spLocks noGrp="1"/>
-          </p:cNvSpPr>
-          <p:nvPr>
-            <p:ph type="body" sz="quarter" idx="10"/>
-          </p:nvPr>
-        </p:nvSpPr>
-        <p:spPr/>
-        <p:txBody>
-          <a:bodyPr/>
-          <a:lstStyle/>
-          <a:p>
-            <a:pPr>
-              <a:buClr>
-                <a:schemeClr val="tx1"/>
-              </a:buClr>
-            </a:pPr>
-            <a:r>
-              <a:rPr lang="ru-RU" b="1" dirty="0">
-                <a:solidFill>
-                  <a:schemeClr val="bg1"/>
-                </a:solidFill>
-              </a:rPr>
-              <a:t>Блоковете за външността </a:t>
-            </a:r>
-            <a:r>
-              <a:rPr lang="ru-RU" dirty="0"/>
-              <a:t>- блоковете, които управляват външния вид на </a:t>
-            </a:r>
-            <a:r>
-              <a:rPr lang="bg-BG" sz="3600" b="1" dirty="0"/>
-              <a:t>спрайта</a:t>
-            </a:r>
-            <a:endParaRPr lang="en-US" dirty="0"/>
-          </a:p>
-        </p:txBody>
-      </p:sp>
-      <p:sp>
-        <p:nvSpPr>
-          <p:cNvPr id="3" name="Title 2"/>
-          <p:cNvSpPr>
-            <a:spLocks noGrp="1"/>
-          </p:cNvSpPr>
-          <p:nvPr>
-            <p:ph type="title"/>
-          </p:nvPr>
-        </p:nvSpPr>
-        <p:spPr/>
-        <p:txBody>
-          <a:bodyPr/>
-          <a:lstStyle/>
-          <a:p>
-            <a:r>
-              <a:rPr lang="bg-BG" dirty="0"/>
-              <a:t>Блокове за външността</a:t>
-            </a:r>
-            <a:endParaRPr lang="en-US" dirty="0"/>
-          </a:p>
-        </p:txBody>
-      </p:sp>
-      <p:sp>
-        <p:nvSpPr>
-          <p:cNvPr id="4" name="Slide Number Placeholder 3"/>
-          <p:cNvSpPr>
-            <a:spLocks noGrp="1"/>
-          </p:cNvSpPr>
-          <p:nvPr>
-            <p:ph type="sldNum" sz="quarter" idx="13"/>
-          </p:nvPr>
-        </p:nvSpPr>
-        <p:spPr/>
-        <p:txBody>
-          <a:bodyPr/>
-          <a:lstStyle/>
-          <a:p>
-            <a:fld id="{C014DD1E-5D91-48A3-AD6D-45FBA980D106}" type="slidenum">
-              <a:rPr lang="en-US" smtClean="0"/>
-              <a:pPr/>
-              <a:t>21</a:t>
-            </a:fld>
-            <a:endParaRPr lang="en-US" dirty="0"/>
-          </a:p>
-        </p:txBody>
-      </p:sp>
-    </p:spTree>
-    <p:extLst>
-      <p:ext uri="{BB962C8B-B14F-4D97-AF65-F5344CB8AC3E}">
-        <p14:creationId xmlns:p14="http://schemas.microsoft.com/office/powerpoint/2010/main" val="2528874631"/>
-      </p:ext>
-    </p:extLst>
-  </p:cSld>
-  <p:clrMapOvr>
-    <a:masterClrMapping/>
-  </p:clrMapOvr>
-  <mc:AlternateContent xmlns:mc="http://schemas.openxmlformats.org/markup-compatibility/2006" xmlns:p14="http://schemas.microsoft.com/office/powerpoint/2010/main">
-    <mc:Choice Requires="p14">
-      <p:transition spd="slow" p14:dur="2000" advClick="0" advTm="5000"/>
-    </mc:Choice>
-    <mc:Fallback xmlns="">
-      <p:transition spd="slow" advClick="0" advTm="5000"/>
-    </mc:Fallback>
-  </mc:AlternateContent>
-</p:sld>
-</file>
-
-<file path=ppt/slides/slide22.xml><?xml version="1.0" encoding="utf-8"?>
-<p:sld xmlns:a="http://schemas.openxmlformats.org/drawingml/2006/main" xmlns:r="http://schemas.openxmlformats.org/officeDocument/2006/relationships" xmlns:p="http://schemas.openxmlformats.org/presentationml/2006/main">
-  <p:cSld>
-    <p:spTree>
-      <p:nvGrpSpPr>
-        <p:cNvPr id="1" name=""/>
-        <p:cNvGrpSpPr/>
-        <p:nvPr/>
-      </p:nvGrpSpPr>
-      <p:grpSpPr>
-        <a:xfrm>
-          <a:off x="0" y="0"/>
-          <a:ext cx="0" cy="0"/>
-          <a:chOff x="0" y="0"/>
-          <a:chExt cx="0" cy="0"/>
-        </a:xfrm>
-      </p:grpSpPr>
-      <p:sp>
-        <p:nvSpPr>
-          <p:cNvPr id="3" name="Title 2"/>
-          <p:cNvSpPr>
-            <a:spLocks noGrp="1"/>
-          </p:cNvSpPr>
-          <p:nvPr>
-            <p:ph type="title"/>
-          </p:nvPr>
-        </p:nvSpPr>
-        <p:spPr/>
-        <p:txBody>
-          <a:bodyPr/>
-          <a:lstStyle/>
-          <a:p>
-            <a:r>
-              <a:rPr lang="bg-BG" dirty="0"/>
-              <a:t>Блокове за външността</a:t>
-            </a:r>
-            <a:endParaRPr lang="en-US" dirty="0"/>
-          </a:p>
-        </p:txBody>
-      </p:sp>
-      <p:sp>
-        <p:nvSpPr>
-          <p:cNvPr id="4" name="Slide Number Placeholder 3"/>
-          <p:cNvSpPr>
-            <a:spLocks noGrp="1"/>
-          </p:cNvSpPr>
-          <p:nvPr>
-            <p:ph type="sldNum" sz="quarter" idx="13"/>
-          </p:nvPr>
-        </p:nvSpPr>
-        <p:spPr/>
-        <p:txBody>
-          <a:bodyPr/>
-          <a:lstStyle/>
-          <a:p>
-            <a:fld id="{C014DD1E-5D91-48A3-AD6D-45FBA980D106}" type="slidenum">
-              <a:rPr lang="en-US" smtClean="0"/>
-              <a:pPr/>
-              <a:t>22</a:t>
-            </a:fld>
-            <a:endParaRPr lang="en-US" dirty="0"/>
-          </a:p>
-        </p:txBody>
-      </p:sp>
-      <p:graphicFrame>
-        <p:nvGraphicFramePr>
-          <p:cNvPr id="5" name="Table 4"/>
-          <p:cNvGraphicFramePr>
-            <a:graphicFrameLocks noGrp="1"/>
-          </p:cNvGraphicFramePr>
-          <p:nvPr>
-            <p:extLst>
-              <p:ext uri="{D42A27DB-BD31-4B8C-83A1-F6EECF244321}">
-                <p14:modId xmlns:p14="http://schemas.microsoft.com/office/powerpoint/2010/main" val="2584658091"/>
-              </p:ext>
-            </p:extLst>
-          </p:nvPr>
-        </p:nvGraphicFramePr>
-        <p:xfrm>
-          <a:off x="536328" y="1904004"/>
-          <a:ext cx="11175024" cy="3412108"/>
-        </p:xfrm>
-        <a:graphic>
-          <a:graphicData uri="http://schemas.openxmlformats.org/drawingml/2006/table">
-            <a:tbl>
-              <a:tblPr firstRow="1" bandRow="1">
-                <a:tableStyleId>{5940675A-B579-460E-94D1-54222C63F5DA}</a:tableStyleId>
-              </a:tblPr>
-              <a:tblGrid>
-                <a:gridCol w="5587512">
-                  <a:extLst>
-                    <a:ext uri="{9D8B030D-6E8A-4147-A177-3AD203B41FA5}">
-                      <a16:colId xmlns:a16="http://schemas.microsoft.com/office/drawing/2014/main" val="2557892266"/>
-                    </a:ext>
-                  </a:extLst>
-                </a:gridCol>
-                <a:gridCol w="5587512">
-                  <a:extLst>
-                    <a:ext uri="{9D8B030D-6E8A-4147-A177-3AD203B41FA5}">
-                      <a16:colId xmlns:a16="http://schemas.microsoft.com/office/drawing/2014/main" val="3119956751"/>
-                    </a:ext>
-                  </a:extLst>
-                </a:gridCol>
-              </a:tblGrid>
-              <a:tr h="1072661">
-                <a:tc>
-                  <a:txBody>
-                    <a:bodyPr/>
-                    <a:lstStyle/>
-                    <a:p>
-                      <a:endParaRPr lang="en-US" dirty="0"/>
-                    </a:p>
-                  </a:txBody>
-                  <a:tcPr/>
-                </a:tc>
-                <a:tc>
-                  <a:txBody>
-                    <a:bodyPr/>
-                    <a:lstStyle/>
-                    <a:p>
-                      <a:endParaRPr lang="en-US" dirty="0"/>
-                    </a:p>
-                  </a:txBody>
-                  <a:tcPr/>
-                </a:tc>
-                <a:extLst>
-                  <a:ext uri="{0D108BD9-81ED-4DB2-BD59-A6C34878D82A}">
-                    <a16:rowId xmlns:a16="http://schemas.microsoft.com/office/drawing/2014/main" val="3708267832"/>
-                  </a:ext>
-                </a:extLst>
-              </a:tr>
-              <a:tr h="1170070">
-                <a:tc>
-                  <a:txBody>
-                    <a:bodyPr/>
-                    <a:lstStyle/>
-                    <a:p>
-                      <a:endParaRPr lang="en-US" dirty="0"/>
-                    </a:p>
-                  </a:txBody>
-                  <a:tcPr/>
-                </a:tc>
-                <a:tc>
-                  <a:txBody>
-                    <a:bodyPr/>
-                    <a:lstStyle/>
-                    <a:p>
-                      <a:endParaRPr lang="en-US" dirty="0"/>
-                    </a:p>
-                  </a:txBody>
-                  <a:tcPr/>
-                </a:tc>
-                <a:extLst>
-                  <a:ext uri="{0D108BD9-81ED-4DB2-BD59-A6C34878D82A}">
-                    <a16:rowId xmlns:a16="http://schemas.microsoft.com/office/drawing/2014/main" val="3330781200"/>
-                  </a:ext>
-                </a:extLst>
-              </a:tr>
-              <a:tr h="1169377">
-                <a:tc>
-                  <a:txBody>
-                    <a:bodyPr/>
-                    <a:lstStyle/>
-                    <a:p>
-                      <a:endParaRPr lang="en-US" dirty="0"/>
-                    </a:p>
-                  </a:txBody>
-                  <a:tcPr/>
-                </a:tc>
-                <a:tc>
-                  <a:txBody>
-                    <a:bodyPr/>
-                    <a:lstStyle/>
-                    <a:p>
-                      <a:endParaRPr lang="en-US" dirty="0"/>
-                    </a:p>
-                  </a:txBody>
-                  <a:tcPr/>
-                </a:tc>
-                <a:extLst>
-                  <a:ext uri="{0D108BD9-81ED-4DB2-BD59-A6C34878D82A}">
-                    <a16:rowId xmlns:a16="http://schemas.microsoft.com/office/drawing/2014/main" val="3455031369"/>
-                  </a:ext>
-                </a:extLst>
-              </a:tr>
-            </a:tbl>
-          </a:graphicData>
-        </a:graphic>
-      </p:graphicFrame>
-      <p:sp>
-        <p:nvSpPr>
-          <p:cNvPr id="10" name="TextBox 9"/>
-          <p:cNvSpPr txBox="1"/>
-          <p:nvPr/>
-        </p:nvSpPr>
-        <p:spPr>
-          <a:xfrm>
-            <a:off x="6119444" y="1968784"/>
-            <a:ext cx="5662247" cy="956773"/>
-          </a:xfrm>
-          <a:prstGeom prst="rect">
-            <a:avLst/>
-          </a:prstGeom>
-          <a:noFill/>
-          <a:ln w="12700">
-            <a:noFill/>
-          </a:ln>
-        </p:spPr>
-        <p:txBody>
-          <a:bodyPr vert="horz" wrap="square" lIns="144000" tIns="108000" rIns="144000" bIns="108000" rtlCol="0">
-            <a:spAutoFit/>
-          </a:bodyPr>
-          <a:lstStyle/>
-          <a:p>
-            <a:r>
-              <a:rPr lang="ru-RU" sz="2400" dirty="0"/>
-              <a:t>Дава на </a:t>
-            </a:r>
-            <a:r>
-              <a:rPr lang="bg-BG" sz="2400" b="1" dirty="0"/>
-              <a:t>спрайта</a:t>
-            </a:r>
-            <a:r>
-              <a:rPr lang="ru-RU" sz="2400" dirty="0"/>
-              <a:t> </a:t>
-            </a:r>
-            <a:r>
-              <a:rPr lang="ru-RU" sz="2400" b="1" dirty="0"/>
-              <a:t>речеви</a:t>
-            </a:r>
-            <a:r>
-              <a:rPr lang="ru-RU" sz="2400" dirty="0"/>
-              <a:t> </a:t>
-            </a:r>
-            <a:r>
-              <a:rPr lang="ru-RU" sz="2400" b="1" dirty="0"/>
-              <a:t>балон</a:t>
-            </a:r>
-            <a:r>
-              <a:rPr lang="ru-RU" sz="2400" dirty="0"/>
-              <a:t> със зададения текст</a:t>
-            </a:r>
-            <a:endParaRPr lang="en-US" sz="2400" dirty="0"/>
-          </a:p>
-        </p:txBody>
-      </p:sp>
-      <p:sp>
-        <p:nvSpPr>
-          <p:cNvPr id="11" name="TextBox 10"/>
-          <p:cNvSpPr txBox="1"/>
-          <p:nvPr/>
-        </p:nvSpPr>
-        <p:spPr>
-          <a:xfrm>
-            <a:off x="6119444" y="3054838"/>
-            <a:ext cx="5591908" cy="1030640"/>
-          </a:xfrm>
-          <a:prstGeom prst="rect">
-            <a:avLst/>
-          </a:prstGeom>
-          <a:noFill/>
-          <a:ln w="12700">
-            <a:noFill/>
-          </a:ln>
-        </p:spPr>
-        <p:txBody>
-          <a:bodyPr vert="horz" wrap="square" lIns="144000" tIns="108000" rIns="144000" bIns="108000" rtlCol="0">
-            <a:spAutoFit/>
-          </a:bodyPr>
-          <a:lstStyle/>
-          <a:p>
-            <a:pPr eaLnBrk="0" hangingPunct="0">
-              <a:lnSpc>
-                <a:spcPct val="110000"/>
-              </a:lnSpc>
-              <a:buClr>
-                <a:schemeClr val="accent5">
-                  <a:lumMod val="40000"/>
-                  <a:lumOff val="60000"/>
-                </a:schemeClr>
-              </a:buClr>
-              <a:buSzPct val="70000"/>
-            </a:pPr>
-            <a:r>
-              <a:rPr lang="ru-RU" sz="2400" dirty="0"/>
-              <a:t>Дава на </a:t>
-            </a:r>
-            <a:r>
-              <a:rPr lang="bg-BG" sz="2400" b="1" dirty="0"/>
-              <a:t>спрайта</a:t>
-            </a:r>
-            <a:r>
-              <a:rPr lang="ru-RU" sz="2400" dirty="0"/>
-              <a:t> </a:t>
-            </a:r>
-            <a:r>
-              <a:rPr lang="ru-RU" sz="2400" b="1" dirty="0"/>
-              <a:t>мисловен </a:t>
-            </a:r>
-            <a:r>
-              <a:rPr lang="bg-BG" sz="2400" b="1" dirty="0"/>
-              <a:t>балон</a:t>
-            </a:r>
-            <a:r>
-              <a:rPr lang="ru-RU" sz="2400" b="1" dirty="0"/>
-              <a:t> </a:t>
-            </a:r>
-            <a:r>
-              <a:rPr lang="ru-RU" sz="2400" dirty="0"/>
-              <a:t>със зададения текст</a:t>
-            </a:r>
-            <a:endParaRPr lang="en-US" sz="2400" dirty="0"/>
-          </a:p>
-        </p:txBody>
-      </p:sp>
-      <p:sp>
-        <p:nvSpPr>
-          <p:cNvPr id="12" name="TextBox 11"/>
-          <p:cNvSpPr txBox="1"/>
-          <p:nvPr/>
-        </p:nvSpPr>
-        <p:spPr>
-          <a:xfrm>
-            <a:off x="6119444" y="4178790"/>
-            <a:ext cx="5591908" cy="1030640"/>
-          </a:xfrm>
-          <a:prstGeom prst="rect">
-            <a:avLst/>
-          </a:prstGeom>
-          <a:noFill/>
-          <a:ln w="12700">
-            <a:noFill/>
-          </a:ln>
-        </p:spPr>
-        <p:txBody>
-          <a:bodyPr vert="horz" wrap="square" lIns="144000" tIns="108000" rIns="144000" bIns="108000" rtlCol="0">
-            <a:spAutoFit/>
-          </a:bodyPr>
-          <a:lstStyle/>
-          <a:p>
-            <a:pPr eaLnBrk="0" hangingPunct="0">
-              <a:lnSpc>
-                <a:spcPct val="110000"/>
-              </a:lnSpc>
-              <a:buClr>
-                <a:schemeClr val="accent5">
-                  <a:lumMod val="40000"/>
-                  <a:lumOff val="60000"/>
-                </a:schemeClr>
-              </a:buClr>
-              <a:buSzPct val="70000"/>
-            </a:pPr>
-            <a:r>
-              <a:rPr lang="bg-BG" sz="2400" dirty="0"/>
-              <a:t>Сменя </a:t>
-            </a:r>
-            <a:r>
-              <a:rPr lang="bg-BG" sz="2400" b="1" dirty="0"/>
-              <a:t>костюма</a:t>
-            </a:r>
-            <a:r>
-              <a:rPr lang="bg-BG" sz="2400" dirty="0"/>
-              <a:t> на </a:t>
-            </a:r>
-            <a:r>
-              <a:rPr lang="bg-BG" sz="2400" b="1" dirty="0"/>
-              <a:t>спрайта</a:t>
-            </a:r>
-            <a:r>
-              <a:rPr lang="bg-BG" sz="2400" dirty="0"/>
-              <a:t> с избрания от потребителя костюм</a:t>
-            </a:r>
-            <a:endParaRPr lang="en-US" sz="2400" dirty="0"/>
-          </a:p>
-        </p:txBody>
-      </p:sp>
-      <p:pic>
-        <p:nvPicPr>
-          <p:cNvPr id="14" name="Picture 13"/>
-          <p:cNvPicPr>
-            <a:picLocks noChangeAspect="1"/>
-          </p:cNvPicPr>
-          <p:nvPr/>
-        </p:nvPicPr>
-        <p:blipFill>
-          <a:blip r:embed="rId3">
-            <a:extLst>
-              <a:ext uri="{28A0092B-C50C-407E-A947-70E740481C1C}">
-                <a14:useLocalDpi xmlns:a14="http://schemas.microsoft.com/office/drawing/2010/main" val="0"/>
-              </a:ext>
-            </a:extLst>
-          </a:blip>
-          <a:stretch>
-            <a:fillRect/>
-          </a:stretch>
-        </p:blipFill>
-        <p:spPr>
-          <a:xfrm>
-            <a:off x="1969180" y="4324639"/>
-            <a:ext cx="2932263" cy="787772"/>
-          </a:xfrm>
-          <a:prstGeom prst="rect">
-            <a:avLst/>
-          </a:prstGeom>
-        </p:spPr>
-      </p:pic>
-      <p:pic>
-        <p:nvPicPr>
-          <p:cNvPr id="15" name="Picture 14"/>
-          <p:cNvPicPr>
-            <a:picLocks noChangeAspect="1"/>
-          </p:cNvPicPr>
-          <p:nvPr/>
-        </p:nvPicPr>
-        <p:blipFill>
-          <a:blip r:embed="rId4">
-            <a:extLst>
-              <a:ext uri="{28A0092B-C50C-407E-A947-70E740481C1C}">
-                <a14:useLocalDpi xmlns:a14="http://schemas.microsoft.com/office/drawing/2010/main" val="0"/>
-              </a:ext>
-            </a:extLst>
-          </a:blip>
-          <a:stretch>
-            <a:fillRect/>
-          </a:stretch>
-        </p:blipFill>
-        <p:spPr>
-          <a:xfrm>
-            <a:off x="2509586" y="2142406"/>
-            <a:ext cx="1808723" cy="713533"/>
-          </a:xfrm>
-          <a:prstGeom prst="rect">
-            <a:avLst/>
-          </a:prstGeom>
-        </p:spPr>
-      </p:pic>
-      <p:pic>
-        <p:nvPicPr>
-          <p:cNvPr id="16" name="Picture 15"/>
-          <p:cNvPicPr>
-            <a:picLocks noChangeAspect="1"/>
-          </p:cNvPicPr>
-          <p:nvPr/>
-        </p:nvPicPr>
-        <p:blipFill rotWithShape="1">
-          <a:blip r:embed="rId5">
-            <a:extLst>
-              <a:ext uri="{28A0092B-C50C-407E-A947-70E740481C1C}">
-                <a14:useLocalDpi xmlns:a14="http://schemas.microsoft.com/office/drawing/2010/main" val="0"/>
-              </a:ext>
-            </a:extLst>
-          </a:blip>
-          <a:srcRect l="4965"/>
-          <a:stretch/>
-        </p:blipFill>
-        <p:spPr>
-          <a:xfrm>
-            <a:off x="2509586" y="3244036"/>
-            <a:ext cx="1830088" cy="783335"/>
-          </a:xfrm>
-          <a:prstGeom prst="rect">
-            <a:avLst/>
-          </a:prstGeom>
-        </p:spPr>
-      </p:pic>
-    </p:spTree>
-    <p:extLst>
-      <p:ext uri="{BB962C8B-B14F-4D97-AF65-F5344CB8AC3E}">
-        <p14:creationId xmlns:p14="http://schemas.microsoft.com/office/powerpoint/2010/main" val="1002598926"/>
-      </p:ext>
-    </p:extLst>
-  </p:cSld>
-  <p:clrMapOvr>
-    <a:masterClrMapping/>
-  </p:clrMapOvr>
-  <mc:AlternateContent xmlns:mc="http://schemas.openxmlformats.org/markup-compatibility/2006" xmlns:p14="http://schemas.microsoft.com/office/powerpoint/2010/main">
-    <mc:Choice Requires="p14">
-      <p:transition spd="slow" p14:dur="2000" advClick="0" advTm="5000"/>
-    </mc:Choice>
-    <mc:Fallback xmlns="">
-      <p:transition spd="slow" advClick="0" advTm="5000"/>
-    </mc:Fallback>
-  </mc:AlternateContent>
-  <p:timing>
-    <p:tnLst>
-      <p:par>
-        <p:cTn id="1" dur="indefinite" restart="never" nodeType="tmRoot">
-          <p:childTnLst>
-            <p:seq concurrent="1" nextAc="seek">
-              <p:cTn id="2" dur="indefinite" nodeType="mainSeq">
-                <p:childTnLst>
-                  <p:par>
-                    <p:cTn id="3" fill="hold">
-                      <p:stCondLst>
-                        <p:cond delay="indefinite"/>
-                      </p:stCondLst>
-                      <p:childTnLst>
-                        <p:par>
-                          <p:cTn id="4" fill="hold">
-                            <p:stCondLst>
-                              <p:cond delay="0"/>
-                            </p:stCondLst>
-                            <p:childTnLst>
-                              <p:par>
-                                <p:cTn id="5" presetID="1" presetClass="entr" presetSubtype="0" fill="hold" grpId="0" nodeType="clickEffect">
-                                  <p:stCondLst>
-                                    <p:cond delay="0"/>
-                                  </p:stCondLst>
-                                  <p:childTnLst>
-                                    <p:set>
-                                      <p:cBhvr>
-                                        <p:cTn id="6" dur="1" fill="hold">
-                                          <p:stCondLst>
-                                            <p:cond delay="0"/>
-                                          </p:stCondLst>
-                                        </p:cTn>
-                                        <p:tgtEl>
-                                          <p:spTgt spid="10"/>
-                                        </p:tgtEl>
-                                        <p:attrNameLst>
-                                          <p:attrName>style.visibility</p:attrName>
-                                        </p:attrNameLst>
-                                      </p:cBhvr>
-                                      <p:to>
-                                        <p:strVal val="visible"/>
-                                      </p:to>
-                                    </p:set>
-                                  </p:childTnLst>
-                                </p:cTn>
-                              </p:par>
-                            </p:childTnLst>
-                          </p:cTn>
-                        </p:par>
-                      </p:childTnLst>
-                    </p:cTn>
-                  </p:par>
-                  <p:par>
-                    <p:cTn id="7" fill="hold">
-                      <p:stCondLst>
-                        <p:cond delay="indefinite"/>
-                      </p:stCondLst>
-                      <p:childTnLst>
-                        <p:par>
-                          <p:cTn id="8" fill="hold">
-                            <p:stCondLst>
-                              <p:cond delay="0"/>
-                            </p:stCondLst>
-                            <p:childTnLst>
-                              <p:par>
-                                <p:cTn id="9" presetID="1" presetClass="entr" presetSubtype="0" fill="hold" nodeType="clickEffect">
-                                  <p:stCondLst>
-                                    <p:cond delay="0"/>
-                                  </p:stCondLst>
-                                  <p:childTnLst>
-                                    <p:set>
-                                      <p:cBhvr>
-                                        <p:cTn id="10" dur="1" fill="hold">
-                                          <p:stCondLst>
-                                            <p:cond delay="0"/>
-                                          </p:stCondLst>
-                                        </p:cTn>
-                                        <p:tgtEl>
-                                          <p:spTgt spid="16"/>
-                                        </p:tgtEl>
-                                        <p:attrNameLst>
-                                          <p:attrName>style.visibility</p:attrName>
-                                        </p:attrNameLst>
-                                      </p:cBhvr>
-                                      <p:to>
-                                        <p:strVal val="visible"/>
-                                      </p:to>
-                                    </p:set>
-                                  </p:childTnLst>
-                                </p:cTn>
-                              </p:par>
-                            </p:childTnLst>
-                          </p:cTn>
-                        </p:par>
-                      </p:childTnLst>
-                    </p:cTn>
-                  </p:par>
-                  <p:par>
-                    <p:cTn id="11" fill="hold">
-                      <p:stCondLst>
-                        <p:cond delay="indefinite"/>
-                      </p:stCondLst>
-                      <p:childTnLst>
-                        <p:par>
-                          <p:cTn id="12" fill="hold">
-                            <p:stCondLst>
-                              <p:cond delay="0"/>
-                            </p:stCondLst>
-                            <p:childTnLst>
-                              <p:par>
-                                <p:cTn id="13" presetID="1" presetClass="entr" presetSubtype="0" fill="hold" grpId="0" nodeType="clickEffect">
-                                  <p:stCondLst>
-                                    <p:cond delay="0"/>
-                                  </p:stCondLst>
-                                  <p:childTnLst>
-                                    <p:set>
-                                      <p:cBhvr>
-                                        <p:cTn id="14" dur="1" fill="hold">
-                                          <p:stCondLst>
-                                            <p:cond delay="0"/>
-                                          </p:stCondLst>
-                                        </p:cTn>
-                                        <p:tgtEl>
-                                          <p:spTgt spid="11"/>
-                                        </p:tgtEl>
-                                        <p:attrNameLst>
-                                          <p:attrName>style.visibility</p:attrName>
-                                        </p:attrNameLst>
-                                      </p:cBhvr>
-                                      <p:to>
-                                        <p:strVal val="visible"/>
-                                      </p:to>
-                                    </p:set>
-                                  </p:childTnLst>
-                                </p:cTn>
-                              </p:par>
-                            </p:childTnLst>
-                          </p:cTn>
-                        </p:par>
-                      </p:childTnLst>
-                    </p:cTn>
-                  </p:par>
-                  <p:par>
-                    <p:cTn id="15" fill="hold">
-                      <p:stCondLst>
-                        <p:cond delay="indefinite"/>
-                      </p:stCondLst>
-                      <p:childTnLst>
-                        <p:par>
-                          <p:cTn id="16" fill="hold">
-                            <p:stCondLst>
-                              <p:cond delay="0"/>
-                            </p:stCondLst>
-                            <p:childTnLst>
-                              <p:par>
-                                <p:cTn id="17" presetID="1" presetClass="entr" presetSubtype="0" fill="hold" nodeType="clickEffect">
-                                  <p:stCondLst>
-                                    <p:cond delay="0"/>
-                                  </p:stCondLst>
-                                  <p:childTnLst>
-                                    <p:set>
-                                      <p:cBhvr>
-                                        <p:cTn id="18" dur="1" fill="hold">
-                                          <p:stCondLst>
-                                            <p:cond delay="0"/>
-                                          </p:stCondLst>
-                                        </p:cTn>
-                                        <p:tgtEl>
-                                          <p:spTgt spid="14"/>
-                                        </p:tgtEl>
-                                        <p:attrNameLst>
-                                          <p:attrName>style.visibility</p:attrName>
-                                        </p:attrNameLst>
-                                      </p:cBhvr>
-                                      <p:to>
-                                        <p:strVal val="visible"/>
-                                      </p:to>
-                                    </p:set>
-                                  </p:childTnLst>
-                                </p:cTn>
-                              </p:par>
-                            </p:childTnLst>
-                          </p:cTn>
-                        </p:par>
-                      </p:childTnLst>
-                    </p:cTn>
-                  </p:par>
-                  <p:par>
-                    <p:cTn id="19" fill="hold">
-                      <p:stCondLst>
-                        <p:cond delay="indefinite"/>
-                      </p:stCondLst>
-                      <p:childTnLst>
-                        <p:par>
-                          <p:cTn id="20" fill="hold">
-                            <p:stCondLst>
-                              <p:cond delay="0"/>
-                            </p:stCondLst>
-                            <p:childTnLst>
-                              <p:par>
-                                <p:cTn id="21" presetID="1" presetClass="entr" presetSubtype="0" fill="hold" grpId="0" nodeType="clickEffect">
-                                  <p:stCondLst>
-                                    <p:cond delay="0"/>
-                                  </p:stCondLst>
-                                  <p:childTnLst>
-                                    <p:set>
-                                      <p:cBhvr>
-                                        <p:cTn id="22" dur="1" fill="hold">
-                                          <p:stCondLst>
-                                            <p:cond delay="0"/>
-                                          </p:stCondLst>
-                                        </p:cTn>
-                                        <p:tgtEl>
-                                          <p:spTgt spid="12"/>
-                                        </p:tgtEl>
-                                        <p:attrNameLst>
-                                          <p:attrName>style.visibility</p:attrName>
-                                        </p:attrNameLst>
-                                      </p:cBhvr>
-                                      <p:to>
-                                        <p:strVal val="visible"/>
-                                      </p:to>
-                                    </p:set>
-                                  </p:childTnLst>
-                                </p:cTn>
-                              </p:par>
-                            </p:childTnLst>
-                          </p:cTn>
-                        </p:par>
-                      </p:childTnLst>
-                    </p:cTn>
-                  </p:par>
-                </p:childTnLst>
-              </p:cTn>
-              <p:prevCondLst>
-                <p:cond evt="onPrev" delay="0">
-                  <p:tgtEl>
-                    <p:sldTgt/>
-                  </p:tgtEl>
-                </p:cond>
-              </p:prevCondLst>
-              <p:nextCondLst>
-                <p:cond evt="onNext" delay="0">
-                  <p:tgtEl>
-                    <p:sldTgt/>
-                  </p:tgtEl>
-                </p:cond>
-              </p:nextCondLst>
-            </p:seq>
-          </p:childTnLst>
-        </p:cTn>
-      </p:par>
-    </p:tnLst>
-    <p:bldLst>
-      <p:bldP spid="10" grpId="0"/>
-      <p:bldP spid="11" grpId="0"/>
-      <p:bldP spid="12" grpId="0"/>
-    </p:bldLst>
-  </p:timing>
-</p:sld>
-</file>
-
-<file path=ppt/slides/slide23.xml><?xml version="1.0" encoding="utf-8"?>
-<p:sld xmlns:a="http://schemas.openxmlformats.org/drawingml/2006/main" xmlns:r="http://schemas.openxmlformats.org/officeDocument/2006/relationships" xmlns:p="http://schemas.openxmlformats.org/presentationml/2006/main">
-  <p:cSld>
-    <p:spTree>
-      <p:nvGrpSpPr>
-        <p:cNvPr id="1" name=""/>
-        <p:cNvGrpSpPr/>
-        <p:nvPr/>
-      </p:nvGrpSpPr>
-      <p:grpSpPr>
-        <a:xfrm>
-          <a:off x="0" y="0"/>
-          <a:ext cx="0" cy="0"/>
-          <a:chOff x="0" y="0"/>
-          <a:chExt cx="0" cy="0"/>
-        </a:xfrm>
-      </p:grpSpPr>
-      <p:sp>
-        <p:nvSpPr>
-          <p:cNvPr id="2" name="Text Placeholder 1"/>
-          <p:cNvSpPr>
-            <a:spLocks noGrp="1"/>
-          </p:cNvSpPr>
-          <p:nvPr>
-            <p:ph type="body" sz="quarter" idx="10"/>
-          </p:nvPr>
-        </p:nvSpPr>
-        <p:spPr/>
-        <p:txBody>
-          <a:bodyPr/>
-          <a:lstStyle/>
-          <a:p>
-            <a:pPr>
-              <a:buClr>
-                <a:schemeClr val="tx1"/>
-              </a:buClr>
-            </a:pPr>
-            <a:r>
-              <a:rPr lang="ru-RU" b="1" dirty="0">
-                <a:solidFill>
-                  <a:schemeClr val="bg1"/>
-                </a:solidFill>
-              </a:rPr>
-              <a:t>Блоковете за събития </a:t>
-            </a:r>
-            <a:r>
-              <a:rPr lang="ru-RU" dirty="0"/>
-              <a:t>- блокове, които управляват събитията и задействането на </a:t>
-            </a:r>
-            <a:r>
-              <a:rPr lang="ru-RU" b="1" dirty="0"/>
-              <a:t>скриптове</a:t>
-            </a:r>
-            <a:endParaRPr lang="en-US" dirty="0"/>
-          </a:p>
-        </p:txBody>
-      </p:sp>
-      <p:sp>
-        <p:nvSpPr>
-          <p:cNvPr id="3" name="Title 2"/>
-          <p:cNvSpPr>
-            <a:spLocks noGrp="1"/>
-          </p:cNvSpPr>
-          <p:nvPr>
-            <p:ph type="title"/>
-          </p:nvPr>
-        </p:nvSpPr>
-        <p:spPr/>
-        <p:txBody>
-          <a:bodyPr/>
-          <a:lstStyle/>
-          <a:p>
-            <a:r>
-              <a:rPr lang="bg-BG" dirty="0"/>
-              <a:t>Блокове за събития</a:t>
-            </a:r>
-            <a:endParaRPr lang="en-US" dirty="0"/>
-          </a:p>
-        </p:txBody>
-      </p:sp>
-      <p:sp>
-        <p:nvSpPr>
-          <p:cNvPr id="4" name="Slide Number Placeholder 3"/>
-          <p:cNvSpPr>
-            <a:spLocks noGrp="1"/>
-          </p:cNvSpPr>
-          <p:nvPr>
-            <p:ph type="sldNum" sz="quarter" idx="13"/>
-          </p:nvPr>
-        </p:nvSpPr>
-        <p:spPr/>
-        <p:txBody>
-          <a:bodyPr/>
-          <a:lstStyle/>
-          <a:p>
-            <a:fld id="{C014DD1E-5D91-48A3-AD6D-45FBA980D106}" type="slidenum">
-              <a:rPr lang="en-US" smtClean="0"/>
-              <a:pPr/>
-              <a:t>23</a:t>
-            </a:fld>
-            <a:endParaRPr lang="en-US" dirty="0"/>
-          </a:p>
-        </p:txBody>
-      </p:sp>
-    </p:spTree>
-    <p:extLst>
-      <p:ext uri="{BB962C8B-B14F-4D97-AF65-F5344CB8AC3E}">
-        <p14:creationId xmlns:p14="http://schemas.microsoft.com/office/powerpoint/2010/main" val="1969884848"/>
-      </p:ext>
-    </p:extLst>
-  </p:cSld>
-  <p:clrMapOvr>
-    <a:masterClrMapping/>
-  </p:clrMapOvr>
-  <mc:AlternateContent xmlns:mc="http://schemas.openxmlformats.org/markup-compatibility/2006" xmlns:p14="http://schemas.microsoft.com/office/powerpoint/2010/main">
-    <mc:Choice Requires="p14">
-      <p:transition spd="slow" p14:dur="2000" advClick="0" advTm="5000"/>
-    </mc:Choice>
-    <mc:Fallback xmlns="">
-      <p:transition spd="slow" advClick="0" advTm="5000"/>
-    </mc:Fallback>
-  </mc:AlternateContent>
-</p:sld>
-</file>
-
-<file path=ppt/slides/slide24.xml><?xml version="1.0" encoding="utf-8"?>
-<p:sld xmlns:a="http://schemas.openxmlformats.org/drawingml/2006/main" xmlns:r="http://schemas.openxmlformats.org/officeDocument/2006/relationships" xmlns:p="http://schemas.openxmlformats.org/presentationml/2006/main">
-  <p:cSld>
-    <p:spTree>
-      <p:nvGrpSpPr>
-        <p:cNvPr id="1" name=""/>
-        <p:cNvGrpSpPr/>
-        <p:nvPr/>
-      </p:nvGrpSpPr>
-      <p:grpSpPr>
-        <a:xfrm>
-          <a:off x="0" y="0"/>
-          <a:ext cx="0" cy="0"/>
-          <a:chOff x="0" y="0"/>
-          <a:chExt cx="0" cy="0"/>
-        </a:xfrm>
-      </p:grpSpPr>
-      <p:sp>
-        <p:nvSpPr>
-          <p:cNvPr id="3" name="Title 2"/>
-          <p:cNvSpPr>
-            <a:spLocks noGrp="1"/>
-          </p:cNvSpPr>
-          <p:nvPr>
-            <p:ph type="title"/>
-          </p:nvPr>
-        </p:nvSpPr>
-        <p:spPr/>
-        <p:txBody>
-          <a:bodyPr/>
-          <a:lstStyle/>
-          <a:p>
-            <a:r>
-              <a:rPr lang="bg-BG" dirty="0"/>
-              <a:t>Блокове за събития</a:t>
-            </a:r>
-            <a:endParaRPr lang="en-US" dirty="0"/>
-          </a:p>
-        </p:txBody>
-      </p:sp>
-      <p:sp>
-        <p:nvSpPr>
-          <p:cNvPr id="4" name="Slide Number Placeholder 3"/>
-          <p:cNvSpPr>
-            <a:spLocks noGrp="1"/>
-          </p:cNvSpPr>
-          <p:nvPr>
-            <p:ph type="sldNum" sz="quarter" idx="13"/>
-          </p:nvPr>
-        </p:nvSpPr>
-        <p:spPr/>
-        <p:txBody>
-          <a:bodyPr/>
-          <a:lstStyle/>
-          <a:p>
-            <a:fld id="{C014DD1E-5D91-48A3-AD6D-45FBA980D106}" type="slidenum">
-              <a:rPr lang="en-US" smtClean="0"/>
-              <a:pPr/>
-              <a:t>24</a:t>
-            </a:fld>
-            <a:endParaRPr lang="en-US" dirty="0"/>
-          </a:p>
-        </p:txBody>
-      </p:sp>
-      <p:graphicFrame>
-        <p:nvGraphicFramePr>
-          <p:cNvPr id="5" name="Table 4"/>
-          <p:cNvGraphicFramePr>
-            <a:graphicFrameLocks noGrp="1"/>
-          </p:cNvGraphicFramePr>
-          <p:nvPr>
-            <p:extLst>
-              <p:ext uri="{D42A27DB-BD31-4B8C-83A1-F6EECF244321}">
-                <p14:modId xmlns:p14="http://schemas.microsoft.com/office/powerpoint/2010/main" val="2622276463"/>
-              </p:ext>
-            </p:extLst>
-          </p:nvPr>
-        </p:nvGraphicFramePr>
-        <p:xfrm>
-          <a:off x="509951" y="1406076"/>
-          <a:ext cx="11175024" cy="5196947"/>
-        </p:xfrm>
-        <a:graphic>
-          <a:graphicData uri="http://schemas.openxmlformats.org/drawingml/2006/table">
-            <a:tbl>
-              <a:tblPr firstRow="1" bandRow="1">
-                <a:tableStyleId>{5940675A-B579-460E-94D1-54222C63F5DA}</a:tableStyleId>
-              </a:tblPr>
-              <a:tblGrid>
-                <a:gridCol w="5587512">
-                  <a:extLst>
-                    <a:ext uri="{9D8B030D-6E8A-4147-A177-3AD203B41FA5}">
-                      <a16:colId xmlns:a16="http://schemas.microsoft.com/office/drawing/2014/main" val="2557892266"/>
-                    </a:ext>
-                  </a:extLst>
-                </a:gridCol>
-                <a:gridCol w="5587512">
-                  <a:extLst>
-                    <a:ext uri="{9D8B030D-6E8A-4147-A177-3AD203B41FA5}">
-                      <a16:colId xmlns:a16="http://schemas.microsoft.com/office/drawing/2014/main" val="3119956751"/>
-                    </a:ext>
-                  </a:extLst>
-                </a:gridCol>
-              </a:tblGrid>
-              <a:tr h="1326270">
-                <a:tc>
-                  <a:txBody>
-                    <a:bodyPr/>
-                    <a:lstStyle/>
-                    <a:p>
-                      <a:endParaRPr lang="en-US" dirty="0"/>
-                    </a:p>
-                  </a:txBody>
-                  <a:tcPr/>
-                </a:tc>
-                <a:tc>
-                  <a:txBody>
-                    <a:bodyPr/>
-                    <a:lstStyle/>
-                    <a:p>
-                      <a:endParaRPr lang="en-US" dirty="0"/>
-                    </a:p>
-                  </a:txBody>
-                  <a:tcPr/>
-                </a:tc>
-                <a:extLst>
-                  <a:ext uri="{0D108BD9-81ED-4DB2-BD59-A6C34878D82A}">
-                    <a16:rowId xmlns:a16="http://schemas.microsoft.com/office/drawing/2014/main" val="58508243"/>
-                  </a:ext>
-                </a:extLst>
-              </a:tr>
-              <a:tr h="1072661">
-                <a:tc>
-                  <a:txBody>
-                    <a:bodyPr/>
-                    <a:lstStyle/>
-                    <a:p>
-                      <a:endParaRPr lang="en-US" dirty="0"/>
-                    </a:p>
-                  </a:txBody>
-                  <a:tcPr/>
-                </a:tc>
-                <a:tc>
-                  <a:txBody>
-                    <a:bodyPr/>
-                    <a:lstStyle/>
-                    <a:p>
-                      <a:endParaRPr lang="en-US" dirty="0"/>
-                    </a:p>
-                  </a:txBody>
-                  <a:tcPr/>
-                </a:tc>
-                <a:extLst>
-                  <a:ext uri="{0D108BD9-81ED-4DB2-BD59-A6C34878D82A}">
-                    <a16:rowId xmlns:a16="http://schemas.microsoft.com/office/drawing/2014/main" val="3708267832"/>
-                  </a:ext>
-                </a:extLst>
-              </a:tr>
-              <a:tr h="1362808">
-                <a:tc>
-                  <a:txBody>
-                    <a:bodyPr/>
-                    <a:lstStyle/>
-                    <a:p>
-                      <a:endParaRPr lang="en-US" dirty="0"/>
-                    </a:p>
-                  </a:txBody>
-                  <a:tcPr/>
-                </a:tc>
-                <a:tc>
-                  <a:txBody>
-                    <a:bodyPr/>
-                    <a:lstStyle/>
-                    <a:p>
-                      <a:endParaRPr lang="en-US" dirty="0"/>
-                    </a:p>
-                  </a:txBody>
-                  <a:tcPr/>
-                </a:tc>
-                <a:extLst>
-                  <a:ext uri="{0D108BD9-81ED-4DB2-BD59-A6C34878D82A}">
-                    <a16:rowId xmlns:a16="http://schemas.microsoft.com/office/drawing/2014/main" val="3330781200"/>
-                  </a:ext>
-                </a:extLst>
-              </a:tr>
-              <a:tr h="1435208">
-                <a:tc>
-                  <a:txBody>
-                    <a:bodyPr/>
-                    <a:lstStyle/>
-                    <a:p>
-                      <a:endParaRPr lang="en-US" dirty="0"/>
-                    </a:p>
-                  </a:txBody>
-                  <a:tcPr/>
-                </a:tc>
-                <a:tc>
-                  <a:txBody>
-                    <a:bodyPr/>
-                    <a:lstStyle/>
-                    <a:p>
-                      <a:endParaRPr lang="en-US" dirty="0"/>
-                    </a:p>
-                  </a:txBody>
-                  <a:tcPr/>
-                </a:tc>
-                <a:extLst>
-                  <a:ext uri="{0D108BD9-81ED-4DB2-BD59-A6C34878D82A}">
-                    <a16:rowId xmlns:a16="http://schemas.microsoft.com/office/drawing/2014/main" val="3455031369"/>
-                  </a:ext>
-                </a:extLst>
-              </a:tr>
-            </a:tbl>
-          </a:graphicData>
-        </a:graphic>
-      </p:graphicFrame>
-      <p:sp>
-        <p:nvSpPr>
-          <p:cNvPr id="10" name="TextBox 9"/>
-          <p:cNvSpPr txBox="1"/>
-          <p:nvPr/>
-        </p:nvSpPr>
-        <p:spPr>
-          <a:xfrm>
-            <a:off x="6093068" y="1649916"/>
-            <a:ext cx="5591908" cy="956773"/>
-          </a:xfrm>
-          <a:prstGeom prst="rect">
-            <a:avLst/>
-          </a:prstGeom>
-          <a:noFill/>
-          <a:ln w="12700">
-            <a:noFill/>
-          </a:ln>
-        </p:spPr>
-        <p:txBody>
-          <a:bodyPr vert="horz" wrap="square" lIns="144000" tIns="108000" rIns="144000" bIns="108000" rtlCol="0">
-            <a:spAutoFit/>
-          </a:bodyPr>
-          <a:lstStyle/>
-          <a:p>
-            <a:r>
-              <a:rPr lang="ru-RU" sz="2400" dirty="0"/>
-              <a:t>Когато се </a:t>
-            </a:r>
-            <a:r>
-              <a:rPr lang="ru-RU" sz="2400" b="1" dirty="0"/>
-              <a:t>щракне</a:t>
-            </a:r>
-            <a:r>
-              <a:rPr lang="ru-RU" sz="2400" dirty="0"/>
-              <a:t> върху </a:t>
-            </a:r>
-            <a:r>
-              <a:rPr lang="ru-RU" sz="2400" b="1" dirty="0"/>
-              <a:t>флага</a:t>
-            </a:r>
-            <a:r>
-              <a:rPr lang="ru-RU" sz="2400" dirty="0"/>
-              <a:t>, кодът се </a:t>
-            </a:r>
-            <a:r>
-              <a:rPr lang="ru-RU" sz="2400" b="1" dirty="0"/>
-              <a:t>активира</a:t>
-            </a:r>
-            <a:endParaRPr lang="en-US" sz="2400" b="1" dirty="0"/>
-          </a:p>
-        </p:txBody>
-      </p:sp>
-      <p:sp>
-        <p:nvSpPr>
-          <p:cNvPr id="11" name="TextBox 10"/>
-          <p:cNvSpPr txBox="1"/>
-          <p:nvPr/>
-        </p:nvSpPr>
-        <p:spPr>
-          <a:xfrm>
-            <a:off x="6093068" y="2756062"/>
-            <a:ext cx="5591908" cy="1436905"/>
-          </a:xfrm>
-          <a:prstGeom prst="rect">
-            <a:avLst/>
-          </a:prstGeom>
-          <a:noFill/>
-          <a:ln w="12700">
-            <a:noFill/>
-          </a:ln>
-        </p:spPr>
-        <p:txBody>
-          <a:bodyPr vert="horz" wrap="square" lIns="144000" tIns="108000" rIns="144000" bIns="108000" rtlCol="0">
-            <a:spAutoFit/>
-          </a:bodyPr>
-          <a:lstStyle/>
-          <a:p>
-            <a:pPr eaLnBrk="0" hangingPunct="0">
-              <a:lnSpc>
-                <a:spcPct val="110000"/>
-              </a:lnSpc>
-              <a:buClr>
-                <a:schemeClr val="accent5">
-                  <a:lumMod val="40000"/>
-                  <a:lumOff val="60000"/>
-                </a:schemeClr>
-              </a:buClr>
-              <a:buSzPct val="70000"/>
-            </a:pPr>
-            <a:r>
-              <a:rPr lang="bg-BG" sz="2400" dirty="0"/>
-              <a:t>Когато се </a:t>
-            </a:r>
-            <a:r>
-              <a:rPr lang="bg-BG" sz="2400" b="1" dirty="0"/>
-              <a:t>натисне</a:t>
-            </a:r>
-            <a:r>
-              <a:rPr lang="bg-BG" sz="2400" dirty="0"/>
-              <a:t> посоченият клавиш, кодът се </a:t>
-            </a:r>
-            <a:r>
-              <a:rPr lang="bg-BG" sz="2400" b="1" dirty="0"/>
-              <a:t>активира</a:t>
-            </a:r>
-            <a:endParaRPr lang="en-US" sz="2400" b="1" dirty="0"/>
-          </a:p>
-          <a:p>
-            <a:pPr algn="l" eaLnBrk="0" hangingPunct="0">
-              <a:lnSpc>
-                <a:spcPct val="110000"/>
-              </a:lnSpc>
-              <a:buClr>
-                <a:schemeClr val="accent5">
-                  <a:lumMod val="40000"/>
-                  <a:lumOff val="60000"/>
-                </a:schemeClr>
-              </a:buClr>
-              <a:buSzPct val="70000"/>
-            </a:pPr>
-            <a:endParaRPr lang="en-US" sz="2400" dirty="0"/>
-          </a:p>
-        </p:txBody>
-      </p:sp>
-      <p:sp>
-        <p:nvSpPr>
-          <p:cNvPr id="12" name="TextBox 11"/>
-          <p:cNvSpPr txBox="1"/>
-          <p:nvPr/>
-        </p:nvSpPr>
-        <p:spPr>
-          <a:xfrm>
-            <a:off x="6093068" y="4014474"/>
-            <a:ext cx="5591908" cy="1010314"/>
-          </a:xfrm>
-          <a:prstGeom prst="rect">
-            <a:avLst/>
-          </a:prstGeom>
-          <a:noFill/>
-          <a:ln w="12700">
-            <a:noFill/>
-          </a:ln>
-        </p:spPr>
-        <p:txBody>
-          <a:bodyPr vert="horz" wrap="square" lIns="144000" tIns="108000" rIns="144000" bIns="108000" rtlCol="0">
-            <a:spAutoFit/>
-          </a:bodyPr>
-          <a:lstStyle/>
-          <a:p>
-            <a:pPr eaLnBrk="0" hangingPunct="0">
-              <a:lnSpc>
-                <a:spcPct val="110000"/>
-              </a:lnSpc>
-              <a:buClr>
-                <a:schemeClr val="accent5">
-                  <a:lumMod val="40000"/>
-                  <a:lumOff val="60000"/>
-                </a:schemeClr>
-              </a:buClr>
-              <a:buSzPct val="70000"/>
-            </a:pPr>
-            <a:r>
-              <a:rPr lang="bg-BG" sz="2400" dirty="0"/>
-              <a:t>Когато първата стойност е </a:t>
-            </a:r>
-            <a:r>
-              <a:rPr lang="bg-BG" sz="2400" b="1" dirty="0"/>
-              <a:t>по-голяма</a:t>
-            </a:r>
-            <a:r>
-              <a:rPr lang="bg-BG" sz="2400" dirty="0"/>
-              <a:t> от втората, кодът се </a:t>
-            </a:r>
-            <a:r>
-              <a:rPr lang="bg-BG" sz="2400" b="1" dirty="0"/>
-              <a:t>активира</a:t>
-            </a:r>
-            <a:endParaRPr lang="en-US" sz="2400" b="1" dirty="0"/>
-          </a:p>
-        </p:txBody>
-      </p:sp>
-      <p:sp>
-        <p:nvSpPr>
-          <p:cNvPr id="13" name="TextBox 12"/>
-          <p:cNvSpPr txBox="1"/>
-          <p:nvPr/>
-        </p:nvSpPr>
-        <p:spPr>
-          <a:xfrm>
-            <a:off x="6093068" y="5367285"/>
-            <a:ext cx="5591907" cy="1030640"/>
-          </a:xfrm>
-          <a:prstGeom prst="rect">
-            <a:avLst/>
-          </a:prstGeom>
-          <a:noFill/>
-          <a:ln w="12700">
-            <a:noFill/>
-          </a:ln>
-        </p:spPr>
-        <p:txBody>
-          <a:bodyPr vert="horz" wrap="square" lIns="144000" tIns="108000" rIns="144000" bIns="108000" rtlCol="0">
-            <a:spAutoFit/>
-          </a:bodyPr>
-          <a:lstStyle/>
-          <a:p>
-            <a:pPr eaLnBrk="0" hangingPunct="0">
-              <a:lnSpc>
-                <a:spcPct val="110000"/>
-              </a:lnSpc>
-              <a:buClr>
-                <a:schemeClr val="accent5">
-                  <a:lumMod val="40000"/>
-                  <a:lumOff val="60000"/>
-                </a:schemeClr>
-              </a:buClr>
-              <a:buSzPct val="70000"/>
-            </a:pPr>
-            <a:r>
-              <a:rPr lang="bg-BG" sz="2400" dirty="0"/>
-              <a:t>Когато се </a:t>
-            </a:r>
-            <a:r>
-              <a:rPr lang="bg-BG" sz="2400" b="1" dirty="0"/>
-              <a:t>щракне</a:t>
-            </a:r>
-            <a:r>
-              <a:rPr lang="bg-BG" sz="2400" dirty="0"/>
-              <a:t> върху </a:t>
-            </a:r>
-            <a:r>
-              <a:rPr lang="bg-BG" sz="2400" b="1" dirty="0"/>
-              <a:t>спрайта</a:t>
-            </a:r>
-            <a:r>
-              <a:rPr lang="en-US" sz="2400" b="1" dirty="0"/>
-              <a:t>,</a:t>
-            </a:r>
-            <a:r>
-              <a:rPr lang="bg-BG" sz="2400" dirty="0"/>
-              <a:t> кодът се </a:t>
-            </a:r>
-            <a:r>
-              <a:rPr lang="bg-BG" sz="2400" b="1" dirty="0"/>
-              <a:t>активира</a:t>
-            </a:r>
-            <a:endParaRPr lang="en-US" sz="2400" b="1" dirty="0"/>
-          </a:p>
-        </p:txBody>
-      </p:sp>
-      <p:pic>
-        <p:nvPicPr>
-          <p:cNvPr id="2" name="Picture 1"/>
-          <p:cNvPicPr>
-            <a:picLocks noChangeAspect="1"/>
-          </p:cNvPicPr>
-          <p:nvPr/>
-        </p:nvPicPr>
-        <p:blipFill>
-          <a:blip r:embed="rId3">
-            <a:extLst>
-              <a:ext uri="{28A0092B-C50C-407E-A947-70E740481C1C}">
-                <a14:useLocalDpi xmlns:a14="http://schemas.microsoft.com/office/drawing/2010/main" val="0"/>
-              </a:ext>
-            </a:extLst>
-          </a:blip>
-          <a:stretch>
-            <a:fillRect/>
-          </a:stretch>
-        </p:blipFill>
-        <p:spPr>
-          <a:xfrm>
-            <a:off x="2277481" y="1612662"/>
-            <a:ext cx="2083504" cy="884364"/>
-          </a:xfrm>
-          <a:prstGeom prst="rect">
-            <a:avLst/>
-          </a:prstGeom>
-        </p:spPr>
-      </p:pic>
-      <p:pic>
-        <p:nvPicPr>
-          <p:cNvPr id="14" name="Picture 13"/>
-          <p:cNvPicPr>
-            <a:picLocks noChangeAspect="1"/>
-          </p:cNvPicPr>
-          <p:nvPr/>
-        </p:nvPicPr>
-        <p:blipFill>
-          <a:blip r:embed="rId4">
-            <a:extLst>
-              <a:ext uri="{28A0092B-C50C-407E-A947-70E740481C1C}">
-                <a14:useLocalDpi xmlns:a14="http://schemas.microsoft.com/office/drawing/2010/main" val="0"/>
-              </a:ext>
-            </a:extLst>
-          </a:blip>
-          <a:stretch>
-            <a:fillRect/>
-          </a:stretch>
-        </p:blipFill>
-        <p:spPr>
-          <a:xfrm>
-            <a:off x="1782483" y="2941040"/>
-            <a:ext cx="3074595" cy="735800"/>
-          </a:xfrm>
-          <a:prstGeom prst="rect">
-            <a:avLst/>
-          </a:prstGeom>
-        </p:spPr>
-      </p:pic>
-      <p:pic>
-        <p:nvPicPr>
-          <p:cNvPr id="15" name="Picture 14"/>
-          <p:cNvPicPr>
-            <a:picLocks noChangeAspect="1"/>
-          </p:cNvPicPr>
-          <p:nvPr/>
-        </p:nvPicPr>
-        <p:blipFill>
-          <a:blip r:embed="rId5">
-            <a:extLst>
-              <a:ext uri="{28A0092B-C50C-407E-A947-70E740481C1C}">
-                <a14:useLocalDpi xmlns:a14="http://schemas.microsoft.com/office/drawing/2010/main" val="0"/>
-              </a:ext>
-            </a:extLst>
-          </a:blip>
-          <a:stretch>
-            <a:fillRect/>
-          </a:stretch>
-        </p:blipFill>
-        <p:spPr>
-          <a:xfrm>
-            <a:off x="2181274" y="4053501"/>
-            <a:ext cx="2275917" cy="882780"/>
-          </a:xfrm>
-          <a:prstGeom prst="rect">
-            <a:avLst/>
-          </a:prstGeom>
-        </p:spPr>
-      </p:pic>
-      <p:pic>
-        <p:nvPicPr>
-          <p:cNvPr id="16" name="Picture 15"/>
-          <p:cNvPicPr>
-            <a:picLocks noChangeAspect="1"/>
-          </p:cNvPicPr>
-          <p:nvPr/>
-        </p:nvPicPr>
-        <p:blipFill>
-          <a:blip r:embed="rId6">
-            <a:extLst>
-              <a:ext uri="{28A0092B-C50C-407E-A947-70E740481C1C}">
-                <a14:useLocalDpi xmlns:a14="http://schemas.microsoft.com/office/drawing/2010/main" val="0"/>
-              </a:ext>
-            </a:extLst>
-          </a:blip>
-          <a:stretch>
-            <a:fillRect/>
-          </a:stretch>
-        </p:blipFill>
-        <p:spPr>
-          <a:xfrm>
-            <a:off x="2181274" y="5477608"/>
-            <a:ext cx="2275917" cy="745559"/>
-          </a:xfrm>
-          <a:prstGeom prst="rect">
-            <a:avLst/>
-          </a:prstGeom>
-        </p:spPr>
-      </p:pic>
-    </p:spTree>
-    <p:extLst>
-      <p:ext uri="{BB962C8B-B14F-4D97-AF65-F5344CB8AC3E}">
-        <p14:creationId xmlns:p14="http://schemas.microsoft.com/office/powerpoint/2010/main" val="4002760067"/>
-      </p:ext>
-    </p:extLst>
-  </p:cSld>
-  <p:clrMapOvr>
-    <a:masterClrMapping/>
-  </p:clrMapOvr>
-  <mc:AlternateContent xmlns:mc="http://schemas.openxmlformats.org/markup-compatibility/2006" xmlns:p14="http://schemas.microsoft.com/office/powerpoint/2010/main">
-    <mc:Choice Requires="p14">
-      <p:transition spd="slow" p14:dur="2000" advClick="0" advTm="5000"/>
-    </mc:Choice>
-    <mc:Fallback xmlns="">
-      <p:transition spd="slow" advClick="0" advTm="5000"/>
-    </mc:Fallback>
-  </mc:AlternateContent>
-  <p:timing>
-    <p:tnLst>
-      <p:par>
-        <p:cTn id="1" dur="indefinite" restart="never" nodeType="tmRoot">
-          <p:childTnLst>
-            <p:seq concurrent="1" nextAc="seek">
-              <p:cTn id="2" dur="indefinite" nodeType="mainSeq">
-                <p:childTnLst>
-                  <p:par>
-                    <p:cTn id="3" fill="hold">
-                      <p:stCondLst>
-                        <p:cond delay="indefinite"/>
-                      </p:stCondLst>
-                      <p:childTnLst>
-                        <p:par>
-                          <p:cTn id="4" fill="hold">
-                            <p:stCondLst>
-                              <p:cond delay="0"/>
-                            </p:stCondLst>
-                            <p:childTnLst>
-                              <p:par>
-                                <p:cTn id="5" presetID="1" presetClass="entr" presetSubtype="0" fill="hold" grpId="0" nodeType="clickEffect">
-                                  <p:stCondLst>
-                                    <p:cond delay="0"/>
-                                  </p:stCondLst>
-                                  <p:childTnLst>
-                                    <p:set>
-                                      <p:cBhvr>
-                                        <p:cTn id="6" dur="1" fill="hold">
-                                          <p:stCondLst>
-                                            <p:cond delay="0"/>
-                                          </p:stCondLst>
-                                        </p:cTn>
-                                        <p:tgtEl>
-                                          <p:spTgt spid="10"/>
-                                        </p:tgtEl>
-                                        <p:attrNameLst>
-                                          <p:attrName>style.visibility</p:attrName>
-                                        </p:attrNameLst>
-                                      </p:cBhvr>
-                                      <p:to>
-                                        <p:strVal val="visible"/>
-                                      </p:to>
-                                    </p:set>
-                                  </p:childTnLst>
-                                </p:cTn>
-                              </p:par>
-                            </p:childTnLst>
-                          </p:cTn>
-                        </p:par>
-                      </p:childTnLst>
-                    </p:cTn>
-                  </p:par>
-                  <p:par>
-                    <p:cTn id="7" fill="hold">
-                      <p:stCondLst>
-                        <p:cond delay="indefinite"/>
-                      </p:stCondLst>
-                      <p:childTnLst>
-                        <p:par>
-                          <p:cTn id="8" fill="hold">
-                            <p:stCondLst>
-                              <p:cond delay="0"/>
-                            </p:stCondLst>
-                            <p:childTnLst>
-                              <p:par>
-                                <p:cTn id="9" presetID="1" presetClass="entr" presetSubtype="0" fill="hold" nodeType="clickEffect">
-                                  <p:stCondLst>
-                                    <p:cond delay="0"/>
-                                  </p:stCondLst>
-                                  <p:childTnLst>
-                                    <p:set>
-                                      <p:cBhvr>
-                                        <p:cTn id="10" dur="1" fill="hold">
-                                          <p:stCondLst>
-                                            <p:cond delay="0"/>
-                                          </p:stCondLst>
-                                        </p:cTn>
-                                        <p:tgtEl>
-                                          <p:spTgt spid="14"/>
-                                        </p:tgtEl>
-                                        <p:attrNameLst>
-                                          <p:attrName>style.visibility</p:attrName>
-                                        </p:attrNameLst>
-                                      </p:cBhvr>
-                                      <p:to>
-                                        <p:strVal val="visible"/>
-                                      </p:to>
-                                    </p:set>
-                                  </p:childTnLst>
-                                </p:cTn>
-                              </p:par>
-                            </p:childTnLst>
-                          </p:cTn>
-                        </p:par>
-                      </p:childTnLst>
-                    </p:cTn>
-                  </p:par>
-                  <p:par>
-                    <p:cTn id="11" fill="hold">
-                      <p:stCondLst>
-                        <p:cond delay="indefinite"/>
-                      </p:stCondLst>
-                      <p:childTnLst>
-                        <p:par>
-                          <p:cTn id="12" fill="hold">
-                            <p:stCondLst>
-                              <p:cond delay="0"/>
-                            </p:stCondLst>
-                            <p:childTnLst>
-                              <p:par>
-                                <p:cTn id="13" presetID="1" presetClass="entr" presetSubtype="0" fill="hold" grpId="0" nodeType="clickEffect">
-                                  <p:stCondLst>
-                                    <p:cond delay="0"/>
-                                  </p:stCondLst>
-                                  <p:childTnLst>
-                                    <p:set>
-                                      <p:cBhvr>
-                                        <p:cTn id="14" dur="1" fill="hold">
-                                          <p:stCondLst>
-                                            <p:cond delay="0"/>
-                                          </p:stCondLst>
-                                        </p:cTn>
-                                        <p:tgtEl>
-                                          <p:spTgt spid="11"/>
-                                        </p:tgtEl>
-                                        <p:attrNameLst>
-                                          <p:attrName>style.visibility</p:attrName>
-                                        </p:attrNameLst>
-                                      </p:cBhvr>
-                                      <p:to>
-                                        <p:strVal val="visible"/>
-                                      </p:to>
-                                    </p:set>
-                                  </p:childTnLst>
-                                </p:cTn>
-                              </p:par>
-                            </p:childTnLst>
-                          </p:cTn>
-                        </p:par>
-                      </p:childTnLst>
-                    </p:cTn>
-                  </p:par>
-                  <p:par>
-                    <p:cTn id="15" fill="hold">
-                      <p:stCondLst>
-                        <p:cond delay="indefinite"/>
-                      </p:stCondLst>
-                      <p:childTnLst>
-                        <p:par>
-                          <p:cTn id="16" fill="hold">
-                            <p:stCondLst>
-                              <p:cond delay="0"/>
-                            </p:stCondLst>
-                            <p:childTnLst>
-                              <p:par>
-                                <p:cTn id="17" presetID="1" presetClass="entr" presetSubtype="0" fill="hold" nodeType="clickEffect">
-                                  <p:stCondLst>
-                                    <p:cond delay="0"/>
-                                  </p:stCondLst>
-                                  <p:childTnLst>
-                                    <p:set>
-                                      <p:cBhvr>
-                                        <p:cTn id="18" dur="1" fill="hold">
-                                          <p:stCondLst>
-                                            <p:cond delay="0"/>
-                                          </p:stCondLst>
-                                        </p:cTn>
-                                        <p:tgtEl>
-                                          <p:spTgt spid="15"/>
-                                        </p:tgtEl>
-                                        <p:attrNameLst>
-                                          <p:attrName>style.visibility</p:attrName>
-                                        </p:attrNameLst>
-                                      </p:cBhvr>
-                                      <p:to>
-                                        <p:strVal val="visible"/>
-                                      </p:to>
-                                    </p:set>
-                                  </p:childTnLst>
-                                </p:cTn>
-                              </p:par>
-                            </p:childTnLst>
-                          </p:cTn>
-                        </p:par>
-                      </p:childTnLst>
-                    </p:cTn>
-                  </p:par>
-                  <p:par>
-                    <p:cTn id="19" fill="hold">
-                      <p:stCondLst>
-                        <p:cond delay="indefinite"/>
-                      </p:stCondLst>
-                      <p:childTnLst>
-                        <p:par>
-                          <p:cTn id="20" fill="hold">
-                            <p:stCondLst>
-                              <p:cond delay="0"/>
-                            </p:stCondLst>
-                            <p:childTnLst>
-                              <p:par>
-                                <p:cTn id="21" presetID="1" presetClass="entr" presetSubtype="0" fill="hold" grpId="0" nodeType="clickEffect">
-                                  <p:stCondLst>
-                                    <p:cond delay="0"/>
-                                  </p:stCondLst>
-                                  <p:childTnLst>
-                                    <p:set>
-                                      <p:cBhvr>
-                                        <p:cTn id="22" dur="1" fill="hold">
-                                          <p:stCondLst>
-                                            <p:cond delay="0"/>
-                                          </p:stCondLst>
-                                        </p:cTn>
-                                        <p:tgtEl>
-                                          <p:spTgt spid="12"/>
-                                        </p:tgtEl>
-                                        <p:attrNameLst>
-                                          <p:attrName>style.visibility</p:attrName>
-                                        </p:attrNameLst>
-                                      </p:cBhvr>
-                                      <p:to>
-                                        <p:strVal val="visible"/>
-                                      </p:to>
-                                    </p:set>
-                                  </p:childTnLst>
-                                </p:cTn>
-                              </p:par>
-                            </p:childTnLst>
-                          </p:cTn>
-                        </p:par>
-                      </p:childTnLst>
-                    </p:cTn>
-                  </p:par>
-                  <p:par>
-                    <p:cTn id="23" fill="hold">
-                      <p:stCondLst>
-                        <p:cond delay="indefinite"/>
-                      </p:stCondLst>
-                      <p:childTnLst>
-                        <p:par>
-                          <p:cTn id="24" fill="hold">
-                            <p:stCondLst>
-                              <p:cond delay="0"/>
-                            </p:stCondLst>
-                            <p:childTnLst>
-                              <p:par>
-                                <p:cTn id="25" presetID="1" presetClass="entr" presetSubtype="0" fill="hold" nodeType="clickEffect">
-                                  <p:stCondLst>
-                                    <p:cond delay="0"/>
-                                  </p:stCondLst>
-                                  <p:childTnLst>
-                                    <p:set>
-                                      <p:cBhvr>
-                                        <p:cTn id="26" dur="1" fill="hold">
-                                          <p:stCondLst>
-                                            <p:cond delay="0"/>
-                                          </p:stCondLst>
-                                        </p:cTn>
-                                        <p:tgtEl>
-                                          <p:spTgt spid="16"/>
-                                        </p:tgtEl>
-                                        <p:attrNameLst>
-                                          <p:attrName>style.visibility</p:attrName>
-                                        </p:attrNameLst>
-                                      </p:cBhvr>
-                                      <p:to>
-                                        <p:strVal val="visible"/>
-                                      </p:to>
-                                    </p:set>
-                                  </p:childTnLst>
-                                </p:cTn>
-                              </p:par>
-                            </p:childTnLst>
-                          </p:cTn>
-                        </p:par>
-                      </p:childTnLst>
-                    </p:cTn>
-                  </p:par>
-                  <p:par>
-                    <p:cTn id="27" fill="hold">
-                      <p:stCondLst>
-                        <p:cond delay="indefinite"/>
-                      </p:stCondLst>
-                      <p:childTnLst>
-                        <p:par>
-                          <p:cTn id="28" fill="hold">
-                            <p:stCondLst>
-                              <p:cond delay="0"/>
-                            </p:stCondLst>
-                            <p:childTnLst>
-                              <p:par>
-                                <p:cTn id="29" presetID="1" presetClass="entr" presetSubtype="0" fill="hold" grpId="0" nodeType="clickEffect">
-                                  <p:stCondLst>
-                                    <p:cond delay="0"/>
-                                  </p:stCondLst>
-                                  <p:childTnLst>
-                                    <p:set>
-                                      <p:cBhvr>
-                                        <p:cTn id="30" dur="1" fill="hold">
-                                          <p:stCondLst>
-                                            <p:cond delay="0"/>
-                                          </p:stCondLst>
-                                        </p:cTn>
-                                        <p:tgtEl>
-                                          <p:spTgt spid="13"/>
-                                        </p:tgtEl>
-                                        <p:attrNameLst>
-                                          <p:attrName>style.visibility</p:attrName>
-                                        </p:attrNameLst>
-                                      </p:cBhvr>
-                                      <p:to>
-                                        <p:strVal val="visible"/>
-                                      </p:to>
-                                    </p:set>
-                                  </p:childTnLst>
-                                </p:cTn>
-                              </p:par>
-                            </p:childTnLst>
-                          </p:cTn>
-                        </p:par>
-                      </p:childTnLst>
-                    </p:cTn>
-                  </p:par>
-                </p:childTnLst>
-              </p:cTn>
-              <p:prevCondLst>
-                <p:cond evt="onPrev" delay="0">
-                  <p:tgtEl>
-                    <p:sldTgt/>
-                  </p:tgtEl>
-                </p:cond>
-              </p:prevCondLst>
-              <p:nextCondLst>
-                <p:cond evt="onNext" delay="0">
-                  <p:tgtEl>
-                    <p:sldTgt/>
-                  </p:tgtEl>
-                </p:cond>
-              </p:nextCondLst>
-            </p:seq>
-          </p:childTnLst>
-        </p:cTn>
-      </p:par>
-    </p:tnLst>
-    <p:bldLst>
-      <p:bldP spid="10" grpId="0"/>
-      <p:bldP spid="11" grpId="0"/>
-      <p:bldP spid="12" grpId="0"/>
-      <p:bldP spid="13" grpId="0"/>
-    </p:bldLst>
-  </p:timing>
-</p:sld>
-</file>
-
 <file path=ppt/slides/slide25.xml><?xml version="1.0" encoding="utf-8"?>
 <p:sld xmlns:a="http://schemas.openxmlformats.org/drawingml/2006/main" xmlns:r="http://schemas.openxmlformats.org/officeDocument/2006/relationships" xmlns:p="http://schemas.openxmlformats.org/presentationml/2006/main">
   <p:cSld>
@@ -20738,6 +21599,13 @@
       <p:transition spd="slow" advClick="0" advTm="5000"/>
     </mc:Fallback>
   </mc:AlternateContent>
+  <p:timing>
+    <p:tnLst>
+      <p:par>
+        <p:cTn id="1" dur="indefinite" restart="never" nodeType="tmRoot"/>
+      </p:par>
+    </p:tnLst>
+  </p:timing>
 </p:sld>
 </file>
 
@@ -20936,6 +21804,13 @@
       <p:transition spd="slow" advClick="0" advTm="5000"/>
     </mc:Fallback>
   </mc:AlternateContent>
+  <p:timing>
+    <p:tnLst>
+      <p:par>
+        <p:cTn id="1" dur="indefinite" restart="never" nodeType="tmRoot"/>
+      </p:par>
+    </p:tnLst>
+  </p:timing>
 </p:sld>
 </file>
 
@@ -21172,12 +22047,20 @@
               <a:rPr lang="bg-BG" sz="3200" dirty="0"/>
               <a:t>Използва се предимно за </a:t>
             </a:r>
+            <a:r>
+              <a:rPr lang="en-US" sz="3200" dirty="0"/>
+              <a:t/>
+            </a:r>
             <a:br>
               <a:rPr lang="en-US" sz="3200" dirty="0"/>
             </a:br>
             <a:r>
               <a:rPr lang="bg-BG" sz="3200" dirty="0"/>
               <a:t>създаване на интерактивни </a:t>
+            </a:r>
+            <a:r>
+              <a:rPr lang="en-US" sz="3200" dirty="0"/>
+              <a:t/>
             </a:r>
             <a:br>
               <a:rPr lang="en-US" sz="3200" dirty="0"/>
